--- a/ProjectDescriptions/P1-Discrete Time Markov Chains.pptx
+++ b/ProjectDescriptions/P1-Discrete Time Markov Chains.pptx
@@ -5,7 +5,7 @@
     <p:sldMasterId id="2147483660" r:id="rId1"/>
   </p:sldMasterIdLst>
   <p:notesMasterIdLst>
-    <p:notesMasterId r:id="rId15"/>
+    <p:notesMasterId r:id="rId16"/>
   </p:notesMasterIdLst>
   <p:sldIdLst>
     <p:sldId id="256" r:id="rId2"/>
@@ -14,13 +14,14 @@
     <p:sldId id="441" r:id="rId5"/>
     <p:sldId id="442" r:id="rId6"/>
     <p:sldId id="443" r:id="rId7"/>
-    <p:sldId id="451" r:id="rId8"/>
+    <p:sldId id="454" r:id="rId8"/>
     <p:sldId id="447" r:id="rId9"/>
     <p:sldId id="449" r:id="rId10"/>
     <p:sldId id="446" r:id="rId11"/>
     <p:sldId id="445" r:id="rId12"/>
     <p:sldId id="267" r:id="rId13"/>
     <p:sldId id="257" r:id="rId14"/>
+    <p:sldId id="453" r:id="rId15"/>
   </p:sldIdLst>
   <p:sldSz cx="12192000" cy="6858000"/>
   <p:notesSz cx="6858000" cy="9144000"/>
@@ -209,7 +210,7 @@
           <a:p>
             <a:fld id="{A0C1F70C-5BF6-43D2-96A0-6511110BD68E}" type="datetimeFigureOut">
               <a:rPr lang="en-US" smtClean="0"/>
-              <a:t>11/1/2022</a:t>
+              <a:t>11/2/2022</a:t>
             </a:fld>
             <a:endParaRPr lang="en-US"/>
           </a:p>
@@ -638,6 +639,90 @@
     <p:extLst>
       <p:ext uri="{BB962C8B-B14F-4D97-AF65-F5344CB8AC3E}">
         <p14:creationId xmlns:p14="http://schemas.microsoft.com/office/powerpoint/2010/main" val="2089386055"/>
+      </p:ext>
+    </p:extLst>
+  </p:cSld>
+  <p:clrMapOvr>
+    <a:masterClrMapping/>
+  </p:clrMapOvr>
+</p:notes>
+</file>
+
+<file path=ppt/notesSlides/notesSlide3.xml><?xml version="1.0" encoding="utf-8"?>
+<p:notes xmlns:a="http://schemas.openxmlformats.org/drawingml/2006/main" xmlns:r="http://schemas.openxmlformats.org/officeDocument/2006/relationships" xmlns:p="http://schemas.openxmlformats.org/presentationml/2006/main">
+  <p:cSld>
+    <p:spTree>
+      <p:nvGrpSpPr>
+        <p:cNvPr id="1" name=""/>
+        <p:cNvGrpSpPr/>
+        <p:nvPr/>
+      </p:nvGrpSpPr>
+      <p:grpSpPr>
+        <a:xfrm>
+          <a:off x="0" y="0"/>
+          <a:ext cx="0" cy="0"/>
+          <a:chOff x="0" y="0"/>
+          <a:chExt cx="0" cy="0"/>
+        </a:xfrm>
+      </p:grpSpPr>
+      <p:sp>
+        <p:nvSpPr>
+          <p:cNvPr id="2" name="Slide Image Placeholder 1"/>
+          <p:cNvSpPr>
+            <a:spLocks noGrp="1" noRot="1" noChangeAspect="1"/>
+          </p:cNvSpPr>
+          <p:nvPr>
+            <p:ph type="sldImg"/>
+          </p:nvPr>
+        </p:nvSpPr>
+        <p:spPr/>
+      </p:sp>
+      <p:sp>
+        <p:nvSpPr>
+          <p:cNvPr id="3" name="Notes Placeholder 2"/>
+          <p:cNvSpPr>
+            <a:spLocks noGrp="1"/>
+          </p:cNvSpPr>
+          <p:nvPr>
+            <p:ph type="body" idx="1"/>
+          </p:nvPr>
+        </p:nvSpPr>
+        <p:spPr/>
+        <p:txBody>
+          <a:bodyPr/>
+          <a:lstStyle/>
+          <a:p>
+            <a:endParaRPr lang="en-US" dirty="0"/>
+          </a:p>
+        </p:txBody>
+      </p:sp>
+      <p:sp>
+        <p:nvSpPr>
+          <p:cNvPr id="4" name="Slide Number Placeholder 3"/>
+          <p:cNvSpPr>
+            <a:spLocks noGrp="1"/>
+          </p:cNvSpPr>
+          <p:nvPr>
+            <p:ph type="sldNum" sz="quarter" idx="5"/>
+          </p:nvPr>
+        </p:nvSpPr>
+        <p:spPr/>
+        <p:txBody>
+          <a:bodyPr/>
+          <a:lstStyle/>
+          <a:p>
+            <a:fld id="{9271DED1-4C91-4561-A99B-E6676363E223}" type="slidenum">
+              <a:rPr lang="en-US" smtClean="0"/>
+              <a:t>14</a:t>
+            </a:fld>
+            <a:endParaRPr lang="en-US"/>
+          </a:p>
+        </p:txBody>
+      </p:sp>
+    </p:spTree>
+    <p:extLst>
+      <p:ext uri="{BB962C8B-B14F-4D97-AF65-F5344CB8AC3E}">
+        <p14:creationId xmlns:p14="http://schemas.microsoft.com/office/powerpoint/2010/main" val="876276649"/>
       </p:ext>
     </p:extLst>
   </p:cSld>
@@ -2371,7 +2456,7 @@
           <a:p>
             <a:fld id="{D56A5F13-4F86-5646-9B99-A42325757066}" type="datetime1">
               <a:rPr lang="en-US" smtClean="0"/>
-              <a:t>11/1/2022</a:t>
+              <a:t>11/2/2022</a:t>
             </a:fld>
             <a:endParaRPr lang="en-US"/>
           </a:p>
@@ -2660,7 +2745,7 @@
           <a:p>
             <a:fld id="{34C8E77E-B710-C741-B9C3-BDFAF2BD28F5}" type="datetime1">
               <a:rPr lang="en-US" smtClean="0"/>
-              <a:t>11/1/2022</a:t>
+              <a:t>11/2/2022</a:t>
             </a:fld>
             <a:endParaRPr lang="en-US"/>
           </a:p>
@@ -2949,7 +3034,7 @@
           <a:p>
             <a:fld id="{3CC70E32-BC87-A748-B8DC-BBE1A8E155BB}" type="datetime1">
               <a:rPr lang="en-US" smtClean="0"/>
-              <a:t>11/1/2022</a:t>
+              <a:t>11/2/2022</a:t>
             </a:fld>
             <a:endParaRPr lang="en-US"/>
           </a:p>
@@ -3238,7 +3323,7 @@
           <a:p>
             <a:fld id="{FF80D806-2732-D74C-AA54-685EF616F24A}" type="datetime1">
               <a:rPr lang="en-US" smtClean="0"/>
-              <a:t>11/1/2022</a:t>
+              <a:t>11/2/2022</a:t>
             </a:fld>
             <a:endParaRPr lang="en-US"/>
           </a:p>
@@ -3475,7 +3560,7 @@
           <a:p>
             <a:fld id="{7EE62EE2-D39B-DB40-8504-5F31AB3A7B1B}" type="datetime1">
               <a:rPr lang="en-US" smtClean="0"/>
-              <a:t>11/1/2022</a:t>
+              <a:t>11/2/2022</a:t>
             </a:fld>
             <a:endParaRPr lang="en-US"/>
           </a:p>
@@ -3932,7 +4017,7 @@
           <a:p>
             <a:fld id="{F2C6AE98-BAC0-8443-BBA0-C97A4F30D31A}" type="datetime1">
               <a:rPr lang="en-US" smtClean="0"/>
-              <a:t>11/1/2022</a:t>
+              <a:t>11/2/2022</a:t>
             </a:fld>
             <a:endParaRPr lang="en-US"/>
           </a:p>
@@ -4200,7 +4285,7 @@
           <a:p>
             <a:fld id="{88DBBF51-3929-3A49-BA7D-3AF73092A0AD}" type="datetime1">
               <a:rPr lang="en-US" smtClean="0"/>
-              <a:t>11/1/2022</a:t>
+              <a:t>11/2/2022</a:t>
             </a:fld>
             <a:endParaRPr lang="en-US"/>
           </a:p>
@@ -4398,7 +4483,7 @@
           <a:p>
             <a:fld id="{36C5C674-12AF-41F5-BDE5-1132B29F8CB8}" type="datetime1">
               <a:rPr lang="en-US" smtClean="0"/>
-              <a:t>11/1/2022</a:t>
+              <a:t>11/2/2022</a:t>
             </a:fld>
             <a:endParaRPr lang="en-US"/>
           </a:p>
@@ -6771,7 +6856,7 @@
           <a:p>
             <a:fld id="{3D457031-A04F-0040-B79E-439CA9E02781}" type="datetime1">
               <a:rPr lang="en-US" smtClean="0"/>
-              <a:t>11/1/2022</a:t>
+              <a:t>11/2/2022</a:t>
             </a:fld>
             <a:endParaRPr lang="en-US"/>
           </a:p>
@@ -7021,7 +7106,7 @@
           <a:p>
             <a:fld id="{641269E8-56DE-E044-B0E5-B498755A2633}" type="datetime1">
               <a:rPr lang="en-US" smtClean="0"/>
-              <a:t>11/1/2022</a:t>
+              <a:t>11/2/2022</a:t>
             </a:fld>
             <a:endParaRPr lang="en-US"/>
           </a:p>
@@ -7407,7 +7492,7 @@
           <a:p>
             <a:fld id="{219B2A40-E9E6-7E49-9EE5-F8C2FAB652F4}" type="datetime1">
               <a:rPr lang="en-US" smtClean="0"/>
-              <a:t>11/1/2022</a:t>
+              <a:t>11/2/2022</a:t>
             </a:fld>
             <a:endParaRPr lang="en-US"/>
           </a:p>
@@ -7667,7 +7752,7 @@
           <a:p>
             <a:fld id="{08D12B45-3253-4A45-B8F9-2E00FEB0C480}" type="datetime1">
               <a:rPr lang="en-US" smtClean="0"/>
-              <a:t>11/1/2022</a:t>
+              <a:t>11/2/2022</a:t>
             </a:fld>
             <a:endParaRPr lang="en-US"/>
           </a:p>
@@ -12032,6 +12117,3175 @@
 </p:sld>
 </file>
 
+<file path=ppt/slides/slide14.xml><?xml version="1.0" encoding="utf-8"?>
+<p:sld xmlns:a="http://schemas.openxmlformats.org/drawingml/2006/main" xmlns:r="http://schemas.openxmlformats.org/officeDocument/2006/relationships" xmlns:p="http://schemas.openxmlformats.org/presentationml/2006/main">
+  <p:cSld>
+    <p:spTree>
+      <p:nvGrpSpPr>
+        <p:cNvPr id="1" name=""/>
+        <p:cNvGrpSpPr/>
+        <p:nvPr/>
+      </p:nvGrpSpPr>
+      <p:grpSpPr>
+        <a:xfrm>
+          <a:off x="0" y="0"/>
+          <a:ext cx="0" cy="0"/>
+          <a:chOff x="0" y="0"/>
+          <a:chExt cx="0" cy="0"/>
+        </a:xfrm>
+      </p:grpSpPr>
+      <p:sp>
+        <p:nvSpPr>
+          <p:cNvPr id="3" name="Title 2">
+            <a:extLst>
+              <a:ext uri="{FF2B5EF4-FFF2-40B4-BE49-F238E27FC236}">
+                <a16:creationId xmlns:a16="http://schemas.microsoft.com/office/drawing/2014/main" id="{A6B75D0F-58AB-4BE0-AAC8-CA4FB1577F9C}"/>
+              </a:ext>
+            </a:extLst>
+          </p:cNvPr>
+          <p:cNvSpPr>
+            <a:spLocks noGrp="1"/>
+          </p:cNvSpPr>
+          <p:nvPr>
+            <p:ph type="title"/>
+          </p:nvPr>
+        </p:nvSpPr>
+        <p:spPr/>
+        <p:txBody>
+          <a:bodyPr/>
+          <a:lstStyle/>
+          <a:p>
+            <a:r>
+              <a:rPr lang="en-US" dirty="0"/>
+              <a:t>Dead-Ends </a:t>
+            </a:r>
+            <a:r>
+              <a:rPr lang="en-US" sz="1800" dirty="0"/>
+              <a:t>[Brin, Page, Motwani &amp; Winograd 99]</a:t>
+            </a:r>
+            <a:endParaRPr lang="en-US" dirty="0"/>
+          </a:p>
+        </p:txBody>
+      </p:sp>
+      <p:sp>
+        <p:nvSpPr>
+          <p:cNvPr id="4" name="Slide Number Placeholder 3">
+            <a:extLst>
+              <a:ext uri="{FF2B5EF4-FFF2-40B4-BE49-F238E27FC236}">
+                <a16:creationId xmlns:a16="http://schemas.microsoft.com/office/drawing/2014/main" id="{C7E54101-DDEB-4E95-89E0-AB4D3DF9F484}"/>
+              </a:ext>
+            </a:extLst>
+          </p:cNvPr>
+          <p:cNvSpPr>
+            <a:spLocks noGrp="1"/>
+          </p:cNvSpPr>
+          <p:nvPr>
+            <p:ph type="sldNum" sz="quarter" idx="16"/>
+          </p:nvPr>
+        </p:nvSpPr>
+        <p:spPr/>
+        <p:txBody>
+          <a:bodyPr/>
+          <a:lstStyle/>
+          <a:p>
+            <a:fld id="{81561042-0DC2-4A04-AA50-F6D44EB20EBA}" type="slidenum">
+              <a:rPr lang="en-US" smtClean="0"/>
+              <a:t>14</a:t>
+            </a:fld>
+            <a:endParaRPr lang="en-US"/>
+          </a:p>
+        </p:txBody>
+      </p:sp>
+      <p:sp>
+        <p:nvSpPr>
+          <p:cNvPr id="5" name="Oval 4">
+            <a:extLst>
+              <a:ext uri="{FF2B5EF4-FFF2-40B4-BE49-F238E27FC236}">
+                <a16:creationId xmlns:a16="http://schemas.microsoft.com/office/drawing/2014/main" id="{38817DC7-72C1-4A2B-9852-6FC4BF86581E}"/>
+              </a:ext>
+            </a:extLst>
+          </p:cNvPr>
+          <p:cNvSpPr/>
+          <p:nvPr/>
+        </p:nvSpPr>
+        <p:spPr bwMode="gray">
+          <a:xfrm>
+            <a:off x="911096" y="2235219"/>
+            <a:ext cx="414216" cy="414216"/>
+          </a:xfrm>
+          <a:prstGeom prst="ellipse">
+            <a:avLst/>
+          </a:prstGeom>
+          <a:solidFill>
+            <a:srgbClr val="92D050"/>
+          </a:solidFill>
+          <a:ln/>
+        </p:spPr>
+        <p:style>
+          <a:lnRef idx="2">
+            <a:schemeClr val="dk1"/>
+          </a:lnRef>
+          <a:fillRef idx="1">
+            <a:schemeClr val="lt1"/>
+          </a:fillRef>
+          <a:effectRef idx="0">
+            <a:schemeClr val="dk1"/>
+          </a:effectRef>
+          <a:fontRef idx="minor">
+            <a:schemeClr val="dk1"/>
+          </a:fontRef>
+        </p:style>
+        <p:txBody>
+          <a:bodyPr rot="0" spcFirstLastPara="0" vertOverflow="overflow" horzOverflow="overflow" vert="horz" wrap="square" lIns="108000" tIns="72000" rIns="108000" bIns="72000" numCol="1" spcCol="0" rtlCol="0" fromWordArt="0" anchor="ctr" anchorCtr="0" forceAA="0" compatLnSpc="1">
+            <a:prstTxWarp prst="textNoShape">
+              <a:avLst/>
+            </a:prstTxWarp>
+            <a:noAutofit/>
+          </a:bodyPr>
+          <a:lstStyle/>
+          <a:p>
+            <a:pPr algn="ctr">
+              <a:spcBef>
+                <a:spcPts val="300"/>
+              </a:spcBef>
+              <a:spcAft>
+                <a:spcPts val="300"/>
+              </a:spcAft>
+            </a:pPr>
+            <a:r>
+              <a:rPr lang="en-US" sz="1200" b="1" dirty="0">
+                <a:solidFill>
+                  <a:schemeClr val="tx1"/>
+                </a:solidFill>
+              </a:rPr>
+              <a:t>A</a:t>
+            </a:r>
+          </a:p>
+        </p:txBody>
+      </p:sp>
+      <p:sp>
+        <p:nvSpPr>
+          <p:cNvPr id="6" name="Oval 5">
+            <a:extLst>
+              <a:ext uri="{FF2B5EF4-FFF2-40B4-BE49-F238E27FC236}">
+                <a16:creationId xmlns:a16="http://schemas.microsoft.com/office/drawing/2014/main" id="{B5954A00-2401-40BD-8CD7-5B35FA9384C2}"/>
+              </a:ext>
+            </a:extLst>
+          </p:cNvPr>
+          <p:cNvSpPr/>
+          <p:nvPr/>
+        </p:nvSpPr>
+        <p:spPr bwMode="gray">
+          <a:xfrm>
+            <a:off x="919518" y="3167547"/>
+            <a:ext cx="414216" cy="414216"/>
+          </a:xfrm>
+          <a:prstGeom prst="ellipse">
+            <a:avLst/>
+          </a:prstGeom>
+          <a:solidFill>
+            <a:schemeClr val="tx2">
+              <a:lumMod val="20000"/>
+              <a:lumOff val="80000"/>
+            </a:schemeClr>
+          </a:solidFill>
+          <a:ln/>
+        </p:spPr>
+        <p:style>
+          <a:lnRef idx="2">
+            <a:schemeClr val="dk1"/>
+          </a:lnRef>
+          <a:fillRef idx="1">
+            <a:schemeClr val="lt1"/>
+          </a:fillRef>
+          <a:effectRef idx="0">
+            <a:schemeClr val="dk1"/>
+          </a:effectRef>
+          <a:fontRef idx="minor">
+            <a:schemeClr val="dk1"/>
+          </a:fontRef>
+        </p:style>
+        <p:txBody>
+          <a:bodyPr rot="0" spcFirstLastPara="0" vertOverflow="overflow" horzOverflow="overflow" vert="horz" wrap="square" lIns="108000" tIns="72000" rIns="108000" bIns="72000" numCol="1" spcCol="0" rtlCol="0" fromWordArt="0" anchor="ctr" anchorCtr="0" forceAA="0" compatLnSpc="1">
+            <a:prstTxWarp prst="textNoShape">
+              <a:avLst/>
+            </a:prstTxWarp>
+            <a:noAutofit/>
+          </a:bodyPr>
+          <a:lstStyle/>
+          <a:p>
+            <a:pPr algn="ctr">
+              <a:spcBef>
+                <a:spcPts val="300"/>
+              </a:spcBef>
+              <a:spcAft>
+                <a:spcPts val="300"/>
+              </a:spcAft>
+            </a:pPr>
+            <a:r>
+              <a:rPr lang="en-US" sz="1200" b="1" dirty="0">
+                <a:solidFill>
+                  <a:schemeClr val="tx1"/>
+                </a:solidFill>
+              </a:rPr>
+              <a:t>C</a:t>
+            </a:r>
+          </a:p>
+        </p:txBody>
+      </p:sp>
+      <p:sp>
+        <p:nvSpPr>
+          <p:cNvPr id="7" name="Oval 6">
+            <a:extLst>
+              <a:ext uri="{FF2B5EF4-FFF2-40B4-BE49-F238E27FC236}">
+                <a16:creationId xmlns:a16="http://schemas.microsoft.com/office/drawing/2014/main" id="{23A2629C-1396-4644-9A80-4EEB9A50BEE9}"/>
+              </a:ext>
+            </a:extLst>
+          </p:cNvPr>
+          <p:cNvSpPr/>
+          <p:nvPr/>
+        </p:nvSpPr>
+        <p:spPr bwMode="gray">
+          <a:xfrm>
+            <a:off x="2463060" y="2790970"/>
+            <a:ext cx="414216" cy="414216"/>
+          </a:xfrm>
+          <a:prstGeom prst="ellipse">
+            <a:avLst/>
+          </a:prstGeom>
+          <a:solidFill>
+            <a:schemeClr val="tx2">
+              <a:lumMod val="20000"/>
+              <a:lumOff val="80000"/>
+            </a:schemeClr>
+          </a:solidFill>
+          <a:ln/>
+        </p:spPr>
+        <p:style>
+          <a:lnRef idx="2">
+            <a:schemeClr val="dk1"/>
+          </a:lnRef>
+          <a:fillRef idx="1">
+            <a:schemeClr val="lt1"/>
+          </a:fillRef>
+          <a:effectRef idx="0">
+            <a:schemeClr val="dk1"/>
+          </a:effectRef>
+          <a:fontRef idx="minor">
+            <a:schemeClr val="dk1"/>
+          </a:fontRef>
+        </p:style>
+        <p:txBody>
+          <a:bodyPr rot="0" spcFirstLastPara="0" vertOverflow="overflow" horzOverflow="overflow" vert="horz" wrap="square" lIns="108000" tIns="72000" rIns="108000" bIns="72000" numCol="1" spcCol="0" rtlCol="0" fromWordArt="0" anchor="ctr" anchorCtr="0" forceAA="0" compatLnSpc="1">
+            <a:prstTxWarp prst="textNoShape">
+              <a:avLst/>
+            </a:prstTxWarp>
+            <a:noAutofit/>
+          </a:bodyPr>
+          <a:lstStyle/>
+          <a:p>
+            <a:pPr algn="ctr">
+              <a:spcBef>
+                <a:spcPts val="300"/>
+              </a:spcBef>
+              <a:spcAft>
+                <a:spcPts val="300"/>
+              </a:spcAft>
+            </a:pPr>
+            <a:r>
+              <a:rPr lang="en-US" sz="1200" b="1" dirty="0">
+                <a:solidFill>
+                  <a:schemeClr val="tx1"/>
+                </a:solidFill>
+              </a:rPr>
+              <a:t>B</a:t>
+            </a:r>
+          </a:p>
+        </p:txBody>
+      </p:sp>
+      <p:cxnSp>
+        <p:nvCxnSpPr>
+          <p:cNvPr id="8" name="Straight Arrow Connector 7">
+            <a:extLst>
+              <a:ext uri="{FF2B5EF4-FFF2-40B4-BE49-F238E27FC236}">
+                <a16:creationId xmlns:a16="http://schemas.microsoft.com/office/drawing/2014/main" id="{7FF261B7-915D-4604-949B-D37014D7091C}"/>
+              </a:ext>
+            </a:extLst>
+          </p:cNvPr>
+          <p:cNvCxnSpPr>
+            <a:cxnSpLocks/>
+            <a:stCxn id="5" idx="4"/>
+            <a:endCxn id="6" idx="0"/>
+          </p:cNvCxnSpPr>
+          <p:nvPr/>
+        </p:nvCxnSpPr>
+        <p:spPr bwMode="gray">
+          <a:xfrm>
+            <a:off x="1118204" y="2649435"/>
+            <a:ext cx="8422" cy="518112"/>
+          </a:xfrm>
+          <a:prstGeom prst="straightConnector1">
+            <a:avLst/>
+          </a:prstGeom>
+          <a:ln w="12700">
+            <a:solidFill>
+              <a:schemeClr val="tx1"/>
+            </a:solidFill>
+            <a:headEnd type="none" w="med" len="med"/>
+            <a:tailEnd type="arrow" w="med" len="med"/>
+          </a:ln>
+        </p:spPr>
+        <p:style>
+          <a:lnRef idx="1">
+            <a:schemeClr val="dk1"/>
+          </a:lnRef>
+          <a:fillRef idx="0">
+            <a:schemeClr val="dk1"/>
+          </a:fillRef>
+          <a:effectRef idx="0">
+            <a:schemeClr val="dk1"/>
+          </a:effectRef>
+          <a:fontRef idx="minor">
+            <a:schemeClr val="tx1"/>
+          </a:fontRef>
+        </p:style>
+      </p:cxnSp>
+      <p:sp>
+        <p:nvSpPr>
+          <p:cNvPr id="9" name="Oval 8">
+            <a:extLst>
+              <a:ext uri="{FF2B5EF4-FFF2-40B4-BE49-F238E27FC236}">
+                <a16:creationId xmlns:a16="http://schemas.microsoft.com/office/drawing/2014/main" id="{DE1CBA98-3EF0-41F3-AB06-CD08B4D0D94D}"/>
+              </a:ext>
+            </a:extLst>
+          </p:cNvPr>
+          <p:cNvSpPr/>
+          <p:nvPr/>
+        </p:nvSpPr>
+        <p:spPr bwMode="gray">
+          <a:xfrm>
+            <a:off x="1905770" y="3205186"/>
+            <a:ext cx="414216" cy="414216"/>
+          </a:xfrm>
+          <a:prstGeom prst="ellipse">
+            <a:avLst/>
+          </a:prstGeom>
+          <a:solidFill>
+            <a:schemeClr val="accent4">
+              <a:lumMod val="40000"/>
+              <a:lumOff val="60000"/>
+            </a:schemeClr>
+          </a:solidFill>
+          <a:ln/>
+        </p:spPr>
+        <p:style>
+          <a:lnRef idx="2">
+            <a:schemeClr val="dk1"/>
+          </a:lnRef>
+          <a:fillRef idx="1">
+            <a:schemeClr val="lt1"/>
+          </a:fillRef>
+          <a:effectRef idx="0">
+            <a:schemeClr val="dk1"/>
+          </a:effectRef>
+          <a:fontRef idx="minor">
+            <a:schemeClr val="dk1"/>
+          </a:fontRef>
+        </p:style>
+        <p:txBody>
+          <a:bodyPr rot="0" spcFirstLastPara="0" vertOverflow="overflow" horzOverflow="overflow" vert="horz" wrap="square" lIns="108000" tIns="72000" rIns="108000" bIns="72000" numCol="1" spcCol="0" rtlCol="0" fromWordArt="0" anchor="ctr" anchorCtr="0" forceAA="0" compatLnSpc="1">
+            <a:prstTxWarp prst="textNoShape">
+              <a:avLst/>
+            </a:prstTxWarp>
+            <a:noAutofit/>
+          </a:bodyPr>
+          <a:lstStyle/>
+          <a:p>
+            <a:pPr algn="ctr">
+              <a:spcBef>
+                <a:spcPts val="300"/>
+              </a:spcBef>
+              <a:spcAft>
+                <a:spcPts val="300"/>
+              </a:spcAft>
+            </a:pPr>
+            <a:r>
+              <a:rPr lang="en-US" sz="1200" b="1" dirty="0">
+                <a:solidFill>
+                  <a:schemeClr val="tx1"/>
+                </a:solidFill>
+              </a:rPr>
+              <a:t>D</a:t>
+            </a:r>
+          </a:p>
+        </p:txBody>
+      </p:sp>
+      <p:sp>
+        <p:nvSpPr>
+          <p:cNvPr id="10" name="Oval 9">
+            <a:extLst>
+              <a:ext uri="{FF2B5EF4-FFF2-40B4-BE49-F238E27FC236}">
+                <a16:creationId xmlns:a16="http://schemas.microsoft.com/office/drawing/2014/main" id="{C4773771-2C0A-4BC8-8FF4-9F459FF3BE7B}"/>
+              </a:ext>
+            </a:extLst>
+          </p:cNvPr>
+          <p:cNvSpPr/>
+          <p:nvPr/>
+        </p:nvSpPr>
+        <p:spPr bwMode="gray">
+          <a:xfrm>
+            <a:off x="1847528" y="2146004"/>
+            <a:ext cx="414216" cy="414216"/>
+          </a:xfrm>
+          <a:prstGeom prst="ellipse">
+            <a:avLst/>
+          </a:prstGeom>
+          <a:solidFill>
+            <a:schemeClr val="tx2">
+              <a:lumMod val="20000"/>
+              <a:lumOff val="80000"/>
+            </a:schemeClr>
+          </a:solidFill>
+          <a:ln/>
+        </p:spPr>
+        <p:style>
+          <a:lnRef idx="2">
+            <a:schemeClr val="dk1"/>
+          </a:lnRef>
+          <a:fillRef idx="1">
+            <a:schemeClr val="lt1"/>
+          </a:fillRef>
+          <a:effectRef idx="0">
+            <a:schemeClr val="dk1"/>
+          </a:effectRef>
+          <a:fontRef idx="minor">
+            <a:schemeClr val="dk1"/>
+          </a:fontRef>
+        </p:style>
+        <p:txBody>
+          <a:bodyPr rot="0" spcFirstLastPara="0" vertOverflow="overflow" horzOverflow="overflow" vert="horz" wrap="square" lIns="108000" tIns="72000" rIns="108000" bIns="72000" numCol="1" spcCol="0" rtlCol="0" fromWordArt="0" anchor="ctr" anchorCtr="0" forceAA="0" compatLnSpc="1">
+            <a:prstTxWarp prst="textNoShape">
+              <a:avLst/>
+            </a:prstTxWarp>
+            <a:noAutofit/>
+          </a:bodyPr>
+          <a:lstStyle/>
+          <a:p>
+            <a:pPr algn="ctr">
+              <a:spcBef>
+                <a:spcPts val="300"/>
+              </a:spcBef>
+              <a:spcAft>
+                <a:spcPts val="300"/>
+              </a:spcAft>
+            </a:pPr>
+            <a:r>
+              <a:rPr lang="en-US" sz="1200" b="1" dirty="0">
+                <a:solidFill>
+                  <a:schemeClr val="tx1"/>
+                </a:solidFill>
+              </a:rPr>
+              <a:t>E</a:t>
+            </a:r>
+          </a:p>
+        </p:txBody>
+      </p:sp>
+      <p:sp>
+        <p:nvSpPr>
+          <p:cNvPr id="11" name="Oval 10">
+            <a:extLst>
+              <a:ext uri="{FF2B5EF4-FFF2-40B4-BE49-F238E27FC236}">
+                <a16:creationId xmlns:a16="http://schemas.microsoft.com/office/drawing/2014/main" id="{BF27953E-2C63-4435-A0C8-AE84D984A409}"/>
+              </a:ext>
+            </a:extLst>
+          </p:cNvPr>
+          <p:cNvSpPr/>
+          <p:nvPr/>
+        </p:nvSpPr>
+        <p:spPr bwMode="gray">
+          <a:xfrm>
+            <a:off x="2846781" y="2197580"/>
+            <a:ext cx="414216" cy="414216"/>
+          </a:xfrm>
+          <a:prstGeom prst="ellipse">
+            <a:avLst/>
+          </a:prstGeom>
+          <a:solidFill>
+            <a:schemeClr val="tx2">
+              <a:lumMod val="20000"/>
+              <a:lumOff val="80000"/>
+            </a:schemeClr>
+          </a:solidFill>
+          <a:ln/>
+        </p:spPr>
+        <p:style>
+          <a:lnRef idx="2">
+            <a:schemeClr val="dk1"/>
+          </a:lnRef>
+          <a:fillRef idx="1">
+            <a:schemeClr val="lt1"/>
+          </a:fillRef>
+          <a:effectRef idx="0">
+            <a:schemeClr val="dk1"/>
+          </a:effectRef>
+          <a:fontRef idx="minor">
+            <a:schemeClr val="dk1"/>
+          </a:fontRef>
+        </p:style>
+        <p:txBody>
+          <a:bodyPr rot="0" spcFirstLastPara="0" vertOverflow="overflow" horzOverflow="overflow" vert="horz" wrap="square" lIns="108000" tIns="72000" rIns="108000" bIns="72000" numCol="1" spcCol="0" rtlCol="0" fromWordArt="0" anchor="ctr" anchorCtr="0" forceAA="0" compatLnSpc="1">
+            <a:prstTxWarp prst="textNoShape">
+              <a:avLst/>
+            </a:prstTxWarp>
+            <a:noAutofit/>
+          </a:bodyPr>
+          <a:lstStyle/>
+          <a:p>
+            <a:pPr algn="ctr">
+              <a:spcBef>
+                <a:spcPts val="300"/>
+              </a:spcBef>
+              <a:spcAft>
+                <a:spcPts val="300"/>
+              </a:spcAft>
+            </a:pPr>
+            <a:r>
+              <a:rPr lang="en-US" sz="1200" b="1" dirty="0">
+                <a:solidFill>
+                  <a:schemeClr val="tx1"/>
+                </a:solidFill>
+              </a:rPr>
+              <a:t>F</a:t>
+            </a:r>
+          </a:p>
+        </p:txBody>
+      </p:sp>
+      <p:cxnSp>
+        <p:nvCxnSpPr>
+          <p:cNvPr id="12" name="Straight Arrow Connector 11">
+            <a:extLst>
+              <a:ext uri="{FF2B5EF4-FFF2-40B4-BE49-F238E27FC236}">
+                <a16:creationId xmlns:a16="http://schemas.microsoft.com/office/drawing/2014/main" id="{CE522954-9211-4EB8-806F-6A8E1D5E9A65}"/>
+              </a:ext>
+            </a:extLst>
+          </p:cNvPr>
+          <p:cNvCxnSpPr>
+            <a:cxnSpLocks/>
+            <a:stCxn id="7" idx="1"/>
+            <a:endCxn id="10" idx="5"/>
+          </p:cNvCxnSpPr>
+          <p:nvPr/>
+        </p:nvCxnSpPr>
+        <p:spPr bwMode="gray">
+          <a:xfrm flipH="1" flipV="1">
+            <a:off x="2201083" y="2499559"/>
+            <a:ext cx="322638" cy="352072"/>
+          </a:xfrm>
+          <a:prstGeom prst="straightConnector1">
+            <a:avLst/>
+          </a:prstGeom>
+          <a:ln w="12700">
+            <a:solidFill>
+              <a:schemeClr val="tx1"/>
+            </a:solidFill>
+            <a:headEnd type="none" w="med" len="med"/>
+            <a:tailEnd type="arrow" w="med" len="med"/>
+          </a:ln>
+        </p:spPr>
+        <p:style>
+          <a:lnRef idx="1">
+            <a:schemeClr val="dk1"/>
+          </a:lnRef>
+          <a:fillRef idx="0">
+            <a:schemeClr val="dk1"/>
+          </a:fillRef>
+          <a:effectRef idx="0">
+            <a:schemeClr val="dk1"/>
+          </a:effectRef>
+          <a:fontRef idx="minor">
+            <a:schemeClr val="tx1"/>
+          </a:fontRef>
+        </p:style>
+      </p:cxnSp>
+      <p:cxnSp>
+        <p:nvCxnSpPr>
+          <p:cNvPr id="13" name="Straight Arrow Connector 12">
+            <a:extLst>
+              <a:ext uri="{FF2B5EF4-FFF2-40B4-BE49-F238E27FC236}">
+                <a16:creationId xmlns:a16="http://schemas.microsoft.com/office/drawing/2014/main" id="{93C18EF0-D168-487A-B554-1B7A76F21449}"/>
+              </a:ext>
+            </a:extLst>
+          </p:cNvPr>
+          <p:cNvCxnSpPr>
+            <a:cxnSpLocks/>
+            <a:stCxn id="7" idx="7"/>
+            <a:endCxn id="11" idx="4"/>
+          </p:cNvCxnSpPr>
+          <p:nvPr/>
+        </p:nvCxnSpPr>
+        <p:spPr bwMode="gray">
+          <a:xfrm flipV="1">
+            <a:off x="2816615" y="2611796"/>
+            <a:ext cx="237274" cy="239835"/>
+          </a:xfrm>
+          <a:prstGeom prst="straightConnector1">
+            <a:avLst/>
+          </a:prstGeom>
+          <a:ln w="12700">
+            <a:solidFill>
+              <a:schemeClr val="tx1"/>
+            </a:solidFill>
+            <a:headEnd type="none" w="med" len="med"/>
+            <a:tailEnd type="arrow" w="med" len="med"/>
+          </a:ln>
+        </p:spPr>
+        <p:style>
+          <a:lnRef idx="1">
+            <a:schemeClr val="dk1"/>
+          </a:lnRef>
+          <a:fillRef idx="0">
+            <a:schemeClr val="dk1"/>
+          </a:fillRef>
+          <a:effectRef idx="0">
+            <a:schemeClr val="dk1"/>
+          </a:effectRef>
+          <a:fontRef idx="minor">
+            <a:schemeClr val="tx1"/>
+          </a:fontRef>
+        </p:style>
+      </p:cxnSp>
+      <p:cxnSp>
+        <p:nvCxnSpPr>
+          <p:cNvPr id="14" name="Straight Arrow Connector 13">
+            <a:extLst>
+              <a:ext uri="{FF2B5EF4-FFF2-40B4-BE49-F238E27FC236}">
+                <a16:creationId xmlns:a16="http://schemas.microsoft.com/office/drawing/2014/main" id="{00F99874-C288-47F8-BC15-44BDB21355AC}"/>
+              </a:ext>
+            </a:extLst>
+          </p:cNvPr>
+          <p:cNvCxnSpPr>
+            <a:cxnSpLocks/>
+            <a:stCxn id="10" idx="6"/>
+            <a:endCxn id="11" idx="1"/>
+          </p:cNvCxnSpPr>
+          <p:nvPr/>
+        </p:nvCxnSpPr>
+        <p:spPr bwMode="gray">
+          <a:xfrm flipV="1">
+            <a:off x="2261744" y="2258241"/>
+            <a:ext cx="645698" cy="94871"/>
+          </a:xfrm>
+          <a:prstGeom prst="straightConnector1">
+            <a:avLst/>
+          </a:prstGeom>
+          <a:ln w="12700">
+            <a:solidFill>
+              <a:schemeClr val="tx1"/>
+            </a:solidFill>
+            <a:headEnd type="none" w="med" len="med"/>
+            <a:tailEnd type="arrow" w="med" len="med"/>
+          </a:ln>
+        </p:spPr>
+        <p:style>
+          <a:lnRef idx="1">
+            <a:schemeClr val="dk1"/>
+          </a:lnRef>
+          <a:fillRef idx="0">
+            <a:schemeClr val="dk1"/>
+          </a:fillRef>
+          <a:effectRef idx="0">
+            <a:schemeClr val="dk1"/>
+          </a:effectRef>
+          <a:fontRef idx="minor">
+            <a:schemeClr val="tx1"/>
+          </a:fontRef>
+        </p:style>
+      </p:cxnSp>
+      <p:cxnSp>
+        <p:nvCxnSpPr>
+          <p:cNvPr id="15" name="Straight Arrow Connector 14">
+            <a:extLst>
+              <a:ext uri="{FF2B5EF4-FFF2-40B4-BE49-F238E27FC236}">
+                <a16:creationId xmlns:a16="http://schemas.microsoft.com/office/drawing/2014/main" id="{045A4182-E702-45FA-A780-82A36145559C}"/>
+              </a:ext>
+            </a:extLst>
+          </p:cNvPr>
+          <p:cNvCxnSpPr>
+            <a:cxnSpLocks/>
+            <a:stCxn id="6" idx="6"/>
+            <a:endCxn id="9" idx="2"/>
+          </p:cNvCxnSpPr>
+          <p:nvPr/>
+        </p:nvCxnSpPr>
+        <p:spPr bwMode="gray">
+          <a:xfrm>
+            <a:off x="1333734" y="3374655"/>
+            <a:ext cx="572036" cy="37639"/>
+          </a:xfrm>
+          <a:prstGeom prst="straightConnector1">
+            <a:avLst/>
+          </a:prstGeom>
+          <a:ln w="12700">
+            <a:solidFill>
+              <a:schemeClr val="tx1"/>
+            </a:solidFill>
+            <a:headEnd type="none" w="med" len="med"/>
+            <a:tailEnd type="arrow" w="med" len="med"/>
+          </a:ln>
+        </p:spPr>
+        <p:style>
+          <a:lnRef idx="1">
+            <a:schemeClr val="dk1"/>
+          </a:lnRef>
+          <a:fillRef idx="0">
+            <a:schemeClr val="dk1"/>
+          </a:fillRef>
+          <a:effectRef idx="0">
+            <a:schemeClr val="dk1"/>
+          </a:effectRef>
+          <a:fontRef idx="minor">
+            <a:schemeClr val="tx1"/>
+          </a:fontRef>
+        </p:style>
+      </p:cxnSp>
+      <p:cxnSp>
+        <p:nvCxnSpPr>
+          <p:cNvPr id="16" name="Straight Arrow Connector 15">
+            <a:extLst>
+              <a:ext uri="{FF2B5EF4-FFF2-40B4-BE49-F238E27FC236}">
+                <a16:creationId xmlns:a16="http://schemas.microsoft.com/office/drawing/2014/main" id="{53B65E67-CE5E-48D2-8510-895CD5866B87}"/>
+              </a:ext>
+            </a:extLst>
+          </p:cNvPr>
+          <p:cNvCxnSpPr>
+            <a:cxnSpLocks/>
+            <a:stCxn id="5" idx="5"/>
+            <a:endCxn id="9" idx="1"/>
+          </p:cNvCxnSpPr>
+          <p:nvPr/>
+        </p:nvCxnSpPr>
+        <p:spPr bwMode="gray">
+          <a:xfrm>
+            <a:off x="1264651" y="2588774"/>
+            <a:ext cx="701780" cy="677073"/>
+          </a:xfrm>
+          <a:prstGeom prst="straightConnector1">
+            <a:avLst/>
+          </a:prstGeom>
+          <a:ln w="12700">
+            <a:solidFill>
+              <a:schemeClr val="tx1"/>
+            </a:solidFill>
+            <a:headEnd type="none" w="med" len="med"/>
+            <a:tailEnd type="arrow" w="med" len="med"/>
+          </a:ln>
+        </p:spPr>
+        <p:style>
+          <a:lnRef idx="1">
+            <a:schemeClr val="dk1"/>
+          </a:lnRef>
+          <a:fillRef idx="0">
+            <a:schemeClr val="dk1"/>
+          </a:fillRef>
+          <a:effectRef idx="0">
+            <a:schemeClr val="dk1"/>
+          </a:effectRef>
+          <a:fontRef idx="minor">
+            <a:schemeClr val="tx1"/>
+          </a:fontRef>
+        </p:style>
+      </p:cxnSp>
+      <p:sp>
+        <p:nvSpPr>
+          <p:cNvPr id="17" name="Oval 16">
+            <a:extLst>
+              <a:ext uri="{FF2B5EF4-FFF2-40B4-BE49-F238E27FC236}">
+                <a16:creationId xmlns:a16="http://schemas.microsoft.com/office/drawing/2014/main" id="{5BB85623-043C-4320-A904-D8E16BBF443A}"/>
+              </a:ext>
+            </a:extLst>
+          </p:cNvPr>
+          <p:cNvSpPr/>
+          <p:nvPr/>
+        </p:nvSpPr>
+        <p:spPr bwMode="gray">
+          <a:xfrm>
+            <a:off x="3505032" y="2686920"/>
+            <a:ext cx="378488" cy="414216"/>
+          </a:xfrm>
+          <a:prstGeom prst="ellipse">
+            <a:avLst/>
+          </a:prstGeom>
+          <a:solidFill>
+            <a:schemeClr val="bg1">
+              <a:lumMod val="95000"/>
+            </a:schemeClr>
+          </a:solidFill>
+          <a:ln/>
+        </p:spPr>
+        <p:style>
+          <a:lnRef idx="2">
+            <a:schemeClr val="dk1"/>
+          </a:lnRef>
+          <a:fillRef idx="1">
+            <a:schemeClr val="lt1"/>
+          </a:fillRef>
+          <a:effectRef idx="0">
+            <a:schemeClr val="dk1"/>
+          </a:effectRef>
+          <a:fontRef idx="minor">
+            <a:schemeClr val="dk1"/>
+          </a:fontRef>
+        </p:style>
+        <p:txBody>
+          <a:bodyPr rot="0" spcFirstLastPara="0" vertOverflow="overflow" horzOverflow="overflow" vert="horz" wrap="square" lIns="108000" tIns="72000" rIns="108000" bIns="72000" numCol="1" spcCol="0" rtlCol="0" fromWordArt="0" anchor="ctr" anchorCtr="0" forceAA="0" compatLnSpc="1">
+            <a:prstTxWarp prst="textNoShape">
+              <a:avLst/>
+            </a:prstTxWarp>
+            <a:noAutofit/>
+          </a:bodyPr>
+          <a:lstStyle/>
+          <a:p>
+            <a:pPr algn="ctr">
+              <a:spcBef>
+                <a:spcPts val="300"/>
+              </a:spcBef>
+              <a:spcAft>
+                <a:spcPts val="300"/>
+              </a:spcAft>
+            </a:pPr>
+            <a:r>
+              <a:rPr lang="en-US" sz="1200" b="1" dirty="0">
+                <a:solidFill>
+                  <a:schemeClr val="tx1"/>
+                </a:solidFill>
+              </a:rPr>
+              <a:t>G</a:t>
+            </a:r>
+          </a:p>
+        </p:txBody>
+      </p:sp>
+      <p:sp>
+        <p:nvSpPr>
+          <p:cNvPr id="18" name="Oval 17">
+            <a:extLst>
+              <a:ext uri="{FF2B5EF4-FFF2-40B4-BE49-F238E27FC236}">
+                <a16:creationId xmlns:a16="http://schemas.microsoft.com/office/drawing/2014/main" id="{87E50FED-B7EC-4160-B01D-A477D3E4E921}"/>
+              </a:ext>
+            </a:extLst>
+          </p:cNvPr>
+          <p:cNvSpPr/>
+          <p:nvPr/>
+        </p:nvSpPr>
+        <p:spPr bwMode="gray">
+          <a:xfrm>
+            <a:off x="3822859" y="2131362"/>
+            <a:ext cx="414216" cy="414216"/>
+          </a:xfrm>
+          <a:prstGeom prst="ellipse">
+            <a:avLst/>
+          </a:prstGeom>
+          <a:solidFill>
+            <a:schemeClr val="accent1">
+              <a:lumMod val="20000"/>
+              <a:lumOff val="80000"/>
+            </a:schemeClr>
+          </a:solidFill>
+          <a:ln/>
+        </p:spPr>
+        <p:style>
+          <a:lnRef idx="2">
+            <a:schemeClr val="dk1"/>
+          </a:lnRef>
+          <a:fillRef idx="1">
+            <a:schemeClr val="lt1"/>
+          </a:fillRef>
+          <a:effectRef idx="0">
+            <a:schemeClr val="dk1"/>
+          </a:effectRef>
+          <a:fontRef idx="minor">
+            <a:schemeClr val="dk1"/>
+          </a:fontRef>
+        </p:style>
+        <p:txBody>
+          <a:bodyPr rot="0" spcFirstLastPara="0" vertOverflow="overflow" horzOverflow="overflow" vert="horz" wrap="square" lIns="108000" tIns="72000" rIns="108000" bIns="72000" numCol="1" spcCol="0" rtlCol="0" fromWordArt="0" anchor="ctr" anchorCtr="0" forceAA="0" compatLnSpc="1">
+            <a:prstTxWarp prst="textNoShape">
+              <a:avLst/>
+            </a:prstTxWarp>
+            <a:noAutofit/>
+          </a:bodyPr>
+          <a:lstStyle/>
+          <a:p>
+            <a:pPr algn="ctr">
+              <a:spcBef>
+                <a:spcPts val="300"/>
+              </a:spcBef>
+              <a:spcAft>
+                <a:spcPts val="300"/>
+              </a:spcAft>
+            </a:pPr>
+            <a:r>
+              <a:rPr lang="en-US" sz="1200" b="1" dirty="0">
+                <a:solidFill>
+                  <a:schemeClr val="tx1"/>
+                </a:solidFill>
+              </a:rPr>
+              <a:t>H</a:t>
+            </a:r>
+          </a:p>
+        </p:txBody>
+      </p:sp>
+      <p:cxnSp>
+        <p:nvCxnSpPr>
+          <p:cNvPr id="19" name="Straight Arrow Connector 18">
+            <a:extLst>
+              <a:ext uri="{FF2B5EF4-FFF2-40B4-BE49-F238E27FC236}">
+                <a16:creationId xmlns:a16="http://schemas.microsoft.com/office/drawing/2014/main" id="{836CA076-5C05-4398-BAE2-8720AEB3C977}"/>
+              </a:ext>
+            </a:extLst>
+          </p:cNvPr>
+          <p:cNvCxnSpPr>
+            <a:cxnSpLocks/>
+            <a:stCxn id="17" idx="7"/>
+            <a:endCxn id="18" idx="4"/>
+          </p:cNvCxnSpPr>
+          <p:nvPr/>
+        </p:nvCxnSpPr>
+        <p:spPr bwMode="gray">
+          <a:xfrm flipV="1">
+            <a:off x="3828092" y="2545578"/>
+            <a:ext cx="201875" cy="202003"/>
+          </a:xfrm>
+          <a:prstGeom prst="straightConnector1">
+            <a:avLst/>
+          </a:prstGeom>
+          <a:ln w="12700">
+            <a:solidFill>
+              <a:schemeClr val="tx1"/>
+            </a:solidFill>
+            <a:headEnd type="none" w="med" len="med"/>
+            <a:tailEnd type="arrow" w="med" len="med"/>
+          </a:ln>
+        </p:spPr>
+        <p:style>
+          <a:lnRef idx="1">
+            <a:schemeClr val="dk1"/>
+          </a:lnRef>
+          <a:fillRef idx="0">
+            <a:schemeClr val="dk1"/>
+          </a:fillRef>
+          <a:effectRef idx="0">
+            <a:schemeClr val="dk1"/>
+          </a:effectRef>
+          <a:fontRef idx="minor">
+            <a:schemeClr val="tx1"/>
+          </a:fontRef>
+        </p:style>
+      </p:cxnSp>
+      <p:cxnSp>
+        <p:nvCxnSpPr>
+          <p:cNvPr id="20" name="Straight Arrow Connector 19">
+            <a:extLst>
+              <a:ext uri="{FF2B5EF4-FFF2-40B4-BE49-F238E27FC236}">
+                <a16:creationId xmlns:a16="http://schemas.microsoft.com/office/drawing/2014/main" id="{81F19E16-6F41-44FF-86C4-569FCDEB88D4}"/>
+              </a:ext>
+            </a:extLst>
+          </p:cNvPr>
+          <p:cNvCxnSpPr>
+            <a:cxnSpLocks/>
+            <a:stCxn id="5" idx="6"/>
+            <a:endCxn id="10" idx="2"/>
+          </p:cNvCxnSpPr>
+          <p:nvPr/>
+        </p:nvCxnSpPr>
+        <p:spPr bwMode="gray">
+          <a:xfrm flipV="1">
+            <a:off x="1325312" y="2353112"/>
+            <a:ext cx="522216" cy="89215"/>
+          </a:xfrm>
+          <a:prstGeom prst="straightConnector1">
+            <a:avLst/>
+          </a:prstGeom>
+          <a:ln w="12700">
+            <a:solidFill>
+              <a:schemeClr val="tx1"/>
+            </a:solidFill>
+            <a:headEnd type="none" w="med" len="med"/>
+            <a:tailEnd type="arrow" w="med" len="med"/>
+          </a:ln>
+        </p:spPr>
+        <p:style>
+          <a:lnRef idx="1">
+            <a:schemeClr val="dk1"/>
+          </a:lnRef>
+          <a:fillRef idx="0">
+            <a:schemeClr val="dk1"/>
+          </a:fillRef>
+          <a:effectRef idx="0">
+            <a:schemeClr val="dk1"/>
+          </a:effectRef>
+          <a:fontRef idx="minor">
+            <a:schemeClr val="tx1"/>
+          </a:fontRef>
+        </p:style>
+      </p:cxnSp>
+      <p:cxnSp>
+        <p:nvCxnSpPr>
+          <p:cNvPr id="21" name="Straight Arrow Connector 20">
+            <a:extLst>
+              <a:ext uri="{FF2B5EF4-FFF2-40B4-BE49-F238E27FC236}">
+                <a16:creationId xmlns:a16="http://schemas.microsoft.com/office/drawing/2014/main" id="{C69EA6D9-4BEE-452F-B4CA-87B3A77B9F09}"/>
+              </a:ext>
+            </a:extLst>
+          </p:cNvPr>
+          <p:cNvCxnSpPr>
+            <a:cxnSpLocks/>
+            <a:stCxn id="9" idx="7"/>
+            <a:endCxn id="7" idx="3"/>
+          </p:cNvCxnSpPr>
+          <p:nvPr/>
+        </p:nvCxnSpPr>
+        <p:spPr bwMode="gray">
+          <a:xfrm flipV="1">
+            <a:off x="2259325" y="3144525"/>
+            <a:ext cx="264396" cy="121322"/>
+          </a:xfrm>
+          <a:prstGeom prst="straightConnector1">
+            <a:avLst/>
+          </a:prstGeom>
+          <a:ln w="12700">
+            <a:solidFill>
+              <a:schemeClr val="tx1"/>
+            </a:solidFill>
+            <a:headEnd type="none" w="med" len="med"/>
+            <a:tailEnd type="arrow" w="med" len="med"/>
+          </a:ln>
+        </p:spPr>
+        <p:style>
+          <a:lnRef idx="1">
+            <a:schemeClr val="dk1"/>
+          </a:lnRef>
+          <a:fillRef idx="0">
+            <a:schemeClr val="dk1"/>
+          </a:fillRef>
+          <a:effectRef idx="0">
+            <a:schemeClr val="dk1"/>
+          </a:effectRef>
+          <a:fontRef idx="minor">
+            <a:schemeClr val="tx1"/>
+          </a:fontRef>
+        </p:style>
+      </p:cxnSp>
+      <p:cxnSp>
+        <p:nvCxnSpPr>
+          <p:cNvPr id="22" name="Straight Arrow Connector 21">
+            <a:extLst>
+              <a:ext uri="{FF2B5EF4-FFF2-40B4-BE49-F238E27FC236}">
+                <a16:creationId xmlns:a16="http://schemas.microsoft.com/office/drawing/2014/main" id="{1120F7B6-E790-47FB-8D18-7910B881CB69}"/>
+              </a:ext>
+            </a:extLst>
+          </p:cNvPr>
+          <p:cNvCxnSpPr>
+            <a:cxnSpLocks/>
+            <a:stCxn id="11" idx="5"/>
+            <a:endCxn id="17" idx="2"/>
+          </p:cNvCxnSpPr>
+          <p:nvPr/>
+        </p:nvCxnSpPr>
+        <p:spPr bwMode="gray">
+          <a:xfrm>
+            <a:off x="3200336" y="2551135"/>
+            <a:ext cx="304696" cy="342893"/>
+          </a:xfrm>
+          <a:prstGeom prst="straightConnector1">
+            <a:avLst/>
+          </a:prstGeom>
+          <a:ln w="12700">
+            <a:solidFill>
+              <a:schemeClr val="tx1"/>
+            </a:solidFill>
+            <a:headEnd type="none" w="med" len="med"/>
+            <a:tailEnd type="arrow" w="med" len="med"/>
+          </a:ln>
+        </p:spPr>
+        <p:style>
+          <a:lnRef idx="1">
+            <a:schemeClr val="dk1"/>
+          </a:lnRef>
+          <a:fillRef idx="0">
+            <a:schemeClr val="dk1"/>
+          </a:fillRef>
+          <a:effectRef idx="0">
+            <a:schemeClr val="dk1"/>
+          </a:effectRef>
+          <a:fontRef idx="minor">
+            <a:schemeClr val="tx1"/>
+          </a:fontRef>
+        </p:style>
+      </p:cxnSp>
+      <p:cxnSp>
+        <p:nvCxnSpPr>
+          <p:cNvPr id="23" name="Straight Arrow Connector 22">
+            <a:extLst>
+              <a:ext uri="{FF2B5EF4-FFF2-40B4-BE49-F238E27FC236}">
+                <a16:creationId xmlns:a16="http://schemas.microsoft.com/office/drawing/2014/main" id="{16238049-ED4D-4A0E-AF85-E68494BD76E7}"/>
+              </a:ext>
+            </a:extLst>
+          </p:cNvPr>
+          <p:cNvCxnSpPr>
+            <a:cxnSpLocks/>
+            <a:stCxn id="10" idx="4"/>
+            <a:endCxn id="9" idx="0"/>
+          </p:cNvCxnSpPr>
+          <p:nvPr/>
+        </p:nvCxnSpPr>
+        <p:spPr bwMode="gray">
+          <a:xfrm>
+            <a:off x="2054636" y="2560220"/>
+            <a:ext cx="58242" cy="644966"/>
+          </a:xfrm>
+          <a:prstGeom prst="straightConnector1">
+            <a:avLst/>
+          </a:prstGeom>
+          <a:ln w="12700">
+            <a:solidFill>
+              <a:schemeClr val="tx1"/>
+            </a:solidFill>
+            <a:headEnd type="none" w="med" len="med"/>
+            <a:tailEnd type="arrow" w="med" len="med"/>
+          </a:ln>
+        </p:spPr>
+        <p:style>
+          <a:lnRef idx="1">
+            <a:schemeClr val="dk1"/>
+          </a:lnRef>
+          <a:fillRef idx="0">
+            <a:schemeClr val="dk1"/>
+          </a:fillRef>
+          <a:effectRef idx="0">
+            <a:schemeClr val="dk1"/>
+          </a:effectRef>
+          <a:fontRef idx="minor">
+            <a:schemeClr val="tx1"/>
+          </a:fontRef>
+        </p:style>
+      </p:cxnSp>
+      <p:sp>
+        <p:nvSpPr>
+          <p:cNvPr id="24" name="TextBox 23">
+            <a:extLst>
+              <a:ext uri="{FF2B5EF4-FFF2-40B4-BE49-F238E27FC236}">
+                <a16:creationId xmlns:a16="http://schemas.microsoft.com/office/drawing/2014/main" id="{8674BDA2-9E99-495E-BDA7-311B608BFDB2}"/>
+              </a:ext>
+            </a:extLst>
+          </p:cNvPr>
+          <p:cNvSpPr txBox="1"/>
+          <p:nvPr/>
+        </p:nvSpPr>
+        <p:spPr bwMode="gray">
+          <a:xfrm>
+            <a:off x="478369" y="2035835"/>
+            <a:ext cx="441149" cy="317277"/>
+          </a:xfrm>
+          <a:prstGeom prst="rect">
+            <a:avLst/>
+          </a:prstGeom>
+          <a:noFill/>
+        </p:spPr>
+        <p:txBody>
+          <a:bodyPr wrap="square" lIns="0" tIns="0" rIns="0" bIns="0" rtlCol="0">
+            <a:noAutofit/>
+          </a:bodyPr>
+          <a:lstStyle/>
+          <a:p>
+            <a:pPr>
+              <a:spcBef>
+                <a:spcPts val="300"/>
+              </a:spcBef>
+              <a:spcAft>
+                <a:spcPts val="300"/>
+              </a:spcAft>
+              <a:buClr>
+                <a:schemeClr val="accent1"/>
+              </a:buClr>
+              <a:buSzPct val="90000"/>
+            </a:pPr>
+            <a:r>
+              <a:rPr lang="en-US" sz="1200" dirty="0"/>
+              <a:t>Hub</a:t>
+            </a:r>
+          </a:p>
+        </p:txBody>
+      </p:sp>
+      <p:sp>
+        <p:nvSpPr>
+          <p:cNvPr id="25" name="TextBox 24">
+            <a:extLst>
+              <a:ext uri="{FF2B5EF4-FFF2-40B4-BE49-F238E27FC236}">
+                <a16:creationId xmlns:a16="http://schemas.microsoft.com/office/drawing/2014/main" id="{71D8541F-02AB-4250-B700-765AD4B77B19}"/>
+              </a:ext>
+            </a:extLst>
+          </p:cNvPr>
+          <p:cNvSpPr txBox="1"/>
+          <p:nvPr/>
+        </p:nvSpPr>
+        <p:spPr bwMode="gray">
+          <a:xfrm>
+            <a:off x="2349828" y="3640445"/>
+            <a:ext cx="934170" cy="276663"/>
+          </a:xfrm>
+          <a:prstGeom prst="rect">
+            <a:avLst/>
+          </a:prstGeom>
+          <a:noFill/>
+        </p:spPr>
+        <p:txBody>
+          <a:bodyPr wrap="square" lIns="0" tIns="0" rIns="0" bIns="0" rtlCol="0">
+            <a:noAutofit/>
+          </a:bodyPr>
+          <a:lstStyle/>
+          <a:p>
+            <a:pPr>
+              <a:spcBef>
+                <a:spcPts val="300"/>
+              </a:spcBef>
+              <a:spcAft>
+                <a:spcPts val="300"/>
+              </a:spcAft>
+              <a:buClr>
+                <a:schemeClr val="accent1"/>
+              </a:buClr>
+              <a:buSzPct val="90000"/>
+            </a:pPr>
+            <a:r>
+              <a:rPr lang="en-US" sz="1200" dirty="0"/>
+              <a:t>Authority</a:t>
+            </a:r>
+          </a:p>
+        </p:txBody>
+      </p:sp>
+      <p:sp>
+        <p:nvSpPr>
+          <p:cNvPr id="26" name="TextBox 25">
+            <a:extLst>
+              <a:ext uri="{FF2B5EF4-FFF2-40B4-BE49-F238E27FC236}">
+                <a16:creationId xmlns:a16="http://schemas.microsoft.com/office/drawing/2014/main" id="{76859D17-0671-4AEF-9803-DFEA399112EA}"/>
+              </a:ext>
+            </a:extLst>
+          </p:cNvPr>
+          <p:cNvSpPr txBox="1"/>
+          <p:nvPr/>
+        </p:nvSpPr>
+        <p:spPr bwMode="gray">
+          <a:xfrm>
+            <a:off x="4150941" y="2434921"/>
+            <a:ext cx="1638082" cy="555840"/>
+          </a:xfrm>
+          <a:prstGeom prst="rect">
+            <a:avLst/>
+          </a:prstGeom>
+          <a:noFill/>
+        </p:spPr>
+        <p:txBody>
+          <a:bodyPr wrap="square" lIns="0" tIns="0" rIns="0" bIns="0" rtlCol="0">
+            <a:noAutofit/>
+          </a:bodyPr>
+          <a:lstStyle/>
+          <a:p>
+            <a:pPr algn="ctr">
+              <a:spcBef>
+                <a:spcPts val="300"/>
+              </a:spcBef>
+              <a:spcAft>
+                <a:spcPts val="300"/>
+              </a:spcAft>
+              <a:buClr>
+                <a:schemeClr val="accent1"/>
+              </a:buClr>
+              <a:buSzPct val="90000"/>
+            </a:pPr>
+            <a:r>
+              <a:rPr lang="en-US" sz="1200" dirty="0">
+                <a:solidFill>
+                  <a:schemeClr val="accent1"/>
+                </a:solidFill>
+              </a:rPr>
+              <a:t>Lose, dangling node</a:t>
+            </a:r>
+          </a:p>
+          <a:p>
+            <a:pPr algn="ctr">
+              <a:spcBef>
+                <a:spcPts val="300"/>
+              </a:spcBef>
+              <a:spcAft>
+                <a:spcPts val="300"/>
+              </a:spcAft>
+              <a:buClr>
+                <a:schemeClr val="accent1"/>
+              </a:buClr>
+              <a:buSzPct val="90000"/>
+            </a:pPr>
+            <a:r>
+              <a:rPr lang="en-US" sz="1200" dirty="0">
+                <a:solidFill>
+                  <a:schemeClr val="accent1"/>
+                </a:solidFill>
+              </a:rPr>
+              <a:t>(dead-end)</a:t>
+            </a:r>
+          </a:p>
+        </p:txBody>
+      </p:sp>
+      <p:cxnSp>
+        <p:nvCxnSpPr>
+          <p:cNvPr id="28" name="Connector: Curved 27">
+            <a:extLst>
+              <a:ext uri="{FF2B5EF4-FFF2-40B4-BE49-F238E27FC236}">
+                <a16:creationId xmlns:a16="http://schemas.microsoft.com/office/drawing/2014/main" id="{643B60CE-6BE6-4425-AFFA-53C368ECB73B}"/>
+              </a:ext>
+            </a:extLst>
+          </p:cNvPr>
+          <p:cNvCxnSpPr>
+            <a:cxnSpLocks/>
+            <a:stCxn id="18" idx="6"/>
+            <a:endCxn id="29" idx="6"/>
+          </p:cNvCxnSpPr>
+          <p:nvPr/>
+        </p:nvCxnSpPr>
+        <p:spPr bwMode="gray">
+          <a:xfrm flipH="1" flipV="1">
+            <a:off x="3679734" y="1304898"/>
+            <a:ext cx="557341" cy="1033572"/>
+          </a:xfrm>
+          <a:prstGeom prst="curvedConnector3">
+            <a:avLst>
+              <a:gd name="adj1" fmla="val -41016"/>
+            </a:avLst>
+          </a:prstGeom>
+          <a:ln w="19050">
+            <a:solidFill>
+              <a:schemeClr val="accent1"/>
+            </a:solidFill>
+            <a:prstDash val="sysDash"/>
+            <a:headEnd type="none" w="med" len="med"/>
+            <a:tailEnd type="arrow" w="med" len="med"/>
+          </a:ln>
+        </p:spPr>
+        <p:style>
+          <a:lnRef idx="1">
+            <a:schemeClr val="accent1"/>
+          </a:lnRef>
+          <a:fillRef idx="0">
+            <a:schemeClr val="accent1"/>
+          </a:fillRef>
+          <a:effectRef idx="0">
+            <a:schemeClr val="accent1"/>
+          </a:effectRef>
+          <a:fontRef idx="minor">
+            <a:schemeClr val="tx1"/>
+          </a:fontRef>
+        </p:style>
+      </p:cxnSp>
+      <p:sp>
+        <p:nvSpPr>
+          <p:cNvPr id="29" name="Oval 28">
+            <a:extLst>
+              <a:ext uri="{FF2B5EF4-FFF2-40B4-BE49-F238E27FC236}">
+                <a16:creationId xmlns:a16="http://schemas.microsoft.com/office/drawing/2014/main" id="{4365DE8F-7F6C-4F28-946E-5F0DADC2ED99}"/>
+              </a:ext>
+            </a:extLst>
+          </p:cNvPr>
+          <p:cNvSpPr/>
+          <p:nvPr/>
+        </p:nvSpPr>
+        <p:spPr bwMode="gray">
+          <a:xfrm>
+            <a:off x="2181152" y="1097790"/>
+            <a:ext cx="1498582" cy="414216"/>
+          </a:xfrm>
+          <a:prstGeom prst="ellipse">
+            <a:avLst/>
+          </a:prstGeom>
+          <a:solidFill>
+            <a:schemeClr val="accent1">
+              <a:lumMod val="75000"/>
+            </a:schemeClr>
+          </a:solidFill>
+          <a:ln/>
+        </p:spPr>
+        <p:style>
+          <a:lnRef idx="2">
+            <a:schemeClr val="dk1"/>
+          </a:lnRef>
+          <a:fillRef idx="1">
+            <a:schemeClr val="lt1"/>
+          </a:fillRef>
+          <a:effectRef idx="0">
+            <a:schemeClr val="dk1"/>
+          </a:effectRef>
+          <a:fontRef idx="minor">
+            <a:schemeClr val="dk1"/>
+          </a:fontRef>
+        </p:style>
+        <p:txBody>
+          <a:bodyPr rot="0" spcFirstLastPara="0" vertOverflow="overflow" horzOverflow="overflow" vert="horz" wrap="square" lIns="108000" tIns="72000" rIns="108000" bIns="72000" numCol="1" spcCol="0" rtlCol="0" fromWordArt="0" anchor="ctr" anchorCtr="0" forceAA="0" compatLnSpc="1">
+            <a:prstTxWarp prst="textNoShape">
+              <a:avLst/>
+            </a:prstTxWarp>
+            <a:noAutofit/>
+          </a:bodyPr>
+          <a:lstStyle/>
+          <a:p>
+            <a:pPr algn="ctr">
+              <a:spcBef>
+                <a:spcPts val="300"/>
+              </a:spcBef>
+              <a:spcAft>
+                <a:spcPts val="300"/>
+              </a:spcAft>
+            </a:pPr>
+            <a:r>
+              <a:rPr lang="en-US" sz="1200" b="1" dirty="0">
+                <a:solidFill>
+                  <a:schemeClr val="bg1"/>
+                </a:solidFill>
+              </a:rPr>
+              <a:t>Super Node</a:t>
+            </a:r>
+          </a:p>
+        </p:txBody>
+      </p:sp>
+      <p:sp>
+        <p:nvSpPr>
+          <p:cNvPr id="32" name="TextBox 31">
+            <a:extLst>
+              <a:ext uri="{FF2B5EF4-FFF2-40B4-BE49-F238E27FC236}">
+                <a16:creationId xmlns:a16="http://schemas.microsoft.com/office/drawing/2014/main" id="{52C63678-602F-480D-B2F5-086EE8F39AEF}"/>
+              </a:ext>
+            </a:extLst>
+          </p:cNvPr>
+          <p:cNvSpPr txBox="1"/>
+          <p:nvPr/>
+        </p:nvSpPr>
+        <p:spPr bwMode="gray">
+          <a:xfrm>
+            <a:off x="4552471" y="1573341"/>
+            <a:ext cx="934170" cy="276663"/>
+          </a:xfrm>
+          <a:prstGeom prst="rect">
+            <a:avLst/>
+          </a:prstGeom>
+          <a:noFill/>
+        </p:spPr>
+        <p:txBody>
+          <a:bodyPr wrap="square" lIns="0" tIns="0" rIns="0" bIns="0" rtlCol="0">
+            <a:noAutofit/>
+          </a:bodyPr>
+          <a:lstStyle/>
+          <a:p>
+            <a:pPr>
+              <a:spcBef>
+                <a:spcPts val="300"/>
+              </a:spcBef>
+              <a:spcAft>
+                <a:spcPts val="300"/>
+              </a:spcAft>
+              <a:buClr>
+                <a:schemeClr val="accent1"/>
+              </a:buClr>
+              <a:buSzPct val="90000"/>
+            </a:pPr>
+            <a:r>
+              <a:rPr lang="en-US" sz="1200" dirty="0"/>
+              <a:t>Teleports</a:t>
+            </a:r>
+          </a:p>
+        </p:txBody>
+      </p:sp>
+      <p:cxnSp>
+        <p:nvCxnSpPr>
+          <p:cNvPr id="33" name="Straight Arrow Connector 32">
+            <a:extLst>
+              <a:ext uri="{FF2B5EF4-FFF2-40B4-BE49-F238E27FC236}">
+                <a16:creationId xmlns:a16="http://schemas.microsoft.com/office/drawing/2014/main" id="{B19357DF-F6C2-4D13-9799-2F2E3D220D8D}"/>
+              </a:ext>
+            </a:extLst>
+          </p:cNvPr>
+          <p:cNvCxnSpPr>
+            <a:cxnSpLocks/>
+            <a:stCxn id="29" idx="4"/>
+            <a:endCxn id="5" idx="7"/>
+          </p:cNvCxnSpPr>
+          <p:nvPr/>
+        </p:nvCxnSpPr>
+        <p:spPr bwMode="gray">
+          <a:xfrm flipH="1">
+            <a:off x="1264651" y="1512006"/>
+            <a:ext cx="1665792" cy="783874"/>
+          </a:xfrm>
+          <a:prstGeom prst="straightConnector1">
+            <a:avLst/>
+          </a:prstGeom>
+          <a:ln w="12700">
+            <a:solidFill>
+              <a:srgbClr val="B1063A"/>
+            </a:solidFill>
+            <a:headEnd type="none" w="med" len="med"/>
+            <a:tailEnd type="arrow" w="med" len="med"/>
+          </a:ln>
+        </p:spPr>
+        <p:style>
+          <a:lnRef idx="1">
+            <a:schemeClr val="dk1"/>
+          </a:lnRef>
+          <a:fillRef idx="0">
+            <a:schemeClr val="dk1"/>
+          </a:fillRef>
+          <a:effectRef idx="0">
+            <a:schemeClr val="dk1"/>
+          </a:effectRef>
+          <a:fontRef idx="minor">
+            <a:schemeClr val="tx1"/>
+          </a:fontRef>
+        </p:style>
+      </p:cxnSp>
+      <p:cxnSp>
+        <p:nvCxnSpPr>
+          <p:cNvPr id="37" name="Straight Arrow Connector 36">
+            <a:extLst>
+              <a:ext uri="{FF2B5EF4-FFF2-40B4-BE49-F238E27FC236}">
+                <a16:creationId xmlns:a16="http://schemas.microsoft.com/office/drawing/2014/main" id="{21F86014-7CE7-47F3-B0E7-FB8AB248DDA7}"/>
+              </a:ext>
+            </a:extLst>
+          </p:cNvPr>
+          <p:cNvCxnSpPr>
+            <a:cxnSpLocks/>
+            <a:stCxn id="29" idx="4"/>
+            <a:endCxn id="6" idx="7"/>
+          </p:cNvCxnSpPr>
+          <p:nvPr/>
+        </p:nvCxnSpPr>
+        <p:spPr bwMode="gray">
+          <a:xfrm flipH="1">
+            <a:off x="1273073" y="1512006"/>
+            <a:ext cx="1657370" cy="1716202"/>
+          </a:xfrm>
+          <a:prstGeom prst="straightConnector1">
+            <a:avLst/>
+          </a:prstGeom>
+          <a:ln w="12700">
+            <a:solidFill>
+              <a:srgbClr val="B1063A"/>
+            </a:solidFill>
+            <a:headEnd type="none" w="med" len="med"/>
+            <a:tailEnd type="arrow" w="med" len="med"/>
+          </a:ln>
+        </p:spPr>
+        <p:style>
+          <a:lnRef idx="1">
+            <a:schemeClr val="dk1"/>
+          </a:lnRef>
+          <a:fillRef idx="0">
+            <a:schemeClr val="dk1"/>
+          </a:fillRef>
+          <a:effectRef idx="0">
+            <a:schemeClr val="dk1"/>
+          </a:effectRef>
+          <a:fontRef idx="minor">
+            <a:schemeClr val="tx1"/>
+          </a:fontRef>
+        </p:style>
+      </p:cxnSp>
+      <p:cxnSp>
+        <p:nvCxnSpPr>
+          <p:cNvPr id="40" name="Straight Arrow Connector 39">
+            <a:extLst>
+              <a:ext uri="{FF2B5EF4-FFF2-40B4-BE49-F238E27FC236}">
+                <a16:creationId xmlns:a16="http://schemas.microsoft.com/office/drawing/2014/main" id="{1AD86F05-A4D2-4D7C-B2B1-4C8A28156ABB}"/>
+              </a:ext>
+            </a:extLst>
+          </p:cNvPr>
+          <p:cNvCxnSpPr>
+            <a:cxnSpLocks/>
+            <a:stCxn id="29" idx="4"/>
+            <a:endCxn id="10" idx="0"/>
+          </p:cNvCxnSpPr>
+          <p:nvPr/>
+        </p:nvCxnSpPr>
+        <p:spPr bwMode="gray">
+          <a:xfrm flipH="1">
+            <a:off x="2054636" y="1512006"/>
+            <a:ext cx="875807" cy="633998"/>
+          </a:xfrm>
+          <a:prstGeom prst="straightConnector1">
+            <a:avLst/>
+          </a:prstGeom>
+          <a:ln w="12700">
+            <a:solidFill>
+              <a:srgbClr val="B1063A"/>
+            </a:solidFill>
+            <a:headEnd type="none" w="med" len="med"/>
+            <a:tailEnd type="arrow" w="med" len="med"/>
+          </a:ln>
+        </p:spPr>
+        <p:style>
+          <a:lnRef idx="1">
+            <a:schemeClr val="dk1"/>
+          </a:lnRef>
+          <a:fillRef idx="0">
+            <a:schemeClr val="dk1"/>
+          </a:fillRef>
+          <a:effectRef idx="0">
+            <a:schemeClr val="dk1"/>
+          </a:effectRef>
+          <a:fontRef idx="minor">
+            <a:schemeClr val="tx1"/>
+          </a:fontRef>
+        </p:style>
+      </p:cxnSp>
+      <p:cxnSp>
+        <p:nvCxnSpPr>
+          <p:cNvPr id="43" name="Straight Arrow Connector 42">
+            <a:extLst>
+              <a:ext uri="{FF2B5EF4-FFF2-40B4-BE49-F238E27FC236}">
+                <a16:creationId xmlns:a16="http://schemas.microsoft.com/office/drawing/2014/main" id="{F5C2BB9F-DC79-4B58-9244-144F67DA36DA}"/>
+              </a:ext>
+            </a:extLst>
+          </p:cNvPr>
+          <p:cNvCxnSpPr>
+            <a:cxnSpLocks/>
+            <a:stCxn id="29" idx="4"/>
+            <a:endCxn id="11" idx="0"/>
+          </p:cNvCxnSpPr>
+          <p:nvPr/>
+        </p:nvCxnSpPr>
+        <p:spPr bwMode="gray">
+          <a:xfrm>
+            <a:off x="2930443" y="1512006"/>
+            <a:ext cx="123446" cy="685574"/>
+          </a:xfrm>
+          <a:prstGeom prst="straightConnector1">
+            <a:avLst/>
+          </a:prstGeom>
+          <a:ln w="12700">
+            <a:solidFill>
+              <a:srgbClr val="B1063A"/>
+            </a:solidFill>
+            <a:headEnd type="none" w="med" len="med"/>
+            <a:tailEnd type="arrow" w="med" len="med"/>
+          </a:ln>
+        </p:spPr>
+        <p:style>
+          <a:lnRef idx="1">
+            <a:schemeClr val="dk1"/>
+          </a:lnRef>
+          <a:fillRef idx="0">
+            <a:schemeClr val="dk1"/>
+          </a:fillRef>
+          <a:effectRef idx="0">
+            <a:schemeClr val="dk1"/>
+          </a:effectRef>
+          <a:fontRef idx="minor">
+            <a:schemeClr val="tx1"/>
+          </a:fontRef>
+        </p:style>
+      </p:cxnSp>
+      <p:cxnSp>
+        <p:nvCxnSpPr>
+          <p:cNvPr id="46" name="Straight Arrow Connector 45">
+            <a:extLst>
+              <a:ext uri="{FF2B5EF4-FFF2-40B4-BE49-F238E27FC236}">
+                <a16:creationId xmlns:a16="http://schemas.microsoft.com/office/drawing/2014/main" id="{4C44CF4A-69C9-4D27-864D-93E072219ACD}"/>
+              </a:ext>
+            </a:extLst>
+          </p:cNvPr>
+          <p:cNvCxnSpPr>
+            <a:cxnSpLocks/>
+            <a:stCxn id="29" idx="4"/>
+            <a:endCxn id="18" idx="0"/>
+          </p:cNvCxnSpPr>
+          <p:nvPr/>
+        </p:nvCxnSpPr>
+        <p:spPr bwMode="gray">
+          <a:xfrm>
+            <a:off x="2930443" y="1512006"/>
+            <a:ext cx="1099524" cy="619356"/>
+          </a:xfrm>
+          <a:prstGeom prst="straightConnector1">
+            <a:avLst/>
+          </a:prstGeom>
+          <a:ln w="12700">
+            <a:solidFill>
+              <a:srgbClr val="B1063A"/>
+            </a:solidFill>
+            <a:headEnd type="none" w="med" len="med"/>
+            <a:tailEnd type="arrow" w="med" len="med"/>
+          </a:ln>
+        </p:spPr>
+        <p:style>
+          <a:lnRef idx="1">
+            <a:schemeClr val="dk1"/>
+          </a:lnRef>
+          <a:fillRef idx="0">
+            <a:schemeClr val="dk1"/>
+          </a:fillRef>
+          <a:effectRef idx="0">
+            <a:schemeClr val="dk1"/>
+          </a:effectRef>
+          <a:fontRef idx="minor">
+            <a:schemeClr val="tx1"/>
+          </a:fontRef>
+        </p:style>
+      </p:cxnSp>
+      <p:cxnSp>
+        <p:nvCxnSpPr>
+          <p:cNvPr id="66" name="Straight Arrow Connector 65">
+            <a:extLst>
+              <a:ext uri="{FF2B5EF4-FFF2-40B4-BE49-F238E27FC236}">
+                <a16:creationId xmlns:a16="http://schemas.microsoft.com/office/drawing/2014/main" id="{939B49B5-15E9-460E-AD73-83FCB0468DD0}"/>
+              </a:ext>
+            </a:extLst>
+          </p:cNvPr>
+          <p:cNvCxnSpPr>
+            <a:cxnSpLocks/>
+            <a:stCxn id="29" idx="4"/>
+            <a:endCxn id="9" idx="7"/>
+          </p:cNvCxnSpPr>
+          <p:nvPr/>
+        </p:nvCxnSpPr>
+        <p:spPr bwMode="gray">
+          <a:xfrm flipH="1">
+            <a:off x="2259325" y="1512006"/>
+            <a:ext cx="671118" cy="1753841"/>
+          </a:xfrm>
+          <a:prstGeom prst="straightConnector1">
+            <a:avLst/>
+          </a:prstGeom>
+          <a:ln w="12700">
+            <a:solidFill>
+              <a:srgbClr val="B1063A"/>
+            </a:solidFill>
+            <a:headEnd type="none" w="med" len="med"/>
+            <a:tailEnd type="arrow" w="med" len="med"/>
+          </a:ln>
+        </p:spPr>
+        <p:style>
+          <a:lnRef idx="1">
+            <a:schemeClr val="dk1"/>
+          </a:lnRef>
+          <a:fillRef idx="0">
+            <a:schemeClr val="dk1"/>
+          </a:fillRef>
+          <a:effectRef idx="0">
+            <a:schemeClr val="dk1"/>
+          </a:effectRef>
+          <a:fontRef idx="minor">
+            <a:schemeClr val="tx1"/>
+          </a:fontRef>
+        </p:style>
+      </p:cxnSp>
+      <p:cxnSp>
+        <p:nvCxnSpPr>
+          <p:cNvPr id="69" name="Straight Arrow Connector 68">
+            <a:extLst>
+              <a:ext uri="{FF2B5EF4-FFF2-40B4-BE49-F238E27FC236}">
+                <a16:creationId xmlns:a16="http://schemas.microsoft.com/office/drawing/2014/main" id="{B24FB395-E12F-4A0E-9FA7-4B5E3D0059C1}"/>
+              </a:ext>
+            </a:extLst>
+          </p:cNvPr>
+          <p:cNvCxnSpPr>
+            <a:cxnSpLocks/>
+            <a:stCxn id="29" idx="4"/>
+            <a:endCxn id="7" idx="0"/>
+          </p:cNvCxnSpPr>
+          <p:nvPr/>
+        </p:nvCxnSpPr>
+        <p:spPr bwMode="gray">
+          <a:xfrm flipH="1">
+            <a:off x="2670168" y="1512006"/>
+            <a:ext cx="260275" cy="1278964"/>
+          </a:xfrm>
+          <a:prstGeom prst="straightConnector1">
+            <a:avLst/>
+          </a:prstGeom>
+          <a:ln w="12700">
+            <a:solidFill>
+              <a:srgbClr val="B1063A"/>
+            </a:solidFill>
+            <a:headEnd type="none" w="med" len="med"/>
+            <a:tailEnd type="arrow" w="med" len="med"/>
+          </a:ln>
+        </p:spPr>
+        <p:style>
+          <a:lnRef idx="1">
+            <a:schemeClr val="dk1"/>
+          </a:lnRef>
+          <a:fillRef idx="0">
+            <a:schemeClr val="dk1"/>
+          </a:fillRef>
+          <a:effectRef idx="0">
+            <a:schemeClr val="dk1"/>
+          </a:effectRef>
+          <a:fontRef idx="minor">
+            <a:schemeClr val="tx1"/>
+          </a:fontRef>
+        </p:style>
+      </p:cxnSp>
+      <p:cxnSp>
+        <p:nvCxnSpPr>
+          <p:cNvPr id="72" name="Straight Arrow Connector 71">
+            <a:extLst>
+              <a:ext uri="{FF2B5EF4-FFF2-40B4-BE49-F238E27FC236}">
+                <a16:creationId xmlns:a16="http://schemas.microsoft.com/office/drawing/2014/main" id="{D4D263F8-17CE-47DB-B7D4-16E416940609}"/>
+              </a:ext>
+            </a:extLst>
+          </p:cNvPr>
+          <p:cNvCxnSpPr>
+            <a:cxnSpLocks/>
+            <a:stCxn id="29" idx="4"/>
+            <a:endCxn id="17" idx="0"/>
+          </p:cNvCxnSpPr>
+          <p:nvPr/>
+        </p:nvCxnSpPr>
+        <p:spPr bwMode="gray">
+          <a:xfrm>
+            <a:off x="2930443" y="1512006"/>
+            <a:ext cx="763833" cy="1174914"/>
+          </a:xfrm>
+          <a:prstGeom prst="straightConnector1">
+            <a:avLst/>
+          </a:prstGeom>
+          <a:ln w="12700">
+            <a:solidFill>
+              <a:srgbClr val="B1063A"/>
+            </a:solidFill>
+            <a:headEnd type="none" w="med" len="med"/>
+            <a:tailEnd type="arrow" w="med" len="med"/>
+          </a:ln>
+        </p:spPr>
+        <p:style>
+          <a:lnRef idx="1">
+            <a:schemeClr val="dk1"/>
+          </a:lnRef>
+          <a:fillRef idx="0">
+            <a:schemeClr val="dk1"/>
+          </a:fillRef>
+          <a:effectRef idx="0">
+            <a:schemeClr val="dk1"/>
+          </a:effectRef>
+          <a:fontRef idx="minor">
+            <a:schemeClr val="tx1"/>
+          </a:fontRef>
+        </p:style>
+      </p:cxnSp>
+      <mc:AlternateContent xmlns:mc="http://schemas.openxmlformats.org/markup-compatibility/2006" xmlns:a14="http://schemas.microsoft.com/office/drawing/2010/main">
+        <mc:Choice Requires="a14">
+          <p:sp>
+            <p:nvSpPr>
+              <p:cNvPr id="110" name="TextBox 109">
+                <a:extLst>
+                  <a:ext uri="{FF2B5EF4-FFF2-40B4-BE49-F238E27FC236}">
+                    <a16:creationId xmlns:a16="http://schemas.microsoft.com/office/drawing/2014/main" id="{92BE2D16-4823-4EA1-9EB8-6B0380052806}"/>
+                  </a:ext>
+                </a:extLst>
+              </p:cNvPr>
+              <p:cNvSpPr txBox="1"/>
+              <p:nvPr/>
+            </p:nvSpPr>
+            <p:spPr bwMode="gray">
+              <a:xfrm>
+                <a:off x="5946060" y="1027590"/>
+                <a:ext cx="6245940" cy="2247795"/>
+              </a:xfrm>
+              <a:prstGeom prst="rect">
+                <a:avLst/>
+              </a:prstGeom>
+              <a:noFill/>
+            </p:spPr>
+            <p:txBody>
+              <a:bodyPr wrap="square">
+                <a:spAutoFit/>
+              </a:bodyPr>
+              <a:lstStyle/>
+              <a:p>
+                <a:r>
+                  <a:rPr lang="en-US" b="1" u="sng" dirty="0"/>
+                  <a:t>Implications of a super node:</a:t>
+                </a:r>
+              </a:p>
+              <a:p>
+                <a:pPr marL="285750" indent="-285750">
+                  <a:buFontTx/>
+                  <a:buChar char="-"/>
+                </a:pPr>
+                <a:r>
+                  <a:rPr lang="en-US" dirty="0"/>
+                  <a:t>It creates a super connected component</a:t>
+                </a:r>
+              </a:p>
+              <a:p>
+                <a:pPr marL="285750" indent="-285750">
+                  <a:buFontTx/>
+                  <a:buChar char="-"/>
+                </a:pPr>
+                <a:r>
+                  <a:rPr lang="en-US" dirty="0"/>
+                  <a:t>Which has a unique stationary distribution </a:t>
+                </a:r>
+                <a14:m>
+                  <m:oMath xmlns:m="http://schemas.openxmlformats.org/officeDocument/2006/math">
+                    <m:acc>
+                      <m:accPr>
+                        <m:chr m:val="⃗"/>
+                        <m:ctrlPr>
+                          <a:rPr lang="en-US" i="1" smtClean="0">
+                            <a:latin typeface="Cambria Math" panose="02040503050406030204" pitchFamily="18" charset="0"/>
+                          </a:rPr>
+                        </m:ctrlPr>
+                      </m:accPr>
+                      <m:e>
+                        <m:sSub>
+                          <m:sSubPr>
+                            <m:ctrlPr>
+                              <a:rPr lang="en-US" b="0" i="1" smtClean="0">
+                                <a:latin typeface="Cambria Math" panose="02040503050406030204" pitchFamily="18" charset="0"/>
+                              </a:rPr>
+                            </m:ctrlPr>
+                          </m:sSubPr>
+                          <m:e>
+                            <m:r>
+                              <a:rPr lang="en-US" b="0" i="1" smtClean="0">
+                                <a:latin typeface="Cambria Math" panose="02040503050406030204" pitchFamily="18" charset="0"/>
+                              </a:rPr>
+                              <m:t>𝑅</m:t>
+                            </m:r>
+                          </m:e>
+                          <m:sub>
+                            <m:r>
+                              <a:rPr lang="en-US" b="0" i="1" smtClean="0">
+                                <a:latin typeface="Cambria Math" panose="02040503050406030204" pitchFamily="18" charset="0"/>
+                              </a:rPr>
+                              <m:t>𝑠</m:t>
+                            </m:r>
+                          </m:sub>
+                        </m:sSub>
+                      </m:e>
+                    </m:acc>
+                  </m:oMath>
+                </a14:m>
+                <a:endParaRPr lang="en-US" dirty="0"/>
+              </a:p>
+              <a:p>
+                <a:pPr marL="285750" indent="-285750">
+                  <a:buFontTx/>
+                  <a:buChar char="-"/>
+                </a:pPr>
+                <a:r>
+                  <a:rPr lang="en-US" dirty="0"/>
+                  <a:t>Which we can guarantee to reach regardless of initial state distribution </a:t>
+                </a:r>
+                <a14:m>
+                  <m:oMath xmlns:m="http://schemas.openxmlformats.org/officeDocument/2006/math">
+                    <m:acc>
+                      <m:accPr>
+                        <m:chr m:val="⃗"/>
+                        <m:ctrlPr>
+                          <a:rPr lang="en-US" i="1" smtClean="0">
+                            <a:latin typeface="Cambria Math" panose="02040503050406030204" pitchFamily="18" charset="0"/>
+                          </a:rPr>
+                        </m:ctrlPr>
+                      </m:accPr>
+                      <m:e>
+                        <m:sSub>
+                          <m:sSubPr>
+                            <m:ctrlPr>
+                              <a:rPr lang="en-US" b="0" i="1" smtClean="0">
+                                <a:latin typeface="Cambria Math" panose="02040503050406030204" pitchFamily="18" charset="0"/>
+                              </a:rPr>
+                            </m:ctrlPr>
+                          </m:sSubPr>
+                          <m:e>
+                            <m:r>
+                              <a:rPr lang="en-US" b="0" i="1" smtClean="0">
+                                <a:latin typeface="Cambria Math" panose="02040503050406030204" pitchFamily="18" charset="0"/>
+                              </a:rPr>
+                              <m:t>𝑅</m:t>
+                            </m:r>
+                          </m:e>
+                          <m:sub>
+                            <m:r>
+                              <a:rPr lang="en-US" b="0" i="1" smtClean="0">
+                                <a:latin typeface="Cambria Math" panose="02040503050406030204" pitchFamily="18" charset="0"/>
+                              </a:rPr>
+                              <m:t>0</m:t>
+                            </m:r>
+                          </m:sub>
+                        </m:sSub>
+                      </m:e>
+                    </m:acc>
+                  </m:oMath>
+                </a14:m>
+                <a:endParaRPr lang="en-US" dirty="0"/>
+              </a:p>
+              <a:p>
+                <a:pPr marL="285750" indent="-285750">
+                  <a:buFontTx/>
+                  <a:buChar char="-"/>
+                </a:pPr>
+                <a:endParaRPr lang="en-US" dirty="0"/>
+              </a:p>
+              <a:p>
+                <a:pPr lvl="1"/>
+                <a14:m>
+                  <m:oMathPara xmlns:m="http://schemas.openxmlformats.org/officeDocument/2006/math">
+                    <m:oMathParaPr>
+                      <m:jc m:val="centerGroup"/>
+                    </m:oMathParaPr>
+                    <m:oMath xmlns:m="http://schemas.openxmlformats.org/officeDocument/2006/math">
+                      <m:func>
+                        <m:funcPr>
+                          <m:ctrlPr>
+                            <a:rPr lang="en-US" i="1" smtClean="0">
+                              <a:latin typeface="Cambria Math" panose="02040503050406030204" pitchFamily="18" charset="0"/>
+                            </a:rPr>
+                          </m:ctrlPr>
+                        </m:funcPr>
+                        <m:fName>
+                          <m:limLow>
+                            <m:limLowPr>
+                              <m:ctrlPr>
+                                <a:rPr lang="en-US" i="1" smtClean="0">
+                                  <a:latin typeface="Cambria Math" panose="02040503050406030204" pitchFamily="18" charset="0"/>
+                                </a:rPr>
+                              </m:ctrlPr>
+                            </m:limLowPr>
+                            <m:e>
+                              <m:r>
+                                <m:rPr>
+                                  <m:sty m:val="p"/>
+                                </m:rPr>
+                                <a:rPr lang="en-US" i="0" smtClean="0">
+                                  <a:latin typeface="Cambria Math" panose="02040503050406030204" pitchFamily="18" charset="0"/>
+                                </a:rPr>
+                                <m:t>lim</m:t>
+                              </m:r>
+                            </m:e>
+                            <m:lim>
+                              <m:r>
+                                <a:rPr lang="en-US" b="0" i="1" smtClean="0">
+                                  <a:latin typeface="Cambria Math" panose="02040503050406030204" pitchFamily="18" charset="0"/>
+                                </a:rPr>
+                                <m:t>𝑡</m:t>
+                              </m:r>
+                              <m:r>
+                                <a:rPr lang="en-US" b="0" i="1" smtClean="0">
+                                  <a:latin typeface="Cambria Math" panose="02040503050406030204" pitchFamily="18" charset="0"/>
+                                </a:rPr>
+                                <m:t>→∞</m:t>
+                              </m:r>
+                            </m:lim>
+                          </m:limLow>
+                        </m:fName>
+                        <m:e>
+                          <m:sSup>
+                            <m:sSupPr>
+                              <m:ctrlPr>
+                                <a:rPr lang="en-US" i="1">
+                                  <a:latin typeface="Cambria Math" panose="02040503050406030204" pitchFamily="18" charset="0"/>
+                                </a:rPr>
+                              </m:ctrlPr>
+                            </m:sSupPr>
+                            <m:e>
+                              <m:r>
+                                <a:rPr lang="en-US" i="1">
+                                  <a:latin typeface="Cambria Math" panose="02040503050406030204" pitchFamily="18" charset="0"/>
+                                </a:rPr>
+                                <m:t>𝑀</m:t>
+                              </m:r>
+                            </m:e>
+                            <m:sup>
+                              <m:r>
+                                <a:rPr lang="en-US" i="1">
+                                  <a:latin typeface="Cambria Math" panose="02040503050406030204" pitchFamily="18" charset="0"/>
+                                </a:rPr>
+                                <m:t>𝑡</m:t>
+                              </m:r>
+                            </m:sup>
+                          </m:sSup>
+                          <m:acc>
+                            <m:accPr>
+                              <m:chr m:val="⃗"/>
+                              <m:ctrlPr>
+                                <a:rPr lang="en-US" i="1" smtClean="0">
+                                  <a:latin typeface="Cambria Math" panose="02040503050406030204" pitchFamily="18" charset="0"/>
+                                </a:rPr>
+                              </m:ctrlPr>
+                            </m:accPr>
+                            <m:e>
+                              <m:sSub>
+                                <m:sSubPr>
+                                  <m:ctrlPr>
+                                    <a:rPr lang="en-US" b="0" i="1" smtClean="0">
+                                      <a:latin typeface="Cambria Math" panose="02040503050406030204" pitchFamily="18" charset="0"/>
+                                    </a:rPr>
+                                  </m:ctrlPr>
+                                </m:sSubPr>
+                                <m:e>
+                                  <m:r>
+                                    <a:rPr lang="en-US" b="0" i="1" smtClean="0">
+                                      <a:latin typeface="Cambria Math" panose="02040503050406030204" pitchFamily="18" charset="0"/>
+                                    </a:rPr>
+                                    <m:t>𝑅</m:t>
+                                  </m:r>
+                                </m:e>
+                                <m:sub>
+                                  <m:r>
+                                    <a:rPr lang="en-US" b="0" i="1" smtClean="0">
+                                      <a:latin typeface="Cambria Math" panose="02040503050406030204" pitchFamily="18" charset="0"/>
+                                    </a:rPr>
+                                    <m:t>𝑜</m:t>
+                                  </m:r>
+                                </m:sub>
+                              </m:sSub>
+                            </m:e>
+                          </m:acc>
+                        </m:e>
+                      </m:func>
+                      <m:r>
+                        <a:rPr lang="en-US" b="0" i="1" smtClean="0">
+                          <a:latin typeface="Cambria Math" panose="02040503050406030204" pitchFamily="18" charset="0"/>
+                        </a:rPr>
+                        <m:t>= </m:t>
+                      </m:r>
+                      <m:acc>
+                        <m:accPr>
+                          <m:chr m:val="⃗"/>
+                          <m:ctrlPr>
+                            <a:rPr lang="en-US" i="1">
+                              <a:latin typeface="Cambria Math" panose="02040503050406030204" pitchFamily="18" charset="0"/>
+                            </a:rPr>
+                          </m:ctrlPr>
+                        </m:accPr>
+                        <m:e>
+                          <m:sSub>
+                            <m:sSubPr>
+                              <m:ctrlPr>
+                                <a:rPr lang="en-US" i="1">
+                                  <a:latin typeface="Cambria Math" panose="02040503050406030204" pitchFamily="18" charset="0"/>
+                                </a:rPr>
+                              </m:ctrlPr>
+                            </m:sSubPr>
+                            <m:e>
+                              <m:r>
+                                <a:rPr lang="en-US" b="0" i="1" smtClean="0">
+                                  <a:latin typeface="Cambria Math" panose="02040503050406030204" pitchFamily="18" charset="0"/>
+                                </a:rPr>
+                                <m:t>𝑅</m:t>
+                              </m:r>
+                            </m:e>
+                            <m:sub>
+                              <m:r>
+                                <a:rPr lang="en-US" i="1">
+                                  <a:latin typeface="Cambria Math" panose="02040503050406030204" pitchFamily="18" charset="0"/>
+                                </a:rPr>
+                                <m:t>𝑠</m:t>
+                              </m:r>
+                            </m:sub>
+                          </m:sSub>
+                        </m:e>
+                      </m:acc>
+                    </m:oMath>
+                  </m:oMathPara>
+                </a14:m>
+                <a:endParaRPr lang="en-US" dirty="0"/>
+              </a:p>
+            </p:txBody>
+          </p:sp>
+        </mc:Choice>
+        <mc:Fallback xmlns="">
+          <p:sp>
+            <p:nvSpPr>
+              <p:cNvPr id="110" name="TextBox 109">
+                <a:extLst>
+                  <a:ext uri="{FF2B5EF4-FFF2-40B4-BE49-F238E27FC236}">
+                    <a16:creationId xmlns:a16="http://schemas.microsoft.com/office/drawing/2014/main" id="{92BE2D16-4823-4EA1-9EB8-6B0380052806}"/>
+                  </a:ext>
+                </a:extLst>
+              </p:cNvPr>
+              <p:cNvSpPr txBox="1">
+                <a:spLocks noRot="1" noChangeAspect="1" noMove="1" noResize="1" noEditPoints="1" noAdjustHandles="1" noChangeArrowheads="1" noChangeShapeType="1" noTextEdit="1"/>
+              </p:cNvSpPr>
+              <p:nvPr/>
+            </p:nvSpPr>
+            <p:spPr bwMode="gray">
+              <a:xfrm>
+                <a:off x="5946060" y="1027590"/>
+                <a:ext cx="6245940" cy="2247795"/>
+              </a:xfrm>
+              <a:prstGeom prst="rect">
+                <a:avLst/>
+              </a:prstGeom>
+              <a:blipFill>
+                <a:blip r:embed="rId3"/>
+                <a:stretch>
+                  <a:fillRect l="-780" t="-1630"/>
+                </a:stretch>
+              </a:blipFill>
+            </p:spPr>
+            <p:txBody>
+              <a:bodyPr/>
+              <a:lstStyle/>
+              <a:p>
+                <a:r>
+                  <a:rPr lang="en-US">
+                    <a:noFill/>
+                  </a:rPr>
+                  <a:t> </a:t>
+                </a:r>
+              </a:p>
+            </p:txBody>
+          </p:sp>
+        </mc:Fallback>
+      </mc:AlternateContent>
+      <mc:AlternateContent xmlns:mc="http://schemas.openxmlformats.org/markup-compatibility/2006" xmlns:a14="http://schemas.microsoft.com/office/drawing/2010/main">
+        <mc:Choice Requires="a14">
+          <p:sp>
+            <p:nvSpPr>
+              <p:cNvPr id="39" name="TextBox 38">
+                <a:extLst>
+                  <a:ext uri="{FF2B5EF4-FFF2-40B4-BE49-F238E27FC236}">
+                    <a16:creationId xmlns:a16="http://schemas.microsoft.com/office/drawing/2014/main" id="{427277EB-8326-430C-B36C-48830BAD1E2F}"/>
+                  </a:ext>
+                </a:extLst>
+              </p:cNvPr>
+              <p:cNvSpPr txBox="1"/>
+              <p:nvPr/>
+            </p:nvSpPr>
+            <p:spPr bwMode="gray">
+              <a:xfrm>
+                <a:off x="1847528" y="3972098"/>
+                <a:ext cx="9291483" cy="2022348"/>
+              </a:xfrm>
+              <a:prstGeom prst="rect">
+                <a:avLst/>
+              </a:prstGeom>
+              <a:noFill/>
+            </p:spPr>
+            <p:txBody>
+              <a:bodyPr wrap="square">
+                <a:spAutoFit/>
+              </a:bodyPr>
+              <a:lstStyle/>
+              <a:p>
+                <a:r>
+                  <a:rPr lang="en-US" b="1" u="sng" dirty="0"/>
+                  <a:t>At each step:</a:t>
+                </a:r>
+              </a:p>
+              <a:p>
+                <a:pPr marL="285750" indent="-285750">
+                  <a:buFontTx/>
+                  <a:buChar char="-"/>
+                </a:pPr>
+                <a:r>
+                  <a:rPr lang="en-US" dirty="0"/>
+                  <a:t>With probability </a:t>
+                </a:r>
+                <a14:m>
+                  <m:oMath xmlns:m="http://schemas.openxmlformats.org/officeDocument/2006/math">
+                    <m:r>
+                      <a:rPr lang="en-US" b="0" i="1" smtClean="0">
+                        <a:latin typeface="Cambria Math" panose="02040503050406030204" pitchFamily="18" charset="0"/>
+                      </a:rPr>
+                      <m:t>𝛼</m:t>
+                    </m:r>
+                    <m:r>
+                      <a:rPr lang="en-US" b="0" i="1" smtClean="0">
+                        <a:latin typeface="Cambria Math" panose="02040503050406030204" pitchFamily="18" charset="0"/>
+                      </a:rPr>
+                      <m:t> </m:t>
+                    </m:r>
+                  </m:oMath>
+                </a14:m>
+                <a:r>
+                  <a:rPr lang="en-US" dirty="0"/>
+                  <a:t>, follow the link in the Markov Chain</a:t>
+                </a:r>
+              </a:p>
+              <a:p>
+                <a:pPr marL="285750" indent="-285750">
+                  <a:buFontTx/>
+                  <a:buChar char="-"/>
+                </a:pPr>
+                <a:r>
+                  <a:rPr lang="en-US" dirty="0"/>
+                  <a:t>With probability </a:t>
+                </a:r>
+                <a14:m>
+                  <m:oMath xmlns:m="http://schemas.openxmlformats.org/officeDocument/2006/math">
+                    <m:r>
+                      <a:rPr lang="en-US" b="0" i="0" smtClean="0">
+                        <a:latin typeface="Cambria Math" panose="02040503050406030204" pitchFamily="18" charset="0"/>
+                      </a:rPr>
+                      <m:t>1−</m:t>
+                    </m:r>
+                    <m:r>
+                      <a:rPr lang="en-US" i="1">
+                        <a:latin typeface="Cambria Math" panose="02040503050406030204" pitchFamily="18" charset="0"/>
+                      </a:rPr>
+                      <m:t>𝛼</m:t>
+                    </m:r>
+                    <m:r>
+                      <a:rPr lang="en-US" i="1">
+                        <a:latin typeface="Cambria Math" panose="02040503050406030204" pitchFamily="18" charset="0"/>
+                      </a:rPr>
+                      <m:t> </m:t>
+                    </m:r>
+                  </m:oMath>
+                </a14:m>
+                <a:r>
+                  <a:rPr lang="en-US" dirty="0"/>
+                  <a:t>, jump to some random page with probability </a:t>
+                </a:r>
+                <a14:m>
+                  <m:oMath xmlns:m="http://schemas.openxmlformats.org/officeDocument/2006/math">
+                    <m:f>
+                      <m:fPr>
+                        <m:ctrlPr>
+                          <a:rPr lang="en-US" i="1" dirty="0" smtClean="0">
+                            <a:latin typeface="Cambria Math" panose="02040503050406030204" pitchFamily="18" charset="0"/>
+                          </a:rPr>
+                        </m:ctrlPr>
+                      </m:fPr>
+                      <m:num>
+                        <m:r>
+                          <a:rPr lang="en-US" i="1" dirty="0" smtClean="0">
+                            <a:latin typeface="Cambria Math" panose="02040503050406030204" pitchFamily="18" charset="0"/>
+                          </a:rPr>
+                          <m:t>1</m:t>
+                        </m:r>
+                      </m:num>
+                      <m:den>
+                        <m:r>
+                          <a:rPr lang="en-US" i="1" dirty="0" err="1" smtClean="0">
+                            <a:latin typeface="Cambria Math" panose="02040503050406030204" pitchFamily="18" charset="0"/>
+                          </a:rPr>
+                          <m:t>𝑁</m:t>
+                        </m:r>
+                      </m:den>
+                    </m:f>
+                  </m:oMath>
+                </a14:m>
+                <a:endParaRPr lang="en-US" dirty="0"/>
+              </a:p>
+              <a:p>
+                <a:r>
+                  <a:rPr lang="en-US" dirty="0"/>
+                  <a:t>Hence, the new ranking is computed as follows</a:t>
+                </a:r>
+              </a:p>
+              <a:p>
+                <a:pPr lvl="1"/>
+                <a14:m>
+                  <m:oMathPara xmlns:m="http://schemas.openxmlformats.org/officeDocument/2006/math">
+                    <m:oMathParaPr>
+                      <m:jc m:val="centerGroup"/>
+                    </m:oMathParaPr>
+                    <m:oMath xmlns:m="http://schemas.openxmlformats.org/officeDocument/2006/math">
+                      <m:func>
+                        <m:funcPr>
+                          <m:ctrlPr>
+                            <a:rPr lang="en-US" i="1" smtClean="0">
+                              <a:latin typeface="Cambria Math" panose="02040503050406030204" pitchFamily="18" charset="0"/>
+                            </a:rPr>
+                          </m:ctrlPr>
+                        </m:funcPr>
+                        <m:fName>
+                          <m:r>
+                            <m:rPr>
+                              <m:sty m:val="p"/>
+                            </m:rPr>
+                            <a:rPr lang="en-US">
+                              <a:latin typeface="Cambria Math" panose="02040503050406030204" pitchFamily="18" charset="0"/>
+                            </a:rPr>
+                            <m:t>Pr</m:t>
+                          </m:r>
+                        </m:fName>
+                        <m:e>
+                          <m:d>
+                            <m:dPr>
+                              <m:ctrlPr>
+                                <a:rPr lang="en-US" i="1">
+                                  <a:latin typeface="Cambria Math" panose="02040503050406030204" pitchFamily="18" charset="0"/>
+                                </a:rPr>
+                              </m:ctrlPr>
+                            </m:dPr>
+                            <m:e>
+                              <m:r>
+                                <a:rPr lang="en-US" i="1">
+                                  <a:latin typeface="Cambria Math" panose="02040503050406030204" pitchFamily="18" charset="0"/>
+                                </a:rPr>
+                                <m:t>𝑖</m:t>
+                              </m:r>
+                            </m:e>
+                          </m:d>
+                          <m:r>
+                            <a:rPr lang="en-US" i="1">
+                              <a:latin typeface="Cambria Math" panose="02040503050406030204" pitchFamily="18" charset="0"/>
+                            </a:rPr>
+                            <m:t>=</m:t>
+                          </m:r>
+                          <m:nary>
+                            <m:naryPr>
+                              <m:chr m:val="∑"/>
+                              <m:supHide m:val="on"/>
+                              <m:ctrlPr>
+                                <a:rPr lang="en-US" i="1">
+                                  <a:latin typeface="Cambria Math" panose="02040503050406030204" pitchFamily="18" charset="0"/>
+                                </a:rPr>
+                              </m:ctrlPr>
+                            </m:naryPr>
+                            <m:sub>
+                              <m:r>
+                                <m:rPr>
+                                  <m:brk m:alnAt="7"/>
+                                </m:rPr>
+                                <a:rPr lang="en-US" i="1">
+                                  <a:latin typeface="Cambria Math" panose="02040503050406030204" pitchFamily="18" charset="0"/>
+                                </a:rPr>
+                                <m:t>𝑗</m:t>
+                              </m:r>
+                              <m:r>
+                                <a:rPr lang="en-US" i="1">
+                                  <a:latin typeface="Cambria Math" panose="02040503050406030204" pitchFamily="18" charset="0"/>
+                                </a:rPr>
+                                <m:t>∈</m:t>
+                              </m:r>
+                              <m:r>
+                                <a:rPr lang="en-US" i="1">
+                                  <a:latin typeface="Cambria Math" panose="02040503050406030204" pitchFamily="18" charset="0"/>
+                                </a:rPr>
+                                <m:t>𝑁𝑟</m:t>
+                              </m:r>
+                              <m:r>
+                                <a:rPr lang="en-US" i="1">
+                                  <a:latin typeface="Cambria Math" panose="02040503050406030204" pitchFamily="18" charset="0"/>
+                                </a:rPr>
+                                <m:t>(</m:t>
+                              </m:r>
+                              <m:r>
+                                <a:rPr lang="en-US" i="1">
+                                  <a:latin typeface="Cambria Math" panose="02040503050406030204" pitchFamily="18" charset="0"/>
+                                </a:rPr>
+                                <m:t>𝑖</m:t>
+                              </m:r>
+                              <m:r>
+                                <a:rPr lang="en-US" i="1">
+                                  <a:latin typeface="Cambria Math" panose="02040503050406030204" pitchFamily="18" charset="0"/>
+                                </a:rPr>
+                                <m:t>)</m:t>
+                              </m:r>
+                            </m:sub>
+                            <m:sup/>
+                            <m:e>
+                              <m:f>
+                                <m:fPr>
+                                  <m:ctrlPr>
+                                    <a:rPr lang="en-US" i="1">
+                                      <a:latin typeface="Cambria Math" panose="02040503050406030204" pitchFamily="18" charset="0"/>
+                                    </a:rPr>
+                                  </m:ctrlPr>
+                                </m:fPr>
+                                <m:num>
+                                  <m:r>
+                                    <a:rPr lang="en-US" b="0" i="1" smtClean="0">
+                                      <a:latin typeface="Cambria Math" panose="02040503050406030204" pitchFamily="18" charset="0"/>
+                                    </a:rPr>
+                                    <m:t>𝛼</m:t>
+                                  </m:r>
+                                </m:num>
+                                <m:den>
+                                  <m:sSub>
+                                    <m:sSubPr>
+                                      <m:ctrlPr>
+                                        <a:rPr lang="en-US" i="1">
+                                          <a:latin typeface="Cambria Math" panose="02040503050406030204" pitchFamily="18" charset="0"/>
+                                        </a:rPr>
+                                      </m:ctrlPr>
+                                    </m:sSubPr>
+                                    <m:e>
+                                      <m:r>
+                                        <a:rPr lang="en-US" i="1">
+                                          <a:latin typeface="Cambria Math" panose="02040503050406030204" pitchFamily="18" charset="0"/>
+                                        </a:rPr>
+                                        <m:t>𝐷</m:t>
+                                      </m:r>
+                                    </m:e>
+                                    <m:sub>
+                                      <m:r>
+                                        <a:rPr lang="en-US" i="1">
+                                          <a:latin typeface="Cambria Math" panose="02040503050406030204" pitchFamily="18" charset="0"/>
+                                        </a:rPr>
+                                        <m:t>𝑗</m:t>
+                                      </m:r>
+                                    </m:sub>
+                                  </m:sSub>
+                                </m:den>
+                              </m:f>
+                              <m:r>
+                                <a:rPr lang="en-US" i="1">
+                                  <a:latin typeface="Cambria Math" panose="02040503050406030204" pitchFamily="18" charset="0"/>
+                                </a:rPr>
+                                <m:t>𝑃𝑟</m:t>
+                              </m:r>
+                              <m:d>
+                                <m:dPr>
+                                  <m:ctrlPr>
+                                    <a:rPr lang="en-US" i="1">
+                                      <a:latin typeface="Cambria Math" panose="02040503050406030204" pitchFamily="18" charset="0"/>
+                                    </a:rPr>
+                                  </m:ctrlPr>
+                                </m:dPr>
+                                <m:e>
+                                  <m:r>
+                                    <a:rPr lang="en-US" i="1">
+                                      <a:latin typeface="Cambria Math" panose="02040503050406030204" pitchFamily="18" charset="0"/>
+                                    </a:rPr>
+                                    <m:t>𝑗</m:t>
+                                  </m:r>
+                                </m:e>
+                              </m:d>
+                            </m:e>
+                          </m:nary>
+                        </m:e>
+                      </m:func>
+                      <m:r>
+                        <a:rPr lang="en-US" b="0" i="1" smtClean="0">
+                          <a:latin typeface="Cambria Math" panose="02040503050406030204" pitchFamily="18" charset="0"/>
+                        </a:rPr>
+                        <m:t>+</m:t>
+                      </m:r>
+                      <m:f>
+                        <m:fPr>
+                          <m:ctrlPr>
+                            <a:rPr lang="en-US" b="0" i="1" smtClean="0">
+                              <a:latin typeface="Cambria Math" panose="02040503050406030204" pitchFamily="18" charset="0"/>
+                            </a:rPr>
+                          </m:ctrlPr>
+                        </m:fPr>
+                        <m:num>
+                          <m:d>
+                            <m:dPr>
+                              <m:ctrlPr>
+                                <a:rPr lang="en-US" b="0" i="1" smtClean="0">
+                                  <a:latin typeface="Cambria Math" panose="02040503050406030204" pitchFamily="18" charset="0"/>
+                                </a:rPr>
+                              </m:ctrlPr>
+                            </m:dPr>
+                            <m:e>
+                              <m:r>
+                                <a:rPr lang="en-US" b="0" i="1" smtClean="0">
+                                  <a:latin typeface="Cambria Math" panose="02040503050406030204" pitchFamily="18" charset="0"/>
+                                </a:rPr>
+                                <m:t>1−</m:t>
+                              </m:r>
+                              <m:r>
+                                <a:rPr lang="en-US" b="0" i="1" smtClean="0">
+                                  <a:latin typeface="Cambria Math" panose="02040503050406030204" pitchFamily="18" charset="0"/>
+                                </a:rPr>
+                                <m:t>𝛼</m:t>
+                              </m:r>
+                            </m:e>
+                          </m:d>
+                        </m:num>
+                        <m:den>
+                          <m:r>
+                            <a:rPr lang="en-US" b="0" i="1" smtClean="0">
+                              <a:latin typeface="Cambria Math" panose="02040503050406030204" pitchFamily="18" charset="0"/>
+                            </a:rPr>
+                            <m:t>𝑁</m:t>
+                          </m:r>
+                        </m:den>
+                      </m:f>
+                    </m:oMath>
+                  </m:oMathPara>
+                </a14:m>
+                <a:endParaRPr lang="en-US" dirty="0"/>
+              </a:p>
+            </p:txBody>
+          </p:sp>
+        </mc:Choice>
+        <mc:Fallback xmlns="">
+          <p:sp>
+            <p:nvSpPr>
+              <p:cNvPr id="39" name="TextBox 38">
+                <a:extLst>
+                  <a:ext uri="{FF2B5EF4-FFF2-40B4-BE49-F238E27FC236}">
+                    <a16:creationId xmlns:a16="http://schemas.microsoft.com/office/drawing/2014/main" id="{427277EB-8326-430C-B36C-48830BAD1E2F}"/>
+                  </a:ext>
+                </a:extLst>
+              </p:cNvPr>
+              <p:cNvSpPr txBox="1">
+                <a:spLocks noRot="1" noChangeAspect="1" noMove="1" noResize="1" noEditPoints="1" noAdjustHandles="1" noChangeArrowheads="1" noChangeShapeType="1" noTextEdit="1"/>
+              </p:cNvSpPr>
+              <p:nvPr/>
+            </p:nvSpPr>
+            <p:spPr bwMode="gray">
+              <a:xfrm>
+                <a:off x="1847528" y="3972098"/>
+                <a:ext cx="9291483" cy="2022348"/>
+              </a:xfrm>
+              <a:prstGeom prst="rect">
+                <a:avLst/>
+              </a:prstGeom>
+              <a:blipFill>
+                <a:blip r:embed="rId4"/>
+                <a:stretch>
+                  <a:fillRect l="-525" t="-1813"/>
+                </a:stretch>
+              </a:blipFill>
+            </p:spPr>
+            <p:txBody>
+              <a:bodyPr/>
+              <a:lstStyle/>
+              <a:p>
+                <a:r>
+                  <a:rPr lang="en-US">
+                    <a:noFill/>
+                  </a:rPr>
+                  <a:t> </a:t>
+                </a:r>
+              </a:p>
+            </p:txBody>
+          </p:sp>
+        </mc:Fallback>
+      </mc:AlternateContent>
+      <p:sp>
+        <p:nvSpPr>
+          <p:cNvPr id="41" name="TextBox 40">
+            <a:extLst>
+              <a:ext uri="{FF2B5EF4-FFF2-40B4-BE49-F238E27FC236}">
+                <a16:creationId xmlns:a16="http://schemas.microsoft.com/office/drawing/2014/main" id="{FA55ABB5-FA5E-42BC-9618-AC3EED301A4D}"/>
+              </a:ext>
+            </a:extLst>
+          </p:cNvPr>
+          <p:cNvSpPr txBox="1"/>
+          <p:nvPr/>
+        </p:nvSpPr>
+        <p:spPr bwMode="gray">
+          <a:xfrm>
+            <a:off x="93687" y="6562197"/>
+            <a:ext cx="10785907" cy="276999"/>
+          </a:xfrm>
+          <a:prstGeom prst="rect">
+            <a:avLst/>
+          </a:prstGeom>
+          <a:noFill/>
+        </p:spPr>
+        <p:txBody>
+          <a:bodyPr wrap="square">
+            <a:spAutoFit/>
+          </a:bodyPr>
+          <a:lstStyle/>
+          <a:p>
+            <a:r>
+              <a:rPr lang="en-US" sz="1200" dirty="0"/>
+              <a:t>Page, L., Brin, S., Motwani, R., &amp; Winograd, T. (1999). </a:t>
+            </a:r>
+            <a:r>
+              <a:rPr lang="en-US" sz="1200" i="1" dirty="0"/>
+              <a:t>The PageRank citation ranking: Bringing order to the web</a:t>
+            </a:r>
+            <a:r>
+              <a:rPr lang="en-US" sz="1200" dirty="0"/>
+              <a:t>. Stanford </a:t>
+            </a:r>
+            <a:r>
+              <a:rPr lang="en-US" sz="1200" dirty="0" err="1"/>
+              <a:t>InfoLab</a:t>
+            </a:r>
+            <a:r>
+              <a:rPr lang="en-US" sz="1200" dirty="0"/>
+              <a:t>.</a:t>
+            </a:r>
+          </a:p>
+        </p:txBody>
+      </p:sp>
+    </p:spTree>
+    <p:extLst>
+      <p:ext uri="{BB962C8B-B14F-4D97-AF65-F5344CB8AC3E}">
+        <p14:creationId xmlns:p14="http://schemas.microsoft.com/office/powerpoint/2010/main" val="2353703655"/>
+      </p:ext>
+    </p:extLst>
+  </p:cSld>
+  <p:clrMapOvr>
+    <a:masterClrMapping/>
+  </p:clrMapOvr>
+  <p:transition>
+    <p:fade/>
+  </p:transition>
+  <p:timing>
+    <p:tnLst>
+      <p:par>
+        <p:cTn id="1" dur="indefinite" restart="never" nodeType="tmRoot">
+          <p:childTnLst>
+            <p:seq concurrent="1" nextAc="seek">
+              <p:cTn id="2" dur="indefinite" nodeType="mainSeq">
+                <p:childTnLst>
+                  <p:par>
+                    <p:cTn id="3" fill="hold">
+                      <p:stCondLst>
+                        <p:cond delay="indefinite"/>
+                      </p:stCondLst>
+                      <p:childTnLst>
+                        <p:par>
+                          <p:cTn id="4" fill="hold">
+                            <p:stCondLst>
+                              <p:cond delay="0"/>
+                            </p:stCondLst>
+                            <p:childTnLst>
+                              <p:par>
+                                <p:cTn id="5" presetID="1" presetClass="entr" presetSubtype="0" fill="hold" nodeType="clickEffect">
+                                  <p:stCondLst>
+                                    <p:cond delay="0"/>
+                                  </p:stCondLst>
+                                  <p:childTnLst>
+                                    <p:set>
+                                      <p:cBhvr>
+                                        <p:cTn id="6" dur="1" fill="hold">
+                                          <p:stCondLst>
+                                            <p:cond delay="0"/>
+                                          </p:stCondLst>
+                                        </p:cTn>
+                                        <p:tgtEl>
+                                          <p:spTgt spid="46"/>
+                                        </p:tgtEl>
+                                        <p:attrNameLst>
+                                          <p:attrName>style.visibility</p:attrName>
+                                        </p:attrNameLst>
+                                      </p:cBhvr>
+                                      <p:to>
+                                        <p:strVal val="visible"/>
+                                      </p:to>
+                                    </p:set>
+                                  </p:childTnLst>
+                                </p:cTn>
+                              </p:par>
+                              <p:par>
+                                <p:cTn id="7" presetID="1" presetClass="entr" presetSubtype="0" fill="hold" nodeType="withEffect">
+                                  <p:stCondLst>
+                                    <p:cond delay="0"/>
+                                  </p:stCondLst>
+                                  <p:childTnLst>
+                                    <p:set>
+                                      <p:cBhvr>
+                                        <p:cTn id="8" dur="1" fill="hold">
+                                          <p:stCondLst>
+                                            <p:cond delay="0"/>
+                                          </p:stCondLst>
+                                        </p:cTn>
+                                        <p:tgtEl>
+                                          <p:spTgt spid="72"/>
+                                        </p:tgtEl>
+                                        <p:attrNameLst>
+                                          <p:attrName>style.visibility</p:attrName>
+                                        </p:attrNameLst>
+                                      </p:cBhvr>
+                                      <p:to>
+                                        <p:strVal val="visible"/>
+                                      </p:to>
+                                    </p:set>
+                                  </p:childTnLst>
+                                </p:cTn>
+                              </p:par>
+                              <p:par>
+                                <p:cTn id="9" presetID="1" presetClass="entr" presetSubtype="0" fill="hold" nodeType="withEffect">
+                                  <p:stCondLst>
+                                    <p:cond delay="0"/>
+                                  </p:stCondLst>
+                                  <p:childTnLst>
+                                    <p:set>
+                                      <p:cBhvr>
+                                        <p:cTn id="10" dur="1" fill="hold">
+                                          <p:stCondLst>
+                                            <p:cond delay="0"/>
+                                          </p:stCondLst>
+                                        </p:cTn>
+                                        <p:tgtEl>
+                                          <p:spTgt spid="43"/>
+                                        </p:tgtEl>
+                                        <p:attrNameLst>
+                                          <p:attrName>style.visibility</p:attrName>
+                                        </p:attrNameLst>
+                                      </p:cBhvr>
+                                      <p:to>
+                                        <p:strVal val="visible"/>
+                                      </p:to>
+                                    </p:set>
+                                  </p:childTnLst>
+                                </p:cTn>
+                              </p:par>
+                              <p:par>
+                                <p:cTn id="11" presetID="1" presetClass="entr" presetSubtype="0" fill="hold" nodeType="withEffect">
+                                  <p:stCondLst>
+                                    <p:cond delay="0"/>
+                                  </p:stCondLst>
+                                  <p:childTnLst>
+                                    <p:set>
+                                      <p:cBhvr>
+                                        <p:cTn id="12" dur="1" fill="hold">
+                                          <p:stCondLst>
+                                            <p:cond delay="0"/>
+                                          </p:stCondLst>
+                                        </p:cTn>
+                                        <p:tgtEl>
+                                          <p:spTgt spid="69"/>
+                                        </p:tgtEl>
+                                        <p:attrNameLst>
+                                          <p:attrName>style.visibility</p:attrName>
+                                        </p:attrNameLst>
+                                      </p:cBhvr>
+                                      <p:to>
+                                        <p:strVal val="visible"/>
+                                      </p:to>
+                                    </p:set>
+                                  </p:childTnLst>
+                                </p:cTn>
+                              </p:par>
+                              <p:par>
+                                <p:cTn id="13" presetID="1" presetClass="entr" presetSubtype="0" fill="hold" nodeType="withEffect">
+                                  <p:stCondLst>
+                                    <p:cond delay="0"/>
+                                  </p:stCondLst>
+                                  <p:childTnLst>
+                                    <p:set>
+                                      <p:cBhvr>
+                                        <p:cTn id="14" dur="1" fill="hold">
+                                          <p:stCondLst>
+                                            <p:cond delay="0"/>
+                                          </p:stCondLst>
+                                        </p:cTn>
+                                        <p:tgtEl>
+                                          <p:spTgt spid="37"/>
+                                        </p:tgtEl>
+                                        <p:attrNameLst>
+                                          <p:attrName>style.visibility</p:attrName>
+                                        </p:attrNameLst>
+                                      </p:cBhvr>
+                                      <p:to>
+                                        <p:strVal val="visible"/>
+                                      </p:to>
+                                    </p:set>
+                                  </p:childTnLst>
+                                </p:cTn>
+                              </p:par>
+                              <p:par>
+                                <p:cTn id="15" presetID="1" presetClass="entr" presetSubtype="0" fill="hold" nodeType="withEffect">
+                                  <p:stCondLst>
+                                    <p:cond delay="0"/>
+                                  </p:stCondLst>
+                                  <p:childTnLst>
+                                    <p:set>
+                                      <p:cBhvr>
+                                        <p:cTn id="16" dur="1" fill="hold">
+                                          <p:stCondLst>
+                                            <p:cond delay="0"/>
+                                          </p:stCondLst>
+                                        </p:cTn>
+                                        <p:tgtEl>
+                                          <p:spTgt spid="40"/>
+                                        </p:tgtEl>
+                                        <p:attrNameLst>
+                                          <p:attrName>style.visibility</p:attrName>
+                                        </p:attrNameLst>
+                                      </p:cBhvr>
+                                      <p:to>
+                                        <p:strVal val="visible"/>
+                                      </p:to>
+                                    </p:set>
+                                  </p:childTnLst>
+                                </p:cTn>
+                              </p:par>
+                              <p:par>
+                                <p:cTn id="17" presetID="1" presetClass="entr" presetSubtype="0" fill="hold" nodeType="withEffect">
+                                  <p:stCondLst>
+                                    <p:cond delay="0"/>
+                                  </p:stCondLst>
+                                  <p:childTnLst>
+                                    <p:set>
+                                      <p:cBhvr>
+                                        <p:cTn id="18" dur="1" fill="hold">
+                                          <p:stCondLst>
+                                            <p:cond delay="0"/>
+                                          </p:stCondLst>
+                                        </p:cTn>
+                                        <p:tgtEl>
+                                          <p:spTgt spid="33"/>
+                                        </p:tgtEl>
+                                        <p:attrNameLst>
+                                          <p:attrName>style.visibility</p:attrName>
+                                        </p:attrNameLst>
+                                      </p:cBhvr>
+                                      <p:to>
+                                        <p:strVal val="visible"/>
+                                      </p:to>
+                                    </p:set>
+                                  </p:childTnLst>
+                                </p:cTn>
+                              </p:par>
+                              <p:par>
+                                <p:cTn id="19" presetID="1" presetClass="entr" presetSubtype="0" fill="hold" grpId="0" nodeType="withEffect">
+                                  <p:stCondLst>
+                                    <p:cond delay="0"/>
+                                  </p:stCondLst>
+                                  <p:childTnLst>
+                                    <p:set>
+                                      <p:cBhvr>
+                                        <p:cTn id="20" dur="1" fill="hold">
+                                          <p:stCondLst>
+                                            <p:cond delay="0"/>
+                                          </p:stCondLst>
+                                        </p:cTn>
+                                        <p:tgtEl>
+                                          <p:spTgt spid="29"/>
+                                        </p:tgtEl>
+                                        <p:attrNameLst>
+                                          <p:attrName>style.visibility</p:attrName>
+                                        </p:attrNameLst>
+                                      </p:cBhvr>
+                                      <p:to>
+                                        <p:strVal val="visible"/>
+                                      </p:to>
+                                    </p:set>
+                                  </p:childTnLst>
+                                </p:cTn>
+                              </p:par>
+                              <p:par>
+                                <p:cTn id="21" presetID="1" presetClass="entr" presetSubtype="0" fill="hold" nodeType="withEffect">
+                                  <p:stCondLst>
+                                    <p:cond delay="0"/>
+                                  </p:stCondLst>
+                                  <p:childTnLst>
+                                    <p:set>
+                                      <p:cBhvr>
+                                        <p:cTn id="22" dur="1" fill="hold">
+                                          <p:stCondLst>
+                                            <p:cond delay="0"/>
+                                          </p:stCondLst>
+                                        </p:cTn>
+                                        <p:tgtEl>
+                                          <p:spTgt spid="66"/>
+                                        </p:tgtEl>
+                                        <p:attrNameLst>
+                                          <p:attrName>style.visibility</p:attrName>
+                                        </p:attrNameLst>
+                                      </p:cBhvr>
+                                      <p:to>
+                                        <p:strVal val="visible"/>
+                                      </p:to>
+                                    </p:set>
+                                  </p:childTnLst>
+                                </p:cTn>
+                              </p:par>
+                            </p:childTnLst>
+                          </p:cTn>
+                        </p:par>
+                      </p:childTnLst>
+                    </p:cTn>
+                  </p:par>
+                  <p:par>
+                    <p:cTn id="23" fill="hold">
+                      <p:stCondLst>
+                        <p:cond delay="indefinite"/>
+                      </p:stCondLst>
+                      <p:childTnLst>
+                        <p:par>
+                          <p:cTn id="24" fill="hold">
+                            <p:stCondLst>
+                              <p:cond delay="0"/>
+                            </p:stCondLst>
+                            <p:childTnLst>
+                              <p:par>
+                                <p:cTn id="25" presetID="1" presetClass="entr" presetSubtype="0" fill="hold" nodeType="clickEffect">
+                                  <p:stCondLst>
+                                    <p:cond delay="0"/>
+                                  </p:stCondLst>
+                                  <p:childTnLst>
+                                    <p:set>
+                                      <p:cBhvr>
+                                        <p:cTn id="26" dur="1" fill="hold">
+                                          <p:stCondLst>
+                                            <p:cond delay="0"/>
+                                          </p:stCondLst>
+                                        </p:cTn>
+                                        <p:tgtEl>
+                                          <p:spTgt spid="28"/>
+                                        </p:tgtEl>
+                                        <p:attrNameLst>
+                                          <p:attrName>style.visibility</p:attrName>
+                                        </p:attrNameLst>
+                                      </p:cBhvr>
+                                      <p:to>
+                                        <p:strVal val="visible"/>
+                                      </p:to>
+                                    </p:set>
+                                  </p:childTnLst>
+                                </p:cTn>
+                              </p:par>
+                              <p:par>
+                                <p:cTn id="27" presetID="1" presetClass="entr" presetSubtype="0" fill="hold" grpId="0" nodeType="withEffect">
+                                  <p:stCondLst>
+                                    <p:cond delay="0"/>
+                                  </p:stCondLst>
+                                  <p:childTnLst>
+                                    <p:set>
+                                      <p:cBhvr>
+                                        <p:cTn id="28" dur="1" fill="hold">
+                                          <p:stCondLst>
+                                            <p:cond delay="0"/>
+                                          </p:stCondLst>
+                                        </p:cTn>
+                                        <p:tgtEl>
+                                          <p:spTgt spid="32"/>
+                                        </p:tgtEl>
+                                        <p:attrNameLst>
+                                          <p:attrName>style.visibility</p:attrName>
+                                        </p:attrNameLst>
+                                      </p:cBhvr>
+                                      <p:to>
+                                        <p:strVal val="visible"/>
+                                      </p:to>
+                                    </p:set>
+                                  </p:childTnLst>
+                                </p:cTn>
+                              </p:par>
+                            </p:childTnLst>
+                          </p:cTn>
+                        </p:par>
+                      </p:childTnLst>
+                    </p:cTn>
+                  </p:par>
+                  <p:par>
+                    <p:cTn id="29" fill="hold">
+                      <p:stCondLst>
+                        <p:cond delay="indefinite"/>
+                      </p:stCondLst>
+                      <p:childTnLst>
+                        <p:par>
+                          <p:cTn id="30" fill="hold">
+                            <p:stCondLst>
+                              <p:cond delay="0"/>
+                            </p:stCondLst>
+                            <p:childTnLst>
+                              <p:par>
+                                <p:cTn id="31" presetID="1" presetClass="entr" presetSubtype="0" fill="hold" grpId="0" nodeType="clickEffect">
+                                  <p:stCondLst>
+                                    <p:cond delay="0"/>
+                                  </p:stCondLst>
+                                  <p:childTnLst>
+                                    <p:set>
+                                      <p:cBhvr>
+                                        <p:cTn id="32" dur="1" fill="hold">
+                                          <p:stCondLst>
+                                            <p:cond delay="0"/>
+                                          </p:stCondLst>
+                                        </p:cTn>
+                                        <p:tgtEl>
+                                          <p:spTgt spid="110"/>
+                                        </p:tgtEl>
+                                        <p:attrNameLst>
+                                          <p:attrName>style.visibility</p:attrName>
+                                        </p:attrNameLst>
+                                      </p:cBhvr>
+                                      <p:to>
+                                        <p:strVal val="visible"/>
+                                      </p:to>
+                                    </p:set>
+                                  </p:childTnLst>
+                                </p:cTn>
+                              </p:par>
+                            </p:childTnLst>
+                          </p:cTn>
+                        </p:par>
+                      </p:childTnLst>
+                    </p:cTn>
+                  </p:par>
+                  <p:par>
+                    <p:cTn id="33" fill="hold">
+                      <p:stCondLst>
+                        <p:cond delay="indefinite"/>
+                      </p:stCondLst>
+                      <p:childTnLst>
+                        <p:par>
+                          <p:cTn id="34" fill="hold">
+                            <p:stCondLst>
+                              <p:cond delay="0"/>
+                            </p:stCondLst>
+                            <p:childTnLst>
+                              <p:par>
+                                <p:cTn id="35" presetID="1" presetClass="entr" presetSubtype="0" fill="hold" grpId="0" nodeType="clickEffect">
+                                  <p:stCondLst>
+                                    <p:cond delay="0"/>
+                                  </p:stCondLst>
+                                  <p:childTnLst>
+                                    <p:set>
+                                      <p:cBhvr>
+                                        <p:cTn id="36" dur="1" fill="hold">
+                                          <p:stCondLst>
+                                            <p:cond delay="0"/>
+                                          </p:stCondLst>
+                                        </p:cTn>
+                                        <p:tgtEl>
+                                          <p:spTgt spid="39"/>
+                                        </p:tgtEl>
+                                        <p:attrNameLst>
+                                          <p:attrName>style.visibility</p:attrName>
+                                        </p:attrNameLst>
+                                      </p:cBhvr>
+                                      <p:to>
+                                        <p:strVal val="visible"/>
+                                      </p:to>
+                                    </p:set>
+                                  </p:childTnLst>
+                                </p:cTn>
+                              </p:par>
+                            </p:childTnLst>
+                          </p:cTn>
+                        </p:par>
+                      </p:childTnLst>
+                    </p:cTn>
+                  </p:par>
+                </p:childTnLst>
+              </p:cTn>
+              <p:prevCondLst>
+                <p:cond evt="onPrev" delay="0">
+                  <p:tgtEl>
+                    <p:sldTgt/>
+                  </p:tgtEl>
+                </p:cond>
+              </p:prevCondLst>
+              <p:nextCondLst>
+                <p:cond evt="onNext" delay="0">
+                  <p:tgtEl>
+                    <p:sldTgt/>
+                  </p:tgtEl>
+                </p:cond>
+              </p:nextCondLst>
+            </p:seq>
+          </p:childTnLst>
+        </p:cTn>
+      </p:par>
+    </p:tnLst>
+    <p:bldLst>
+      <p:bldP spid="29" grpId="0" animBg="1"/>
+      <p:bldP spid="32" grpId="0"/>
+      <p:bldP spid="110" grpId="0"/>
+      <p:bldP spid="39" grpId="0"/>
+    </p:bldLst>
+  </p:timing>
+</p:sld>
+</file>
+
 <file path=ppt/slides/slide2.xml><?xml version="1.0" encoding="utf-8"?>
 <p:sld xmlns:a="http://schemas.openxmlformats.org/drawingml/2006/main" xmlns:r="http://schemas.openxmlformats.org/officeDocument/2006/relationships" xmlns:p="http://schemas.openxmlformats.org/presentationml/2006/main">
   <p:cSld>
@@ -15974,8 +19228,8 @@
           </a:fontRef>
         </p:style>
       </p:cxnSp>
-      <mc:AlternateContent xmlns:mc="http://schemas.openxmlformats.org/markup-compatibility/2006" xmlns:a14="http://schemas.microsoft.com/office/drawing/2010/main">
-        <mc:Choice Requires="a14">
+      <mc:AlternateContent xmlns:mc="http://schemas.openxmlformats.org/markup-compatibility/2006">
+        <mc:Choice xmlns:a14="http://schemas.microsoft.com/office/drawing/2010/main" Requires="a14">
           <p:graphicFrame>
             <p:nvGraphicFramePr>
               <p:cNvPr id="132" name="Table 132">
@@ -15988,11 +19242,17 @@
               <p:cNvGraphicFramePr>
                 <a:graphicFrameLocks noGrp="1"/>
               </p:cNvGraphicFramePr>
-              <p:nvPr/>
+              <p:nvPr>
+                <p:extLst>
+                  <p:ext uri="{D42A27DB-BD31-4B8C-83A1-F6EECF244321}">
+                    <p14:modId xmlns:p14="http://schemas.microsoft.com/office/powerpoint/2010/main" val="1236053009"/>
+                  </p:ext>
+                </p:extLst>
+              </p:nvPr>
             </p:nvGraphicFramePr>
             <p:xfrm>
               <a:off x="4366330" y="2603105"/>
-              <a:ext cx="6332690" cy="3686371"/>
+              <a:ext cx="6332688" cy="3229171"/>
             </p:xfrm>
             <a:graphic>
               <a:graphicData uri="http://schemas.openxmlformats.org/drawingml/2006/table">
@@ -16001,52 +19261,59 @@
                     <a:tableStyleId>{2D5ABB26-0587-4C30-8999-92F81FD0307C}</a:tableStyleId>
                   </a:tblPr>
                   <a:tblGrid>
-                    <a:gridCol w="904670">
+                    <a:gridCol w="791586">
                       <a:extLst>
                         <a:ext uri="{9D8B030D-6E8A-4147-A177-3AD203B41FA5}">
                           <a16:colId xmlns:a16="http://schemas.microsoft.com/office/drawing/2014/main" val="2111049613"/>
                         </a:ext>
                       </a:extLst>
                     </a:gridCol>
-                    <a:gridCol w="904670">
+                    <a:gridCol w="791586">
                       <a:extLst>
                         <a:ext uri="{9D8B030D-6E8A-4147-A177-3AD203B41FA5}">
                           <a16:colId xmlns:a16="http://schemas.microsoft.com/office/drawing/2014/main" val="2460284730"/>
                         </a:ext>
                       </a:extLst>
                     </a:gridCol>
-                    <a:gridCol w="904670">
+                    <a:gridCol w="791586">
                       <a:extLst>
                         <a:ext uri="{9D8B030D-6E8A-4147-A177-3AD203B41FA5}">
                           <a16:colId xmlns:a16="http://schemas.microsoft.com/office/drawing/2014/main" val="1771718300"/>
                         </a:ext>
                       </a:extLst>
                     </a:gridCol>
-                    <a:gridCol w="904670">
+                    <a:gridCol w="791586">
                       <a:extLst>
                         <a:ext uri="{9D8B030D-6E8A-4147-A177-3AD203B41FA5}">
                           <a16:colId xmlns:a16="http://schemas.microsoft.com/office/drawing/2014/main" val="4126700240"/>
                         </a:ext>
                       </a:extLst>
                     </a:gridCol>
-                    <a:gridCol w="904670">
+                    <a:gridCol w="791586">
                       <a:extLst>
                         <a:ext uri="{9D8B030D-6E8A-4147-A177-3AD203B41FA5}">
                           <a16:colId xmlns:a16="http://schemas.microsoft.com/office/drawing/2014/main" val="3298518641"/>
                         </a:ext>
                       </a:extLst>
                     </a:gridCol>
-                    <a:gridCol w="904670">
+                    <a:gridCol w="791586">
                       <a:extLst>
                         <a:ext uri="{9D8B030D-6E8A-4147-A177-3AD203B41FA5}">
                           <a16:colId xmlns:a16="http://schemas.microsoft.com/office/drawing/2014/main" val="1195880674"/>
                         </a:ext>
                       </a:extLst>
                     </a:gridCol>
-                    <a:gridCol w="904670">
+                    <a:gridCol w="791586">
                       <a:extLst>
                         <a:ext uri="{9D8B030D-6E8A-4147-A177-3AD203B41FA5}">
                           <a16:colId xmlns:a16="http://schemas.microsoft.com/office/drawing/2014/main" val="2873437584"/>
+                        </a:ext>
+                      </a:extLst>
+                    </a:gridCol>
+                    <a:gridCol w="791586">
+                      <a:extLst>
+                        <a:ext uri="{9D8B030D-6E8A-4147-A177-3AD203B41FA5}">
+                          <a16:colId xmlns:a16="http://schemas.microsoft.com/office/drawing/2014/main" val="1876647164"/>
                         </a:ext>
                       </a:extLst>
                     </a:gridCol>
@@ -16875,6 +20142,93 @@
                         </a:lnBlToTr>
                       </a:tcPr>
                     </a:tc>
+                    <a:tc>
+                      <a:txBody>
+                        <a:bodyPr/>
+                        <a:lstStyle/>
+                        <a:p>
+                          <a:pPr marL="0" marR="0" lvl="0" indent="0" algn="l" defTabSz="1219170" rtl="0" eaLnBrk="1" fontAlgn="auto" latinLnBrk="0" hangingPunct="1">
+                            <a:lnSpc>
+                              <a:spcPct val="100000"/>
+                            </a:lnSpc>
+                            <a:spcBef>
+                              <a:spcPts val="0"/>
+                            </a:spcBef>
+                            <a:spcAft>
+                              <a:spcPts val="0"/>
+                            </a:spcAft>
+                            <a:buClrTx/>
+                            <a:buSzTx/>
+                            <a:buFontTx/>
+                            <a:buNone/>
+                            <a:tabLst/>
+                            <a:defRPr/>
+                          </a:pPr>
+                          <a14:m>
+                            <m:oMathPara xmlns:m="http://schemas.openxmlformats.org/officeDocument/2006/math">
+                              <m:oMathParaPr>
+                                <m:jc m:val="centerGroup"/>
+                              </m:oMathParaPr>
+                              <m:oMath xmlns:m="http://schemas.openxmlformats.org/officeDocument/2006/math">
+                                <m:r>
+                                  <a:rPr lang="en-US" b="1" i="1" dirty="0" smtClean="0">
+                                    <a:latin typeface="Cambria Math" panose="02040503050406030204" pitchFamily="18" charset="0"/>
+                                  </a:rPr>
+                                  <m:t>∑</m:t>
+                                </m:r>
+                              </m:oMath>
+                            </m:oMathPara>
+                          </a14:m>
+                          <a:endParaRPr lang="en-US" b="1" i="1" dirty="0"/>
+                        </a:p>
+                      </a:txBody>
+                      <a:tcPr>
+                        <a:lnL w="12700" cap="flat" cmpd="sng" algn="ctr">
+                          <a:solidFill>
+                            <a:schemeClr val="tx1"/>
+                          </a:solidFill>
+                          <a:prstDash val="solid"/>
+                          <a:round/>
+                          <a:headEnd type="none" w="med" len="med"/>
+                          <a:tailEnd type="none" w="med" len="med"/>
+                        </a:lnL>
+                        <a:lnR w="12700" cap="flat" cmpd="sng" algn="ctr">
+                          <a:solidFill>
+                            <a:schemeClr val="tx1"/>
+                          </a:solidFill>
+                          <a:prstDash val="solid"/>
+                          <a:round/>
+                          <a:headEnd type="none" w="med" len="med"/>
+                          <a:tailEnd type="none" w="med" len="med"/>
+                        </a:lnR>
+                        <a:lnT w="12700" cap="flat" cmpd="sng" algn="ctr">
+                          <a:solidFill>
+                            <a:schemeClr val="tx1"/>
+                          </a:solidFill>
+                          <a:prstDash val="solid"/>
+                          <a:round/>
+                          <a:headEnd type="none" w="med" len="med"/>
+                          <a:tailEnd type="none" w="med" len="med"/>
+                        </a:lnT>
+                        <a:lnB w="12700" cap="flat" cmpd="sng" algn="ctr">
+                          <a:solidFill>
+                            <a:schemeClr val="tx1"/>
+                          </a:solidFill>
+                          <a:prstDash val="solid"/>
+                          <a:round/>
+                          <a:headEnd type="none" w="med" len="med"/>
+                          <a:tailEnd type="none" w="med" len="med"/>
+                        </a:lnB>
+                        <a:lnTlToBr w="12700" cmpd="sng">
+                          <a:noFill/>
+                          <a:prstDash val="solid"/>
+                        </a:lnTlToBr>
+                        <a:lnBlToTr w="12700" cmpd="sng">
+                          <a:noFill/>
+                          <a:prstDash val="solid"/>
+                        </a:lnBlToTr>
+                      </a:tcPr>
+                    </a:tc>
                     <a:extLst>
                       <a:ext uri="{0D108BD9-81ED-4DB2-BD59-A6C34878D82A}">
                         <a16:rowId xmlns:a16="http://schemas.microsoft.com/office/drawing/2014/main" val="4167986532"/>
@@ -17062,7 +20416,7 @@
                           <a:pPr algn="ctr"/>
                           <a:r>
                             <a:rPr lang="en-US" sz="1800" dirty="0"/>
-                            <a:t>0.50</a:t>
+                            <a:t>0.05</a:t>
                           </a:r>
                         </a:p>
                       </a:txBody>
@@ -17126,7 +20480,7 @@
                           <a:pPr algn="ctr"/>
                           <a:r>
                             <a:rPr lang="en-US" sz="1800" dirty="0"/>
-                            <a:t>0.25</a:t>
+                            <a:t>0.0</a:t>
                           </a:r>
                         </a:p>
                       </a:txBody>
@@ -17334,7 +20688,87 @@
                           </a:pPr>
                           <a:r>
                             <a:rPr lang="en-US" sz="1800" dirty="0"/>
-                            <a:t>0.25</a:t>
+                            <a:t>0.0</a:t>
+                          </a:r>
+                        </a:p>
+                      </a:txBody>
+                      <a:tcPr>
+                        <a:lnL w="12700" cap="flat" cmpd="sng" algn="ctr">
+                          <a:solidFill>
+                            <a:schemeClr val="tx1"/>
+                          </a:solidFill>
+                          <a:prstDash val="solid"/>
+                          <a:round/>
+                          <a:headEnd type="none" w="med" len="med"/>
+                          <a:tailEnd type="none" w="med" len="med"/>
+                        </a:lnL>
+                        <a:lnR w="12700" cap="flat" cmpd="sng" algn="ctr">
+                          <a:solidFill>
+                            <a:schemeClr val="tx1"/>
+                          </a:solidFill>
+                          <a:prstDash val="solid"/>
+                          <a:round/>
+                          <a:headEnd type="none" w="med" len="med"/>
+                          <a:tailEnd type="none" w="med" len="med"/>
+                        </a:lnR>
+                        <a:lnT w="12700" cap="flat" cmpd="sng" algn="ctr">
+                          <a:solidFill>
+                            <a:schemeClr val="tx1"/>
+                          </a:solidFill>
+                          <a:prstDash val="solid"/>
+                          <a:round/>
+                          <a:headEnd type="none" w="med" len="med"/>
+                          <a:tailEnd type="none" w="med" len="med"/>
+                        </a:lnT>
+                        <a:lnB w="12700" cap="flat" cmpd="sng" algn="ctr">
+                          <a:solidFill>
+                            <a:schemeClr val="tx1"/>
+                          </a:solidFill>
+                          <a:prstDash val="solid"/>
+                          <a:round/>
+                          <a:headEnd type="none" w="med" len="med"/>
+                          <a:tailEnd type="none" w="med" len="med"/>
+                        </a:lnB>
+                        <a:lnTlToBr w="12700" cmpd="sng">
+                          <a:noFill/>
+                          <a:prstDash val="solid"/>
+                        </a:lnTlToBr>
+                        <a:lnBlToTr w="12700" cmpd="sng">
+                          <a:noFill/>
+                          <a:prstDash val="solid"/>
+                        </a:lnBlToTr>
+                        <a:solidFill>
+                          <a:schemeClr val="bg1">
+                            <a:lumMod val="95000"/>
+                          </a:schemeClr>
+                        </a:solidFill>
+                      </a:tcPr>
+                    </a:tc>
+                    <a:tc>
+                      <a:txBody>
+                        <a:bodyPr/>
+                        <a:lstStyle/>
+                        <a:p>
+                          <a:pPr marL="0" marR="0" lvl="0" indent="0" algn="ctr" defTabSz="1219170" rtl="0" eaLnBrk="1" fontAlgn="auto" latinLnBrk="0" hangingPunct="1">
+                            <a:lnSpc>
+                              <a:spcPct val="100000"/>
+                            </a:lnSpc>
+                            <a:spcBef>
+                              <a:spcPts val="0"/>
+                            </a:spcBef>
+                            <a:spcAft>
+                              <a:spcPts val="0"/>
+                            </a:spcAft>
+                            <a:buClrTx/>
+                            <a:buSzTx/>
+                            <a:buFontTx/>
+                            <a:buNone/>
+                            <a:tabLst/>
+                            <a:defRPr/>
+                          </a:pPr>
+                          <a:r>
+                            <a:rPr lang="en-US" sz="1800" b="1" dirty="0"/>
+                            <a:t>1.0</a:t>
                           </a:r>
                         </a:p>
                       </a:txBody>
@@ -17549,7 +20983,7 @@
                           </a:pPr>
                           <a:r>
                             <a:rPr lang="en-US" sz="1800" dirty="0"/>
-                            <a:t>0.05</a:t>
+                            <a:t>0.50</a:t>
                           </a:r>
                         </a:p>
                       </a:txBody>
@@ -17677,7 +21111,7 @@
                           <a:pPr algn="ctr"/>
                           <a:r>
                             <a:rPr lang="en-US" sz="1800" dirty="0"/>
-                            <a:t>0.0</a:t>
+                            <a:t>0.10</a:t>
                           </a:r>
                         </a:p>
                       </a:txBody>
@@ -17805,7 +21239,7 @@
                           <a:pPr algn="ctr"/>
                           <a:r>
                             <a:rPr lang="en-US" sz="1800" dirty="0"/>
-                            <a:t>0.0</a:t>
+                            <a:t>0.15</a:t>
                           </a:r>
                         </a:p>
                       </a:txBody>
@@ -17871,6 +21305,71 @@
                             <a:rPr lang="en-US" sz="1800" dirty="0"/>
                             <a:t>0.0</a:t>
                           </a:r>
+                        </a:p>
+                      </a:txBody>
+                      <a:tcPr>
+                        <a:lnL w="12700" cap="flat" cmpd="sng" algn="ctr">
+                          <a:solidFill>
+                            <a:schemeClr val="tx1"/>
+                          </a:solidFill>
+                          <a:prstDash val="solid"/>
+                          <a:round/>
+                          <a:headEnd type="none" w="med" len="med"/>
+                          <a:tailEnd type="none" w="med" len="med"/>
+                        </a:lnL>
+                        <a:lnR w="12700" cap="flat" cmpd="sng" algn="ctr">
+                          <a:solidFill>
+                            <a:schemeClr val="tx1"/>
+                          </a:solidFill>
+                          <a:prstDash val="solid"/>
+                          <a:round/>
+                          <a:headEnd type="none" w="med" len="med"/>
+                          <a:tailEnd type="none" w="med" len="med"/>
+                        </a:lnR>
+                        <a:lnT w="12700" cap="flat" cmpd="sng" algn="ctr">
+                          <a:solidFill>
+                            <a:schemeClr val="tx1"/>
+                          </a:solidFill>
+                          <a:prstDash val="solid"/>
+                          <a:round/>
+                          <a:headEnd type="none" w="med" len="med"/>
+                          <a:tailEnd type="none" w="med" len="med"/>
+                        </a:lnT>
+                        <a:lnB w="12700" cap="flat" cmpd="sng" algn="ctr">
+                          <a:solidFill>
+                            <a:schemeClr val="tx1"/>
+                          </a:solidFill>
+                          <a:prstDash val="solid"/>
+                          <a:round/>
+                          <a:headEnd type="none" w="med" len="med"/>
+                          <a:tailEnd type="none" w="med" len="med"/>
+                        </a:lnB>
+                        <a:lnTlToBr w="12700" cmpd="sng">
+                          <a:noFill/>
+                          <a:prstDash val="solid"/>
+                        </a:lnTlToBr>
+                        <a:lnBlToTr w="12700" cmpd="sng">
+                          <a:noFill/>
+                          <a:prstDash val="solid"/>
+                        </a:lnBlToTr>
+                        <a:solidFill>
+                          <a:schemeClr val="bg1">
+                            <a:lumMod val="95000"/>
+                          </a:schemeClr>
+                        </a:solidFill>
+                      </a:tcPr>
+                    </a:tc>
+                    <a:tc>
+                      <a:txBody>
+                        <a:bodyPr/>
+                        <a:lstStyle/>
+                        <a:p>
+                          <a:pPr algn="ctr"/>
+                          <a:r>
+                            <a:rPr lang="en-US" sz="1800" b="1" dirty="0"/>
+                            <a:t>1.0</a:t>
+                          </a:r>
+                          <a:endParaRPr lang="en-US" sz="1800" dirty="0"/>
                         </a:p>
                       </a:txBody>
                       <a:tcPr>
@@ -18064,7 +21563,7 @@
                           </a:pPr>
                           <a:r>
                             <a:rPr lang="en-US" sz="1800" dirty="0"/>
-                            <a:t>0.0</a:t>
+                            <a:t>0.25</a:t>
                           </a:r>
                         </a:p>
                       </a:txBody>
@@ -18144,7 +21643,7 @@
                           </a:pPr>
                           <a:r>
                             <a:rPr lang="en-US" sz="1800" dirty="0"/>
-                            <a:t>0.10</a:t>
+                            <a:t>0.0</a:t>
                           </a:r>
                         </a:p>
                       </a:txBody>
@@ -18335,10 +21834,9 @@
                         <a:p>
                           <a:pPr algn="ctr"/>
                           <a:r>
-                            <a:rPr lang="en-US" sz="1800"/>
+                            <a:rPr lang="en-US" sz="1800" dirty="0"/>
                             <a:t>0.0</a:t>
                           </a:r>
-                          <a:endParaRPr lang="en-US" sz="1800" dirty="0"/>
                         </a:p>
                       </a:txBody>
                       <a:tcPr>
@@ -18401,8 +21899,73 @@
                           <a:pPr algn="ctr"/>
                           <a:r>
                             <a:rPr lang="en-US" sz="1800" dirty="0"/>
-                            <a:t>0.0</a:t>
+                            <a:t>0.25</a:t>
                           </a:r>
+                        </a:p>
+                      </a:txBody>
+                      <a:tcPr>
+                        <a:lnL w="12700" cap="flat" cmpd="sng" algn="ctr">
+                          <a:solidFill>
+                            <a:schemeClr val="tx1"/>
+                          </a:solidFill>
+                          <a:prstDash val="solid"/>
+                          <a:round/>
+                          <a:headEnd type="none" w="med" len="med"/>
+                          <a:tailEnd type="none" w="med" len="med"/>
+                        </a:lnL>
+                        <a:lnR w="12700" cap="flat" cmpd="sng" algn="ctr">
+                          <a:solidFill>
+                            <a:schemeClr val="tx1"/>
+                          </a:solidFill>
+                          <a:prstDash val="solid"/>
+                          <a:round/>
+                          <a:headEnd type="none" w="med" len="med"/>
+                          <a:tailEnd type="none" w="med" len="med"/>
+                        </a:lnR>
+                        <a:lnT w="12700" cap="flat" cmpd="sng" algn="ctr">
+                          <a:solidFill>
+                            <a:schemeClr val="tx1"/>
+                          </a:solidFill>
+                          <a:prstDash val="solid"/>
+                          <a:round/>
+                          <a:headEnd type="none" w="med" len="med"/>
+                          <a:tailEnd type="none" w="med" len="med"/>
+                        </a:lnT>
+                        <a:lnB w="12700" cap="flat" cmpd="sng" algn="ctr">
+                          <a:solidFill>
+                            <a:schemeClr val="tx1"/>
+                          </a:solidFill>
+                          <a:prstDash val="solid"/>
+                          <a:round/>
+                          <a:headEnd type="none" w="med" len="med"/>
+                          <a:tailEnd type="none" w="med" len="med"/>
+                        </a:lnB>
+                        <a:lnTlToBr w="12700" cmpd="sng">
+                          <a:noFill/>
+                          <a:prstDash val="solid"/>
+                        </a:lnTlToBr>
+                        <a:lnBlToTr w="12700" cmpd="sng">
+                          <a:noFill/>
+                          <a:prstDash val="solid"/>
+                        </a:lnBlToTr>
+                        <a:solidFill>
+                          <a:schemeClr val="bg1">
+                            <a:lumMod val="95000"/>
+                          </a:schemeClr>
+                        </a:solidFill>
+                      </a:tcPr>
+                    </a:tc>
+                    <a:tc>
+                      <a:txBody>
+                        <a:bodyPr/>
+                        <a:lstStyle/>
+                        <a:p>
+                          <a:pPr algn="ctr"/>
+                          <a:r>
+                            <a:rPr lang="en-US" sz="1800" b="1" dirty="0"/>
+                            <a:t>1.0</a:t>
+                          </a:r>
+                          <a:endParaRPr lang="en-US" sz="1800" dirty="0"/>
                         </a:p>
                       </a:txBody>
                       <a:tcPr>
@@ -18743,10 +22306,9 @@
                         <a:p>
                           <a:pPr algn="ctr"/>
                           <a:r>
-                            <a:rPr lang="en-US" sz="1800"/>
+                            <a:rPr lang="en-US" sz="1800" dirty="0"/>
                             <a:t>0.0</a:t>
                           </a:r>
-                          <a:endParaRPr lang="en-US" sz="1800" dirty="0"/>
                         </a:p>
                       </a:txBody>
                       <a:tcPr>
@@ -18873,7 +22435,7 @@
                           <a:pPr algn="ctr"/>
                           <a:r>
                             <a:rPr lang="en-US" sz="1800" dirty="0"/>
-                            <a:t>0.50</a:t>
+                            <a:t>0.05</a:t>
                           </a:r>
                         </a:p>
                       </a:txBody>
@@ -18937,8 +22499,73 @@
                           <a:pPr algn="ctr"/>
                           <a:r>
                             <a:rPr lang="en-US" sz="1800" dirty="0"/>
-                            <a:t>0.25</a:t>
+                            <a:t>0.0</a:t>
                           </a:r>
+                        </a:p>
+                      </a:txBody>
+                      <a:tcPr>
+                        <a:lnL w="12700" cap="flat" cmpd="sng" algn="ctr">
+                          <a:solidFill>
+                            <a:schemeClr val="tx1"/>
+                          </a:solidFill>
+                          <a:prstDash val="solid"/>
+                          <a:round/>
+                          <a:headEnd type="none" w="med" len="med"/>
+                          <a:tailEnd type="none" w="med" len="med"/>
+                        </a:lnL>
+                        <a:lnR w="12700" cap="flat" cmpd="sng" algn="ctr">
+                          <a:solidFill>
+                            <a:schemeClr val="tx1"/>
+                          </a:solidFill>
+                          <a:prstDash val="solid"/>
+                          <a:round/>
+                          <a:headEnd type="none" w="med" len="med"/>
+                          <a:tailEnd type="none" w="med" len="med"/>
+                        </a:lnR>
+                        <a:lnT w="12700" cap="flat" cmpd="sng" algn="ctr">
+                          <a:solidFill>
+                            <a:schemeClr val="tx1"/>
+                          </a:solidFill>
+                          <a:prstDash val="solid"/>
+                          <a:round/>
+                          <a:headEnd type="none" w="med" len="med"/>
+                          <a:tailEnd type="none" w="med" len="med"/>
+                        </a:lnT>
+                        <a:lnB w="12700" cap="flat" cmpd="sng" algn="ctr">
+                          <a:solidFill>
+                            <a:schemeClr val="tx1"/>
+                          </a:solidFill>
+                          <a:prstDash val="solid"/>
+                          <a:round/>
+                          <a:headEnd type="none" w="med" len="med"/>
+                          <a:tailEnd type="none" w="med" len="med"/>
+                        </a:lnB>
+                        <a:lnTlToBr w="12700" cmpd="sng">
+                          <a:noFill/>
+                          <a:prstDash val="solid"/>
+                        </a:lnTlToBr>
+                        <a:lnBlToTr w="12700" cmpd="sng">
+                          <a:noFill/>
+                          <a:prstDash val="solid"/>
+                        </a:lnBlToTr>
+                        <a:solidFill>
+                          <a:schemeClr val="bg1">
+                            <a:lumMod val="95000"/>
+                          </a:schemeClr>
+                        </a:solidFill>
+                      </a:tcPr>
+                    </a:tc>
+                    <a:tc>
+                      <a:txBody>
+                        <a:bodyPr/>
+                        <a:lstStyle/>
+                        <a:p>
+                          <a:pPr algn="ctr"/>
+                          <a:r>
+                            <a:rPr lang="en-US" sz="1800" b="1" dirty="0"/>
+                            <a:t>1.0</a:t>
+                          </a:r>
+                          <a:endParaRPr lang="en-US" sz="1800" dirty="0"/>
                         </a:p>
                       </a:txBody>
                       <a:tcPr>
@@ -19135,10 +22762,9 @@
                         <a:p>
                           <a:pPr algn="ctr"/>
                           <a:r>
-                            <a:rPr lang="en-US" sz="1800"/>
+                            <a:rPr lang="en-US" sz="1800" dirty="0"/>
                             <a:t>0.0</a:t>
                           </a:r>
-                          <a:endParaRPr lang="en-US" sz="1800" dirty="0"/>
                         </a:p>
                       </a:txBody>
                       <a:tcPr>
@@ -19217,7 +22843,7 @@
                           </a:pPr>
                           <a:r>
                             <a:rPr lang="en-US" sz="1800" dirty="0"/>
-                            <a:t>0.15</a:t>
+                            <a:t>0.0</a:t>
                           </a:r>
                         </a:p>
                       </a:txBody>
@@ -19280,10 +22906,9 @@
                         <a:p>
                           <a:pPr algn="ctr"/>
                           <a:r>
-                            <a:rPr lang="en-US" sz="1800"/>
+                            <a:rPr lang="en-US" sz="1800" dirty="0"/>
                             <a:t>0.0</a:t>
                           </a:r>
-                          <a:endParaRPr lang="en-US" sz="1800" dirty="0"/>
                         </a:p>
                       </a:txBody>
                       <a:tcPr>
@@ -19362,7 +22987,7 @@
                           </a:pPr>
                           <a:r>
                             <a:rPr lang="en-US" sz="1800" dirty="0"/>
-                            <a:t>0.05</a:t>
+                            <a:t>0.50</a:t>
                           </a:r>
                         </a:p>
                       </a:txBody>
@@ -19490,8 +23115,73 @@
                           <a:pPr algn="ctr"/>
                           <a:r>
                             <a:rPr lang="en-US" sz="1800" dirty="0"/>
-                            <a:t>0.0</a:t>
+                            <a:t>0.25</a:t>
                           </a:r>
+                        </a:p>
+                      </a:txBody>
+                      <a:tcPr>
+                        <a:lnL w="12700" cap="flat" cmpd="sng" algn="ctr">
+                          <a:solidFill>
+                            <a:schemeClr val="tx1"/>
+                          </a:solidFill>
+                          <a:prstDash val="solid"/>
+                          <a:round/>
+                          <a:headEnd type="none" w="med" len="med"/>
+                          <a:tailEnd type="none" w="med" len="med"/>
+                        </a:lnL>
+                        <a:lnR w="12700" cap="flat" cmpd="sng" algn="ctr">
+                          <a:solidFill>
+                            <a:schemeClr val="tx1"/>
+                          </a:solidFill>
+                          <a:prstDash val="solid"/>
+                          <a:round/>
+                          <a:headEnd type="none" w="med" len="med"/>
+                          <a:tailEnd type="none" w="med" len="med"/>
+                        </a:lnR>
+                        <a:lnT w="12700" cap="flat" cmpd="sng" algn="ctr">
+                          <a:solidFill>
+                            <a:schemeClr val="tx1"/>
+                          </a:solidFill>
+                          <a:prstDash val="solid"/>
+                          <a:round/>
+                          <a:headEnd type="none" w="med" len="med"/>
+                          <a:tailEnd type="none" w="med" len="med"/>
+                        </a:lnT>
+                        <a:lnB w="12700" cap="flat" cmpd="sng" algn="ctr">
+                          <a:solidFill>
+                            <a:schemeClr val="tx1"/>
+                          </a:solidFill>
+                          <a:prstDash val="solid"/>
+                          <a:round/>
+                          <a:headEnd type="none" w="med" len="med"/>
+                          <a:tailEnd type="none" w="med" len="med"/>
+                        </a:lnB>
+                        <a:lnTlToBr w="12700" cmpd="sng">
+                          <a:noFill/>
+                          <a:prstDash val="solid"/>
+                        </a:lnTlToBr>
+                        <a:lnBlToTr w="12700" cmpd="sng">
+                          <a:noFill/>
+                          <a:prstDash val="solid"/>
+                        </a:lnBlToTr>
+                        <a:solidFill>
+                          <a:schemeClr val="bg1">
+                            <a:lumMod val="95000"/>
+                          </a:schemeClr>
+                        </a:solidFill>
+                      </a:tcPr>
+                    </a:tc>
+                    <a:tc>
+                      <a:txBody>
+                        <a:bodyPr/>
+                        <a:lstStyle/>
+                        <a:p>
+                          <a:pPr algn="ctr"/>
+                          <a:r>
+                            <a:rPr lang="en-US" sz="1800" b="1" dirty="0"/>
+                            <a:t>1.0</a:t>
+                          </a:r>
+                          <a:endParaRPr lang="en-US" sz="1800" dirty="0"/>
                         </a:p>
                       </a:txBody>
                       <a:tcPr>
@@ -19669,7 +23359,7 @@
                           <a:pPr algn="ctr"/>
                           <a:r>
                             <a:rPr lang="en-US" sz="1800" dirty="0"/>
-                            <a:t>0.0</a:t>
+                            <a:t>0.25</a:t>
                           </a:r>
                         </a:p>
                       </a:txBody>
@@ -19797,6 +23487,70 @@
                           <a:pPr algn="ctr"/>
                           <a:r>
                             <a:rPr lang="en-US" sz="1800" dirty="0"/>
+                            <a:t>0.0</a:t>
+                          </a:r>
+                        </a:p>
+                      </a:txBody>
+                      <a:tcPr>
+                        <a:lnL w="12700" cap="flat" cmpd="sng" algn="ctr">
+                          <a:solidFill>
+                            <a:schemeClr val="tx1"/>
+                          </a:solidFill>
+                          <a:prstDash val="solid"/>
+                          <a:round/>
+                          <a:headEnd type="none" w="med" len="med"/>
+                          <a:tailEnd type="none" w="med" len="med"/>
+                        </a:lnL>
+                        <a:lnR w="12700" cap="flat" cmpd="sng" algn="ctr">
+                          <a:solidFill>
+                            <a:schemeClr val="tx1"/>
+                          </a:solidFill>
+                          <a:prstDash val="solid"/>
+                          <a:round/>
+                          <a:headEnd type="none" w="med" len="med"/>
+                          <a:tailEnd type="none" w="med" len="med"/>
+                        </a:lnR>
+                        <a:lnT w="12700" cap="flat" cmpd="sng" algn="ctr">
+                          <a:solidFill>
+                            <a:schemeClr val="tx1"/>
+                          </a:solidFill>
+                          <a:prstDash val="solid"/>
+                          <a:round/>
+                          <a:headEnd type="none" w="med" len="med"/>
+                          <a:tailEnd type="none" w="med" len="med"/>
+                        </a:lnT>
+                        <a:lnB w="12700" cap="flat" cmpd="sng" algn="ctr">
+                          <a:solidFill>
+                            <a:schemeClr val="tx1"/>
+                          </a:solidFill>
+                          <a:prstDash val="solid"/>
+                          <a:round/>
+                          <a:headEnd type="none" w="med" len="med"/>
+                          <a:tailEnd type="none" w="med" len="med"/>
+                        </a:lnB>
+                        <a:lnTlToBr w="12700" cmpd="sng">
+                          <a:noFill/>
+                          <a:prstDash val="solid"/>
+                        </a:lnTlToBr>
+                        <a:lnBlToTr w="12700" cmpd="sng">
+                          <a:noFill/>
+                          <a:prstDash val="solid"/>
+                        </a:lnBlToTr>
+                        <a:solidFill>
+                          <a:schemeClr val="bg1">
+                            <a:lumMod val="95000"/>
+                          </a:schemeClr>
+                        </a:solidFill>
+                      </a:tcPr>
+                    </a:tc>
+                    <a:tc>
+                      <a:txBody>
+                        <a:bodyPr/>
+                        <a:lstStyle/>
+                        <a:p>
+                          <a:pPr algn="ctr"/>
+                          <a:r>
+                            <a:rPr lang="en-US" sz="1800" dirty="0"/>
                             <a:t>0.25</a:t>
                           </a:r>
                         </a:p>
@@ -19925,213 +23679,7 @@
                           <a:pPr algn="ctr"/>
                           <a:r>
                             <a:rPr lang="en-US" sz="1800" dirty="0"/>
-                            <a:t>0.25</a:t>
-                          </a:r>
-                        </a:p>
-                      </a:txBody>
-                      <a:tcPr>
-                        <a:lnL w="12700" cap="flat" cmpd="sng" algn="ctr">
-                          <a:solidFill>
-                            <a:schemeClr val="tx1"/>
-                          </a:solidFill>
-                          <a:prstDash val="solid"/>
-                          <a:round/>
-                          <a:headEnd type="none" w="med" len="med"/>
-                          <a:tailEnd type="none" w="med" len="med"/>
-                        </a:lnL>
-                        <a:lnR w="12700" cap="flat" cmpd="sng" algn="ctr">
-                          <a:solidFill>
-                            <a:schemeClr val="tx1"/>
-                          </a:solidFill>
-                          <a:prstDash val="solid"/>
-                          <a:round/>
-                          <a:headEnd type="none" w="med" len="med"/>
-                          <a:tailEnd type="none" w="med" len="med"/>
-                        </a:lnR>
-                        <a:lnT w="12700" cap="flat" cmpd="sng" algn="ctr">
-                          <a:solidFill>
-                            <a:schemeClr val="tx1"/>
-                          </a:solidFill>
-                          <a:prstDash val="solid"/>
-                          <a:round/>
-                          <a:headEnd type="none" w="med" len="med"/>
-                          <a:tailEnd type="none" w="med" len="med"/>
-                        </a:lnT>
-                        <a:lnB w="12700" cap="flat" cmpd="sng" algn="ctr">
-                          <a:solidFill>
-                            <a:schemeClr val="tx1"/>
-                          </a:solidFill>
-                          <a:prstDash val="solid"/>
-                          <a:round/>
-                          <a:headEnd type="none" w="med" len="med"/>
-                          <a:tailEnd type="none" w="med" len="med"/>
-                        </a:lnB>
-                        <a:lnTlToBr w="12700" cmpd="sng">
-                          <a:noFill/>
-                          <a:prstDash val="solid"/>
-                        </a:lnTlToBr>
-                        <a:lnBlToTr w="12700" cmpd="sng">
-                          <a:noFill/>
-                          <a:prstDash val="solid"/>
-                        </a:lnBlToTr>
-                        <a:solidFill>
-                          <a:schemeClr val="bg1">
-                            <a:lumMod val="95000"/>
-                          </a:schemeClr>
-                        </a:solidFill>
-                      </a:tcPr>
-                    </a:tc>
-                    <a:tc>
-                      <a:txBody>
-                        <a:bodyPr/>
-                        <a:lstStyle/>
-                        <a:p>
-                          <a:pPr algn="ctr"/>
-                          <a:r>
-                            <a:rPr lang="en-US" sz="1800" dirty="0"/>
                             <a:t>0.50</a:t>
-                          </a:r>
-                        </a:p>
-                      </a:txBody>
-                      <a:tcPr>
-                        <a:lnL w="12700" cap="flat" cmpd="sng" algn="ctr">
-                          <a:solidFill>
-                            <a:schemeClr val="tx1"/>
-                          </a:solidFill>
-                          <a:prstDash val="solid"/>
-                          <a:round/>
-                          <a:headEnd type="none" w="med" len="med"/>
-                          <a:tailEnd type="none" w="med" len="med"/>
-                        </a:lnL>
-                        <a:lnR w="12700" cap="flat" cmpd="sng" algn="ctr">
-                          <a:solidFill>
-                            <a:schemeClr val="tx1"/>
-                          </a:solidFill>
-                          <a:prstDash val="solid"/>
-                          <a:round/>
-                          <a:headEnd type="none" w="med" len="med"/>
-                          <a:tailEnd type="none" w="med" len="med"/>
-                        </a:lnR>
-                        <a:lnT w="12700" cap="flat" cmpd="sng" algn="ctr">
-                          <a:solidFill>
-                            <a:schemeClr val="tx1"/>
-                          </a:solidFill>
-                          <a:prstDash val="solid"/>
-                          <a:round/>
-                          <a:headEnd type="none" w="med" len="med"/>
-                          <a:tailEnd type="none" w="med" len="med"/>
-                        </a:lnT>
-                        <a:lnB w="12700" cap="flat" cmpd="sng" algn="ctr">
-                          <a:solidFill>
-                            <a:schemeClr val="tx1"/>
-                          </a:solidFill>
-                          <a:prstDash val="solid"/>
-                          <a:round/>
-                          <a:headEnd type="none" w="med" len="med"/>
-                          <a:tailEnd type="none" w="med" len="med"/>
-                        </a:lnB>
-                        <a:lnTlToBr w="12700" cmpd="sng">
-                          <a:noFill/>
-                          <a:prstDash val="solid"/>
-                        </a:lnTlToBr>
-                        <a:lnBlToTr w="12700" cmpd="sng">
-                          <a:noFill/>
-                          <a:prstDash val="solid"/>
-                        </a:lnBlToTr>
-                        <a:solidFill>
-                          <a:schemeClr val="bg1">
-                            <a:lumMod val="95000"/>
-                          </a:schemeClr>
-                        </a:solidFill>
-                      </a:tcPr>
-                    </a:tc>
-                    <a:extLst>
-                      <a:ext uri="{0D108BD9-81ED-4DB2-BD59-A6C34878D82A}">
-                        <a16:rowId xmlns:a16="http://schemas.microsoft.com/office/drawing/2014/main" val="4273461930"/>
-                      </a:ext>
-                    </a:extLst>
-                  </a:tr>
-                  <a:tr h="370840">
-                    <a:tc>
-                      <a:txBody>
-                        <a:bodyPr/>
-                        <a:lstStyle/>
-                        <a:p>
-                          <a:pPr/>
-                          <a14:m>
-                            <m:oMathPara xmlns:m="http://schemas.openxmlformats.org/officeDocument/2006/math">
-                              <m:oMathParaPr>
-                                <m:jc m:val="centerGroup"/>
-                              </m:oMathParaPr>
-                              <m:oMath xmlns:m="http://schemas.openxmlformats.org/officeDocument/2006/math">
-                                <m:r>
-                                  <a:rPr lang="en-US" b="1" i="1" dirty="0" smtClean="0">
-                                    <a:latin typeface="Cambria Math" panose="02040503050406030204" pitchFamily="18" charset="0"/>
-                                  </a:rPr>
-                                  <m:t>∑</m:t>
-                                </m:r>
-                              </m:oMath>
-                            </m:oMathPara>
-                          </a14:m>
-                          <a:endParaRPr lang="en-US" b="1" i="1" dirty="0"/>
-                        </a:p>
-                      </a:txBody>
-                      <a:tcPr>
-                        <a:lnL w="12700" cap="flat" cmpd="sng" algn="ctr">
-                          <a:solidFill>
-                            <a:schemeClr val="tx1"/>
-                          </a:solidFill>
-                          <a:prstDash val="solid"/>
-                          <a:round/>
-                          <a:headEnd type="none" w="med" len="med"/>
-                          <a:tailEnd type="none" w="med" len="med"/>
-                        </a:lnL>
-                        <a:lnR w="12700" cap="flat" cmpd="sng" algn="ctr">
-                          <a:solidFill>
-                            <a:schemeClr val="tx1"/>
-                          </a:solidFill>
-                          <a:prstDash val="solid"/>
-                          <a:round/>
-                          <a:headEnd type="none" w="med" len="med"/>
-                          <a:tailEnd type="none" w="med" len="med"/>
-                        </a:lnR>
-                        <a:lnT w="12700" cap="flat" cmpd="sng" algn="ctr">
-                          <a:solidFill>
-                            <a:schemeClr val="tx1"/>
-                          </a:solidFill>
-                          <a:prstDash val="solid"/>
-                          <a:round/>
-                          <a:headEnd type="none" w="med" len="med"/>
-                          <a:tailEnd type="none" w="med" len="med"/>
-                        </a:lnT>
-                        <a:lnB w="12700" cap="flat" cmpd="sng" algn="ctr">
-                          <a:solidFill>
-                            <a:schemeClr val="tx1"/>
-                          </a:solidFill>
-                          <a:prstDash val="solid"/>
-                          <a:round/>
-                          <a:headEnd type="none" w="med" len="med"/>
-                          <a:tailEnd type="none" w="med" len="med"/>
-                        </a:lnB>
-                        <a:lnTlToBr w="12700" cmpd="sng">
-                          <a:noFill/>
-                          <a:prstDash val="solid"/>
-                        </a:lnTlToBr>
-                        <a:lnBlToTr w="12700" cmpd="sng">
-                          <a:noFill/>
-                          <a:prstDash val="solid"/>
-                        </a:lnBlToTr>
-                      </a:tcPr>
-                    </a:tc>
-                    <a:tc>
-                      <a:txBody>
-                        <a:bodyPr/>
-                        <a:lstStyle/>
-                        <a:p>
-                          <a:pPr algn="ctr"/>
-                          <a:r>
-                            <a:rPr lang="en-US" sz="1800" b="1" dirty="0"/>
-                            <a:t>1.0</a:t>
                           </a:r>
                         </a:p>
                       </a:txBody>
@@ -20197,262 +23745,7 @@
                             <a:rPr lang="en-US" sz="1800" b="1" dirty="0"/>
                             <a:t>1.0</a:t>
                           </a:r>
-                        </a:p>
-                      </a:txBody>
-                      <a:tcPr>
-                        <a:lnL w="12700" cap="flat" cmpd="sng" algn="ctr">
-                          <a:solidFill>
-                            <a:schemeClr val="tx1"/>
-                          </a:solidFill>
-                          <a:prstDash val="solid"/>
-                          <a:round/>
-                          <a:headEnd type="none" w="med" len="med"/>
-                          <a:tailEnd type="none" w="med" len="med"/>
-                        </a:lnL>
-                        <a:lnR w="12700" cap="flat" cmpd="sng" algn="ctr">
-                          <a:solidFill>
-                            <a:schemeClr val="tx1"/>
-                          </a:solidFill>
-                          <a:prstDash val="solid"/>
-                          <a:round/>
-                          <a:headEnd type="none" w="med" len="med"/>
-                          <a:tailEnd type="none" w="med" len="med"/>
-                        </a:lnR>
-                        <a:lnT w="12700" cap="flat" cmpd="sng" algn="ctr">
-                          <a:solidFill>
-                            <a:schemeClr val="tx1"/>
-                          </a:solidFill>
-                          <a:prstDash val="solid"/>
-                          <a:round/>
-                          <a:headEnd type="none" w="med" len="med"/>
-                          <a:tailEnd type="none" w="med" len="med"/>
-                        </a:lnT>
-                        <a:lnB w="12700" cap="flat" cmpd="sng" algn="ctr">
-                          <a:solidFill>
-                            <a:schemeClr val="tx1"/>
-                          </a:solidFill>
-                          <a:prstDash val="solid"/>
-                          <a:round/>
-                          <a:headEnd type="none" w="med" len="med"/>
-                          <a:tailEnd type="none" w="med" len="med"/>
-                        </a:lnB>
-                        <a:lnTlToBr w="12700" cmpd="sng">
-                          <a:noFill/>
-                          <a:prstDash val="solid"/>
-                        </a:lnTlToBr>
-                        <a:lnBlToTr w="12700" cmpd="sng">
-                          <a:noFill/>
-                          <a:prstDash val="solid"/>
-                        </a:lnBlToTr>
-                        <a:solidFill>
-                          <a:schemeClr val="bg1">
-                            <a:lumMod val="95000"/>
-                          </a:schemeClr>
-                        </a:solidFill>
-                      </a:tcPr>
-                    </a:tc>
-                    <a:tc>
-                      <a:txBody>
-                        <a:bodyPr/>
-                        <a:lstStyle/>
-                        <a:p>
-                          <a:pPr algn="ctr"/>
-                          <a:r>
-                            <a:rPr lang="en-US" sz="1800" b="1" dirty="0"/>
-                            <a:t>1.0</a:t>
-                          </a:r>
-                        </a:p>
-                      </a:txBody>
-                      <a:tcPr>
-                        <a:lnL w="12700" cap="flat" cmpd="sng" algn="ctr">
-                          <a:solidFill>
-                            <a:schemeClr val="tx1"/>
-                          </a:solidFill>
-                          <a:prstDash val="solid"/>
-                          <a:round/>
-                          <a:headEnd type="none" w="med" len="med"/>
-                          <a:tailEnd type="none" w="med" len="med"/>
-                        </a:lnL>
-                        <a:lnR w="12700" cap="flat" cmpd="sng" algn="ctr">
-                          <a:solidFill>
-                            <a:schemeClr val="tx1"/>
-                          </a:solidFill>
-                          <a:prstDash val="solid"/>
-                          <a:round/>
-                          <a:headEnd type="none" w="med" len="med"/>
-                          <a:tailEnd type="none" w="med" len="med"/>
-                        </a:lnR>
-                        <a:lnT w="12700" cap="flat" cmpd="sng" algn="ctr">
-                          <a:solidFill>
-                            <a:schemeClr val="tx1"/>
-                          </a:solidFill>
-                          <a:prstDash val="solid"/>
-                          <a:round/>
-                          <a:headEnd type="none" w="med" len="med"/>
-                          <a:tailEnd type="none" w="med" len="med"/>
-                        </a:lnT>
-                        <a:lnB w="12700" cap="flat" cmpd="sng" algn="ctr">
-                          <a:solidFill>
-                            <a:schemeClr val="tx1"/>
-                          </a:solidFill>
-                          <a:prstDash val="solid"/>
-                          <a:round/>
-                          <a:headEnd type="none" w="med" len="med"/>
-                          <a:tailEnd type="none" w="med" len="med"/>
-                        </a:lnB>
-                        <a:lnTlToBr w="12700" cmpd="sng">
-                          <a:noFill/>
-                          <a:prstDash val="solid"/>
-                        </a:lnTlToBr>
-                        <a:lnBlToTr w="12700" cmpd="sng">
-                          <a:noFill/>
-                          <a:prstDash val="solid"/>
-                        </a:lnBlToTr>
-                        <a:solidFill>
-                          <a:schemeClr val="bg1">
-                            <a:lumMod val="95000"/>
-                          </a:schemeClr>
-                        </a:solidFill>
-                      </a:tcPr>
-                    </a:tc>
-                    <a:tc>
-                      <a:txBody>
-                        <a:bodyPr/>
-                        <a:lstStyle/>
-                        <a:p>
-                          <a:pPr algn="ctr"/>
-                          <a:r>
-                            <a:rPr lang="en-US" sz="1800" b="1" dirty="0"/>
-                            <a:t>1.0</a:t>
-                          </a:r>
-                        </a:p>
-                      </a:txBody>
-                      <a:tcPr>
-                        <a:lnL w="12700" cap="flat" cmpd="sng" algn="ctr">
-                          <a:solidFill>
-                            <a:schemeClr val="tx1"/>
-                          </a:solidFill>
-                          <a:prstDash val="solid"/>
-                          <a:round/>
-                          <a:headEnd type="none" w="med" len="med"/>
-                          <a:tailEnd type="none" w="med" len="med"/>
-                        </a:lnL>
-                        <a:lnR w="12700" cap="flat" cmpd="sng" algn="ctr">
-                          <a:solidFill>
-                            <a:schemeClr val="tx1"/>
-                          </a:solidFill>
-                          <a:prstDash val="solid"/>
-                          <a:round/>
-                          <a:headEnd type="none" w="med" len="med"/>
-                          <a:tailEnd type="none" w="med" len="med"/>
-                        </a:lnR>
-                        <a:lnT w="12700" cap="flat" cmpd="sng" algn="ctr">
-                          <a:solidFill>
-                            <a:schemeClr val="tx1"/>
-                          </a:solidFill>
-                          <a:prstDash val="solid"/>
-                          <a:round/>
-                          <a:headEnd type="none" w="med" len="med"/>
-                          <a:tailEnd type="none" w="med" len="med"/>
-                        </a:lnT>
-                        <a:lnB w="12700" cap="flat" cmpd="sng" algn="ctr">
-                          <a:solidFill>
-                            <a:schemeClr val="tx1"/>
-                          </a:solidFill>
-                          <a:prstDash val="solid"/>
-                          <a:round/>
-                          <a:headEnd type="none" w="med" len="med"/>
-                          <a:tailEnd type="none" w="med" len="med"/>
-                        </a:lnB>
-                        <a:lnTlToBr w="12700" cmpd="sng">
-                          <a:noFill/>
-                          <a:prstDash val="solid"/>
-                        </a:lnTlToBr>
-                        <a:lnBlToTr w="12700" cmpd="sng">
-                          <a:noFill/>
-                          <a:prstDash val="solid"/>
-                        </a:lnBlToTr>
-                        <a:solidFill>
-                          <a:schemeClr val="bg1">
-                            <a:lumMod val="95000"/>
-                          </a:schemeClr>
-                        </a:solidFill>
-                      </a:tcPr>
-                    </a:tc>
-                    <a:tc>
-                      <a:txBody>
-                        <a:bodyPr/>
-                        <a:lstStyle/>
-                        <a:p>
-                          <a:pPr algn="ctr"/>
-                          <a:r>
-                            <a:rPr lang="en-US" sz="1800" b="1" dirty="0"/>
-                            <a:t>1.0</a:t>
-                          </a:r>
-                        </a:p>
-                      </a:txBody>
-                      <a:tcPr>
-                        <a:lnL w="12700" cap="flat" cmpd="sng" algn="ctr">
-                          <a:solidFill>
-                            <a:schemeClr val="tx1"/>
-                          </a:solidFill>
-                          <a:prstDash val="solid"/>
-                          <a:round/>
-                          <a:headEnd type="none" w="med" len="med"/>
-                          <a:tailEnd type="none" w="med" len="med"/>
-                        </a:lnL>
-                        <a:lnR w="12700" cap="flat" cmpd="sng" algn="ctr">
-                          <a:solidFill>
-                            <a:schemeClr val="tx1"/>
-                          </a:solidFill>
-                          <a:prstDash val="solid"/>
-                          <a:round/>
-                          <a:headEnd type="none" w="med" len="med"/>
-                          <a:tailEnd type="none" w="med" len="med"/>
-                        </a:lnR>
-                        <a:lnT w="12700" cap="flat" cmpd="sng" algn="ctr">
-                          <a:solidFill>
-                            <a:schemeClr val="tx1"/>
-                          </a:solidFill>
-                          <a:prstDash val="solid"/>
-                          <a:round/>
-                          <a:headEnd type="none" w="med" len="med"/>
-                          <a:tailEnd type="none" w="med" len="med"/>
-                        </a:lnT>
-                        <a:lnB w="12700" cap="flat" cmpd="sng" algn="ctr">
-                          <a:solidFill>
-                            <a:schemeClr val="tx1"/>
-                          </a:solidFill>
-                          <a:prstDash val="solid"/>
-                          <a:round/>
-                          <a:headEnd type="none" w="med" len="med"/>
-                          <a:tailEnd type="none" w="med" len="med"/>
-                        </a:lnB>
-                        <a:lnTlToBr w="12700" cmpd="sng">
-                          <a:noFill/>
-                          <a:prstDash val="solid"/>
-                        </a:lnTlToBr>
-                        <a:lnBlToTr w="12700" cmpd="sng">
-                          <a:noFill/>
-                          <a:prstDash val="solid"/>
-                        </a:lnBlToTr>
-                        <a:solidFill>
-                          <a:schemeClr val="bg1">
-                            <a:lumMod val="95000"/>
-                          </a:schemeClr>
-                        </a:solidFill>
-                      </a:tcPr>
-                    </a:tc>
-                    <a:tc>
-                      <a:txBody>
-                        <a:bodyPr/>
-                        <a:lstStyle/>
-                        <a:p>
-                          <a:pPr algn="ctr"/>
-                          <a:r>
-                            <a:rPr lang="en-US" sz="1800" b="1" dirty="0"/>
-                            <a:t>1.0</a:t>
-                          </a:r>
+                          <a:endParaRPr lang="en-US" sz="1800" dirty="0"/>
                         </a:p>
                       </a:txBody>
                       <a:tcPr>
@@ -20509,7 +23802,7 @@
                     </a:tc>
                     <a:extLst>
                       <a:ext uri="{0D108BD9-81ED-4DB2-BD59-A6C34878D82A}">
-                        <a16:rowId xmlns:a16="http://schemas.microsoft.com/office/drawing/2014/main" val="2870118069"/>
+                        <a16:rowId xmlns:a16="http://schemas.microsoft.com/office/drawing/2014/main" val="4273461930"/>
                       </a:ext>
                     </a:extLst>
                   </a:tr>
@@ -20518,7 +23811,7 @@
             </a:graphic>
           </p:graphicFrame>
         </mc:Choice>
-        <mc:Fallback xmlns="">
+        <mc:Fallback>
           <p:graphicFrame>
             <p:nvGraphicFramePr>
               <p:cNvPr id="132" name="Table 132">
@@ -20534,14 +23827,14 @@
               <p:nvPr>
                 <p:extLst>
                   <p:ext uri="{D42A27DB-BD31-4B8C-83A1-F6EECF244321}">
-                    <p14:modId xmlns:p14="http://schemas.microsoft.com/office/powerpoint/2010/main" val="3943909351"/>
+                    <p14:modId xmlns:p14="http://schemas.microsoft.com/office/powerpoint/2010/main" val="1236053009"/>
                   </p:ext>
                 </p:extLst>
               </p:nvPr>
             </p:nvGraphicFramePr>
             <p:xfrm>
               <a:off x="4366330" y="2603105"/>
-              <a:ext cx="6332690" cy="3686371"/>
+              <a:ext cx="6332688" cy="3229171"/>
             </p:xfrm>
             <a:graphic>
               <a:graphicData uri="http://schemas.openxmlformats.org/drawingml/2006/table">
@@ -20550,52 +23843,59 @@
                     <a:tableStyleId>{2D5ABB26-0587-4C30-8999-92F81FD0307C}</a:tableStyleId>
                   </a:tblPr>
                   <a:tblGrid>
-                    <a:gridCol w="904670">
+                    <a:gridCol w="791586">
                       <a:extLst>
                         <a:ext uri="{9D8B030D-6E8A-4147-A177-3AD203B41FA5}">
                           <a16:colId xmlns:a16="http://schemas.microsoft.com/office/drawing/2014/main" val="2111049613"/>
                         </a:ext>
                       </a:extLst>
                     </a:gridCol>
-                    <a:gridCol w="904670">
+                    <a:gridCol w="791586">
                       <a:extLst>
                         <a:ext uri="{9D8B030D-6E8A-4147-A177-3AD203B41FA5}">
                           <a16:colId xmlns:a16="http://schemas.microsoft.com/office/drawing/2014/main" val="2460284730"/>
                         </a:ext>
                       </a:extLst>
                     </a:gridCol>
-                    <a:gridCol w="904670">
+                    <a:gridCol w="791586">
                       <a:extLst>
                         <a:ext uri="{9D8B030D-6E8A-4147-A177-3AD203B41FA5}">
                           <a16:colId xmlns:a16="http://schemas.microsoft.com/office/drawing/2014/main" val="1771718300"/>
                         </a:ext>
                       </a:extLst>
                     </a:gridCol>
-                    <a:gridCol w="904670">
+                    <a:gridCol w="791586">
                       <a:extLst>
                         <a:ext uri="{9D8B030D-6E8A-4147-A177-3AD203B41FA5}">
                           <a16:colId xmlns:a16="http://schemas.microsoft.com/office/drawing/2014/main" val="4126700240"/>
                         </a:ext>
                       </a:extLst>
                     </a:gridCol>
-                    <a:gridCol w="904670">
+                    <a:gridCol w="791586">
                       <a:extLst>
                         <a:ext uri="{9D8B030D-6E8A-4147-A177-3AD203B41FA5}">
                           <a16:colId xmlns:a16="http://schemas.microsoft.com/office/drawing/2014/main" val="3298518641"/>
                         </a:ext>
                       </a:extLst>
                     </a:gridCol>
-                    <a:gridCol w="904670">
+                    <a:gridCol w="791586">
                       <a:extLst>
                         <a:ext uri="{9D8B030D-6E8A-4147-A177-3AD203B41FA5}">
                           <a16:colId xmlns:a16="http://schemas.microsoft.com/office/drawing/2014/main" val="1195880674"/>
                         </a:ext>
                       </a:extLst>
                     </a:gridCol>
-                    <a:gridCol w="904670">
+                    <a:gridCol w="791586">
                       <a:extLst>
                         <a:ext uri="{9D8B030D-6E8A-4147-A177-3AD203B41FA5}">
                           <a16:colId xmlns:a16="http://schemas.microsoft.com/office/drawing/2014/main" val="2873437584"/>
+                        </a:ext>
+                      </a:extLst>
+                    </a:gridCol>
+                    <a:gridCol w="791586">
+                      <a:extLst>
+                        <a:ext uri="{9D8B030D-6E8A-4147-A177-3AD203B41FA5}">
+                          <a16:colId xmlns:a16="http://schemas.microsoft.com/office/drawing/2014/main" val="1876647164"/>
                         </a:ext>
                       </a:extLst>
                     </a:gridCol>
@@ -20712,7 +24012,7 @@
                         <a:blipFill>
                           <a:blip r:embed="rId8"/>
                           <a:stretch>
-                            <a:fillRect l="-101351" t="-2500" r="-503378" b="-676250"/>
+                            <a:fillRect l="-100769" t="-2500" r="-601538" b="-567500"/>
                           </a:stretch>
                         </a:blipFill>
                       </a:tcPr>
@@ -20773,7 +24073,7 @@
                         <a:blipFill>
                           <a:blip r:embed="rId8"/>
                           <a:stretch>
-                            <a:fillRect l="-200000" t="-2500" r="-400000" b="-676250"/>
+                            <a:fillRect l="-200769" t="-2500" r="-501538" b="-567500"/>
                           </a:stretch>
                         </a:blipFill>
                       </a:tcPr>
@@ -20834,7 +24134,7 @@
                         <a:blipFill>
                           <a:blip r:embed="rId8"/>
                           <a:stretch>
-                            <a:fillRect l="-302027" t="-2500" r="-302703" b="-676250"/>
+                            <a:fillRect l="-300769" t="-2500" r="-401538" b="-567500"/>
                           </a:stretch>
                         </a:blipFill>
                       </a:tcPr>
@@ -20895,7 +24195,7 @@
                         <a:blipFill>
                           <a:blip r:embed="rId8"/>
                           <a:stretch>
-                            <a:fillRect l="-399329" t="-2500" r="-200671" b="-676250"/>
+                            <a:fillRect l="-400769" t="-2500" r="-301538" b="-567500"/>
                           </a:stretch>
                         </a:blipFill>
                       </a:tcPr>
@@ -20956,7 +24256,7 @@
                         <a:blipFill>
                           <a:blip r:embed="rId8"/>
                           <a:stretch>
-                            <a:fillRect l="-502703" t="-2500" r="-102027" b="-676250"/>
+                            <a:fillRect l="-500769" t="-2500" r="-201538" b="-567500"/>
                           </a:stretch>
                         </a:blipFill>
                       </a:tcPr>
@@ -21017,7 +24317,68 @@
                         <a:blipFill>
                           <a:blip r:embed="rId8"/>
                           <a:stretch>
-                            <a:fillRect l="-598658" t="-2500" r="-1342" b="-676250"/>
+                            <a:fillRect l="-600769" t="-2500" r="-101538" b="-567500"/>
+                          </a:stretch>
+                        </a:blipFill>
+                      </a:tcPr>
+                    </a:tc>
+                    <a:tc>
+                      <a:txBody>
+                        <a:bodyPr/>
+                        <a:lstStyle/>
+                        <a:p>
+                          <a:endParaRPr lang="en-US"/>
+                        </a:p>
+                      </a:txBody>
+                      <a:tcPr>
+                        <a:lnL w="12700" cap="flat" cmpd="sng" algn="ctr">
+                          <a:solidFill>
+                            <a:schemeClr val="tx1"/>
+                          </a:solidFill>
+                          <a:prstDash val="solid"/>
+                          <a:round/>
+                          <a:headEnd type="none" w="med" len="med"/>
+                          <a:tailEnd type="none" w="med" len="med"/>
+                        </a:lnL>
+                        <a:lnR w="12700" cap="flat" cmpd="sng" algn="ctr">
+                          <a:solidFill>
+                            <a:schemeClr val="tx1"/>
+                          </a:solidFill>
+                          <a:prstDash val="solid"/>
+                          <a:round/>
+                          <a:headEnd type="none" w="med" len="med"/>
+                          <a:tailEnd type="none" w="med" len="med"/>
+                        </a:lnR>
+                        <a:lnT w="12700" cap="flat" cmpd="sng" algn="ctr">
+                          <a:solidFill>
+                            <a:schemeClr val="tx1"/>
+                          </a:solidFill>
+                          <a:prstDash val="solid"/>
+                          <a:round/>
+                          <a:headEnd type="none" w="med" len="med"/>
+                          <a:tailEnd type="none" w="med" len="med"/>
+                        </a:lnT>
+                        <a:lnB w="12700" cap="flat" cmpd="sng" algn="ctr">
+                          <a:solidFill>
+                            <a:schemeClr val="tx1"/>
+                          </a:solidFill>
+                          <a:prstDash val="solid"/>
+                          <a:round/>
+                          <a:headEnd type="none" w="med" len="med"/>
+                          <a:tailEnd type="none" w="med" len="med"/>
+                        </a:lnB>
+                        <a:lnTlToBr w="12700" cmpd="sng">
+                          <a:noFill/>
+                          <a:prstDash val="solid"/>
+                        </a:lnTlToBr>
+                        <a:lnBlToTr w="12700" cmpd="sng">
+                          <a:noFill/>
+                          <a:prstDash val="solid"/>
+                        </a:lnBlToTr>
+                        <a:blipFill>
+                          <a:blip r:embed="rId8"/>
+                          <a:stretch>
+                            <a:fillRect l="-700769" t="-2500" r="-1538" b="-567500"/>
                           </a:stretch>
                         </a:blipFill>
                       </a:tcPr>
@@ -21085,7 +24446,7 @@
                         <a:blipFill>
                           <a:blip r:embed="rId8"/>
                           <a:stretch>
-                            <a:fillRect l="-671" t="-109333" r="-599329" b="-621333"/>
+                            <a:fillRect l="-769" t="-109333" r="-701538" b="-505333"/>
                           </a:stretch>
                         </a:blipFill>
                       </a:tcPr>
@@ -21162,7 +24523,7 @@
                           <a:pPr algn="ctr"/>
                           <a:r>
                             <a:rPr lang="en-US" sz="1800" dirty="0"/>
-                            <a:t>0.50</a:t>
+                            <a:t>0.05</a:t>
                           </a:r>
                         </a:p>
                       </a:txBody>
@@ -21226,7 +24587,7 @@
                           <a:pPr algn="ctr"/>
                           <a:r>
                             <a:rPr lang="en-US" sz="1800" dirty="0"/>
-                            <a:t>0.25</a:t>
+                            <a:t>0.0</a:t>
                           </a:r>
                         </a:p>
                       </a:txBody>
@@ -21434,7 +24795,87 @@
                           </a:pPr>
                           <a:r>
                             <a:rPr lang="en-US" sz="1800" dirty="0"/>
-                            <a:t>0.25</a:t>
+                            <a:t>0.0</a:t>
+                          </a:r>
+                        </a:p>
+                      </a:txBody>
+                      <a:tcPr>
+                        <a:lnL w="12700" cap="flat" cmpd="sng" algn="ctr">
+                          <a:solidFill>
+                            <a:schemeClr val="tx1"/>
+                          </a:solidFill>
+                          <a:prstDash val="solid"/>
+                          <a:round/>
+                          <a:headEnd type="none" w="med" len="med"/>
+                          <a:tailEnd type="none" w="med" len="med"/>
+                        </a:lnL>
+                        <a:lnR w="12700" cap="flat" cmpd="sng" algn="ctr">
+                          <a:solidFill>
+                            <a:schemeClr val="tx1"/>
+                          </a:solidFill>
+                          <a:prstDash val="solid"/>
+                          <a:round/>
+                          <a:headEnd type="none" w="med" len="med"/>
+                          <a:tailEnd type="none" w="med" len="med"/>
+                        </a:lnR>
+                        <a:lnT w="12700" cap="flat" cmpd="sng" algn="ctr">
+                          <a:solidFill>
+                            <a:schemeClr val="tx1"/>
+                          </a:solidFill>
+                          <a:prstDash val="solid"/>
+                          <a:round/>
+                          <a:headEnd type="none" w="med" len="med"/>
+                          <a:tailEnd type="none" w="med" len="med"/>
+                        </a:lnT>
+                        <a:lnB w="12700" cap="flat" cmpd="sng" algn="ctr">
+                          <a:solidFill>
+                            <a:schemeClr val="tx1"/>
+                          </a:solidFill>
+                          <a:prstDash val="solid"/>
+                          <a:round/>
+                          <a:headEnd type="none" w="med" len="med"/>
+                          <a:tailEnd type="none" w="med" len="med"/>
+                        </a:lnB>
+                        <a:lnTlToBr w="12700" cmpd="sng">
+                          <a:noFill/>
+                          <a:prstDash val="solid"/>
+                        </a:lnTlToBr>
+                        <a:lnBlToTr w="12700" cmpd="sng">
+                          <a:noFill/>
+                          <a:prstDash val="solid"/>
+                        </a:lnBlToTr>
+                        <a:solidFill>
+                          <a:schemeClr val="bg1">
+                            <a:lumMod val="95000"/>
+                          </a:schemeClr>
+                        </a:solidFill>
+                      </a:tcPr>
+                    </a:tc>
+                    <a:tc>
+                      <a:txBody>
+                        <a:bodyPr/>
+                        <a:lstStyle/>
+                        <a:p>
+                          <a:pPr marL="0" marR="0" lvl="0" indent="0" algn="ctr" defTabSz="1219170" rtl="0" eaLnBrk="1" fontAlgn="auto" latinLnBrk="0" hangingPunct="1">
+                            <a:lnSpc>
+                              <a:spcPct val="100000"/>
+                            </a:lnSpc>
+                            <a:spcBef>
+                              <a:spcPts val="0"/>
+                            </a:spcBef>
+                            <a:spcAft>
+                              <a:spcPts val="0"/>
+                            </a:spcAft>
+                            <a:buClrTx/>
+                            <a:buSzTx/>
+                            <a:buFontTx/>
+                            <a:buNone/>
+                            <a:tabLst/>
+                            <a:defRPr/>
+                          </a:pPr>
+                          <a:r>
+                            <a:rPr lang="en-US" sz="1800" b="1" dirty="0"/>
+                            <a:t>1.0</a:t>
                           </a:r>
                         </a:p>
                       </a:txBody>
@@ -21553,7 +24994,7 @@
                         <a:blipFill>
                           <a:blip r:embed="rId8"/>
                           <a:stretch>
-                            <a:fillRect l="-671" t="-209333" r="-599329" b="-521333"/>
+                            <a:fillRect l="-769" t="-209333" r="-701538" b="-405333"/>
                           </a:stretch>
                         </a:blipFill>
                       </a:tcPr>
@@ -21582,7 +25023,7 @@
                           </a:pPr>
                           <a:r>
                             <a:rPr lang="en-US" sz="1800" dirty="0"/>
-                            <a:t>0.05</a:t>
+                            <a:t>0.50</a:t>
                           </a:r>
                         </a:p>
                       </a:txBody>
@@ -21710,7 +25151,7 @@
                           <a:pPr algn="ctr"/>
                           <a:r>
                             <a:rPr lang="en-US" sz="1800" dirty="0"/>
-                            <a:t>0.0</a:t>
+                            <a:t>0.10</a:t>
                           </a:r>
                         </a:p>
                       </a:txBody>
@@ -21838,7 +25279,7 @@
                           <a:pPr algn="ctr"/>
                           <a:r>
                             <a:rPr lang="en-US" sz="1800" dirty="0"/>
-                            <a:t>0.0</a:t>
+                            <a:t>0.15</a:t>
                           </a:r>
                         </a:p>
                       </a:txBody>
@@ -21904,6 +25345,71 @@
                             <a:rPr lang="en-US" sz="1800" dirty="0"/>
                             <a:t>0.0</a:t>
                           </a:r>
+                        </a:p>
+                      </a:txBody>
+                      <a:tcPr>
+                        <a:lnL w="12700" cap="flat" cmpd="sng" algn="ctr">
+                          <a:solidFill>
+                            <a:schemeClr val="tx1"/>
+                          </a:solidFill>
+                          <a:prstDash val="solid"/>
+                          <a:round/>
+                          <a:headEnd type="none" w="med" len="med"/>
+                          <a:tailEnd type="none" w="med" len="med"/>
+                        </a:lnL>
+                        <a:lnR w="12700" cap="flat" cmpd="sng" algn="ctr">
+                          <a:solidFill>
+                            <a:schemeClr val="tx1"/>
+                          </a:solidFill>
+                          <a:prstDash val="solid"/>
+                          <a:round/>
+                          <a:headEnd type="none" w="med" len="med"/>
+                          <a:tailEnd type="none" w="med" len="med"/>
+                        </a:lnR>
+                        <a:lnT w="12700" cap="flat" cmpd="sng" algn="ctr">
+                          <a:solidFill>
+                            <a:schemeClr val="tx1"/>
+                          </a:solidFill>
+                          <a:prstDash val="solid"/>
+                          <a:round/>
+                          <a:headEnd type="none" w="med" len="med"/>
+                          <a:tailEnd type="none" w="med" len="med"/>
+                        </a:lnT>
+                        <a:lnB w="12700" cap="flat" cmpd="sng" algn="ctr">
+                          <a:solidFill>
+                            <a:schemeClr val="tx1"/>
+                          </a:solidFill>
+                          <a:prstDash val="solid"/>
+                          <a:round/>
+                          <a:headEnd type="none" w="med" len="med"/>
+                          <a:tailEnd type="none" w="med" len="med"/>
+                        </a:lnB>
+                        <a:lnTlToBr w="12700" cmpd="sng">
+                          <a:noFill/>
+                          <a:prstDash val="solid"/>
+                        </a:lnTlToBr>
+                        <a:lnBlToTr w="12700" cmpd="sng">
+                          <a:noFill/>
+                          <a:prstDash val="solid"/>
+                        </a:lnBlToTr>
+                        <a:solidFill>
+                          <a:schemeClr val="bg1">
+                            <a:lumMod val="95000"/>
+                          </a:schemeClr>
+                        </a:solidFill>
+                      </a:tcPr>
+                    </a:tc>
+                    <a:tc>
+                      <a:txBody>
+                        <a:bodyPr/>
+                        <a:lstStyle/>
+                        <a:p>
+                          <a:pPr algn="ctr"/>
+                          <a:r>
+                            <a:rPr lang="en-US" sz="1800" b="1" dirty="0"/>
+                            <a:t>1.0</a:t>
+                          </a:r>
+                          <a:endParaRPr lang="en-US" sz="1800" dirty="0"/>
                         </a:p>
                       </a:txBody>
                       <a:tcPr>
@@ -22021,9 +25527,89 @@
                         <a:blipFill>
                           <a:blip r:embed="rId8"/>
                           <a:stretch>
-                            <a:fillRect l="-671" t="-309333" r="-599329" b="-421333"/>
+                            <a:fillRect l="-769" t="-309333" r="-701538" b="-305333"/>
                           </a:stretch>
                         </a:blipFill>
+                      </a:tcPr>
+                    </a:tc>
+                    <a:tc>
+                      <a:txBody>
+                        <a:bodyPr/>
+                        <a:lstStyle/>
+                        <a:p>
+                          <a:pPr marL="0" marR="0" lvl="0" indent="0" algn="ctr" defTabSz="1219170" rtl="0" eaLnBrk="1" fontAlgn="auto" latinLnBrk="0" hangingPunct="1">
+                            <a:lnSpc>
+                              <a:spcPct val="100000"/>
+                            </a:lnSpc>
+                            <a:spcBef>
+                              <a:spcPts val="0"/>
+                            </a:spcBef>
+                            <a:spcAft>
+                              <a:spcPts val="0"/>
+                            </a:spcAft>
+                            <a:buClrTx/>
+                            <a:buSzTx/>
+                            <a:buFontTx/>
+                            <a:buNone/>
+                            <a:tabLst/>
+                            <a:defRPr/>
+                          </a:pPr>
+                          <a:r>
+                            <a:rPr lang="en-US" sz="1800" dirty="0"/>
+                            <a:t>0.25</a:t>
+                          </a:r>
+                        </a:p>
+                      </a:txBody>
+                      <a:tcPr>
+                        <a:lnL w="12700" cap="flat" cmpd="sng" algn="ctr">
+                          <a:solidFill>
+                            <a:schemeClr val="tx1"/>
+                          </a:solidFill>
+                          <a:prstDash val="solid"/>
+                          <a:round/>
+                          <a:headEnd type="none" w="med" len="med"/>
+                          <a:tailEnd type="none" w="med" len="med"/>
+                        </a:lnL>
+                        <a:lnR w="12700" cap="flat" cmpd="sng" algn="ctr">
+                          <a:solidFill>
+                            <a:schemeClr val="tx1"/>
+                          </a:solidFill>
+                          <a:prstDash val="solid"/>
+                          <a:round/>
+                          <a:headEnd type="none" w="med" len="med"/>
+                          <a:tailEnd type="none" w="med" len="med"/>
+                        </a:lnR>
+                        <a:lnT w="12700" cap="flat" cmpd="sng" algn="ctr">
+                          <a:solidFill>
+                            <a:schemeClr val="tx1"/>
+                          </a:solidFill>
+                          <a:prstDash val="solid"/>
+                          <a:round/>
+                          <a:headEnd type="none" w="med" len="med"/>
+                          <a:tailEnd type="none" w="med" len="med"/>
+                        </a:lnT>
+                        <a:lnB w="12700" cap="flat" cmpd="sng" algn="ctr">
+                          <a:solidFill>
+                            <a:schemeClr val="tx1"/>
+                          </a:solidFill>
+                          <a:prstDash val="solid"/>
+                          <a:round/>
+                          <a:headEnd type="none" w="med" len="med"/>
+                          <a:tailEnd type="none" w="med" len="med"/>
+                        </a:lnB>
+                        <a:lnTlToBr w="12700" cmpd="sng">
+                          <a:noFill/>
+                          <a:prstDash val="solid"/>
+                        </a:lnTlToBr>
+                        <a:lnBlToTr w="12700" cmpd="sng">
+                          <a:noFill/>
+                          <a:prstDash val="solid"/>
+                        </a:lnBlToTr>
+                        <a:solidFill>
+                          <a:schemeClr val="bg1">
+                            <a:lumMod val="95000"/>
+                          </a:schemeClr>
+                        </a:solidFill>
                       </a:tcPr>
                     </a:tc>
                     <a:tc>
@@ -22111,86 +25697,6 @@
                         <a:bodyPr/>
                         <a:lstStyle/>
                         <a:p>
-                          <a:pPr marL="0" marR="0" lvl="0" indent="0" algn="ctr" defTabSz="1219170" rtl="0" eaLnBrk="1" fontAlgn="auto" latinLnBrk="0" hangingPunct="1">
-                            <a:lnSpc>
-                              <a:spcPct val="100000"/>
-                            </a:lnSpc>
-                            <a:spcBef>
-                              <a:spcPts val="0"/>
-                            </a:spcBef>
-                            <a:spcAft>
-                              <a:spcPts val="0"/>
-                            </a:spcAft>
-                            <a:buClrTx/>
-                            <a:buSzTx/>
-                            <a:buFontTx/>
-                            <a:buNone/>
-                            <a:tabLst/>
-                            <a:defRPr/>
-                          </a:pPr>
-                          <a:r>
-                            <a:rPr lang="en-US" sz="1800" dirty="0"/>
-                            <a:t>0.10</a:t>
-                          </a:r>
-                        </a:p>
-                      </a:txBody>
-                      <a:tcPr>
-                        <a:lnL w="12700" cap="flat" cmpd="sng" algn="ctr">
-                          <a:solidFill>
-                            <a:schemeClr val="tx1"/>
-                          </a:solidFill>
-                          <a:prstDash val="solid"/>
-                          <a:round/>
-                          <a:headEnd type="none" w="med" len="med"/>
-                          <a:tailEnd type="none" w="med" len="med"/>
-                        </a:lnL>
-                        <a:lnR w="12700" cap="flat" cmpd="sng" algn="ctr">
-                          <a:solidFill>
-                            <a:schemeClr val="tx1"/>
-                          </a:solidFill>
-                          <a:prstDash val="solid"/>
-                          <a:round/>
-                          <a:headEnd type="none" w="med" len="med"/>
-                          <a:tailEnd type="none" w="med" len="med"/>
-                        </a:lnR>
-                        <a:lnT w="12700" cap="flat" cmpd="sng" algn="ctr">
-                          <a:solidFill>
-                            <a:schemeClr val="tx1"/>
-                          </a:solidFill>
-                          <a:prstDash val="solid"/>
-                          <a:round/>
-                          <a:headEnd type="none" w="med" len="med"/>
-                          <a:tailEnd type="none" w="med" len="med"/>
-                        </a:lnT>
-                        <a:lnB w="12700" cap="flat" cmpd="sng" algn="ctr">
-                          <a:solidFill>
-                            <a:schemeClr val="tx1"/>
-                          </a:solidFill>
-                          <a:prstDash val="solid"/>
-                          <a:round/>
-                          <a:headEnd type="none" w="med" len="med"/>
-                          <a:tailEnd type="none" w="med" len="med"/>
-                        </a:lnB>
-                        <a:lnTlToBr w="12700" cmpd="sng">
-                          <a:noFill/>
-                          <a:prstDash val="solid"/>
-                        </a:lnTlToBr>
-                        <a:lnBlToTr w="12700" cmpd="sng">
-                          <a:noFill/>
-                          <a:prstDash val="solid"/>
-                        </a:lnBlToTr>
-                        <a:solidFill>
-                          <a:schemeClr val="bg1">
-                            <a:lumMod val="95000"/>
-                          </a:schemeClr>
-                        </a:solidFill>
-                      </a:tcPr>
-                    </a:tc>
-                    <a:tc>
-                      <a:txBody>
-                        <a:bodyPr/>
-                        <a:lstStyle/>
-                        <a:p>
                           <a:pPr algn="ctr"/>
                           <a:r>
                             <a:rPr lang="en-US" sz="1800" dirty="0"/>
@@ -22321,10 +25827,9 @@
                         <a:p>
                           <a:pPr algn="ctr"/>
                           <a:r>
-                            <a:rPr lang="en-US" sz="1800"/>
+                            <a:rPr lang="en-US" sz="1800" dirty="0"/>
                             <a:t>0.0</a:t>
                           </a:r>
-                          <a:endParaRPr lang="en-US" sz="1800" dirty="0"/>
                         </a:p>
                       </a:txBody>
                       <a:tcPr>
@@ -22387,8 +25892,73 @@
                           <a:pPr algn="ctr"/>
                           <a:r>
                             <a:rPr lang="en-US" sz="1800" dirty="0"/>
-                            <a:t>0.0</a:t>
+                            <a:t>0.25</a:t>
                           </a:r>
+                        </a:p>
+                      </a:txBody>
+                      <a:tcPr>
+                        <a:lnL w="12700" cap="flat" cmpd="sng" algn="ctr">
+                          <a:solidFill>
+                            <a:schemeClr val="tx1"/>
+                          </a:solidFill>
+                          <a:prstDash val="solid"/>
+                          <a:round/>
+                          <a:headEnd type="none" w="med" len="med"/>
+                          <a:tailEnd type="none" w="med" len="med"/>
+                        </a:lnL>
+                        <a:lnR w="12700" cap="flat" cmpd="sng" algn="ctr">
+                          <a:solidFill>
+                            <a:schemeClr val="tx1"/>
+                          </a:solidFill>
+                          <a:prstDash val="solid"/>
+                          <a:round/>
+                          <a:headEnd type="none" w="med" len="med"/>
+                          <a:tailEnd type="none" w="med" len="med"/>
+                        </a:lnR>
+                        <a:lnT w="12700" cap="flat" cmpd="sng" algn="ctr">
+                          <a:solidFill>
+                            <a:schemeClr val="tx1"/>
+                          </a:solidFill>
+                          <a:prstDash val="solid"/>
+                          <a:round/>
+                          <a:headEnd type="none" w="med" len="med"/>
+                          <a:tailEnd type="none" w="med" len="med"/>
+                        </a:lnT>
+                        <a:lnB w="12700" cap="flat" cmpd="sng" algn="ctr">
+                          <a:solidFill>
+                            <a:schemeClr val="tx1"/>
+                          </a:solidFill>
+                          <a:prstDash val="solid"/>
+                          <a:round/>
+                          <a:headEnd type="none" w="med" len="med"/>
+                          <a:tailEnd type="none" w="med" len="med"/>
+                        </a:lnB>
+                        <a:lnTlToBr w="12700" cmpd="sng">
+                          <a:noFill/>
+                          <a:prstDash val="solid"/>
+                        </a:lnTlToBr>
+                        <a:lnBlToTr w="12700" cmpd="sng">
+                          <a:noFill/>
+                          <a:prstDash val="solid"/>
+                        </a:lnBlToTr>
+                        <a:solidFill>
+                          <a:schemeClr val="bg1">
+                            <a:lumMod val="95000"/>
+                          </a:schemeClr>
+                        </a:solidFill>
+                      </a:tcPr>
+                    </a:tc>
+                    <a:tc>
+                      <a:txBody>
+                        <a:bodyPr/>
+                        <a:lstStyle/>
+                        <a:p>
+                          <a:pPr algn="ctr"/>
+                          <a:r>
+                            <a:rPr lang="en-US" sz="1800" b="1" dirty="0"/>
+                            <a:t>1.0</a:t>
+                          </a:r>
+                          <a:endParaRPr lang="en-US" sz="1800" dirty="0"/>
                         </a:p>
                       </a:txBody>
                       <a:tcPr>
@@ -22506,7 +26076,7 @@
                         <a:blipFill>
                           <a:blip r:embed="rId8"/>
                           <a:stretch>
-                            <a:fillRect l="-671" t="-409333" r="-599329" b="-321333"/>
+                            <a:fillRect l="-769" t="-409333" r="-701538" b="-205333"/>
                           </a:stretch>
                         </a:blipFill>
                       </a:tcPr>
@@ -22662,10 +26232,9 @@
                         <a:p>
                           <a:pPr algn="ctr"/>
                           <a:r>
-                            <a:rPr lang="en-US" sz="1800"/>
+                            <a:rPr lang="en-US" sz="1800" dirty="0"/>
                             <a:t>0.0</a:t>
                           </a:r>
-                          <a:endParaRPr lang="en-US" sz="1800" dirty="0"/>
                         </a:p>
                       </a:txBody>
                       <a:tcPr>
@@ -22792,7 +26361,7 @@
                           <a:pPr algn="ctr"/>
                           <a:r>
                             <a:rPr lang="en-US" sz="1800" dirty="0"/>
-                            <a:t>0.50</a:t>
+                            <a:t>0.05</a:t>
                           </a:r>
                         </a:p>
                       </a:txBody>
@@ -22856,8 +26425,73 @@
                           <a:pPr algn="ctr"/>
                           <a:r>
                             <a:rPr lang="en-US" sz="1800" dirty="0"/>
-                            <a:t>0.25</a:t>
+                            <a:t>0.0</a:t>
                           </a:r>
+                        </a:p>
+                      </a:txBody>
+                      <a:tcPr>
+                        <a:lnL w="12700" cap="flat" cmpd="sng" algn="ctr">
+                          <a:solidFill>
+                            <a:schemeClr val="tx1"/>
+                          </a:solidFill>
+                          <a:prstDash val="solid"/>
+                          <a:round/>
+                          <a:headEnd type="none" w="med" len="med"/>
+                          <a:tailEnd type="none" w="med" len="med"/>
+                        </a:lnL>
+                        <a:lnR w="12700" cap="flat" cmpd="sng" algn="ctr">
+                          <a:solidFill>
+                            <a:schemeClr val="tx1"/>
+                          </a:solidFill>
+                          <a:prstDash val="solid"/>
+                          <a:round/>
+                          <a:headEnd type="none" w="med" len="med"/>
+                          <a:tailEnd type="none" w="med" len="med"/>
+                        </a:lnR>
+                        <a:lnT w="12700" cap="flat" cmpd="sng" algn="ctr">
+                          <a:solidFill>
+                            <a:schemeClr val="tx1"/>
+                          </a:solidFill>
+                          <a:prstDash val="solid"/>
+                          <a:round/>
+                          <a:headEnd type="none" w="med" len="med"/>
+                          <a:tailEnd type="none" w="med" len="med"/>
+                        </a:lnT>
+                        <a:lnB w="12700" cap="flat" cmpd="sng" algn="ctr">
+                          <a:solidFill>
+                            <a:schemeClr val="tx1"/>
+                          </a:solidFill>
+                          <a:prstDash val="solid"/>
+                          <a:round/>
+                          <a:headEnd type="none" w="med" len="med"/>
+                          <a:tailEnd type="none" w="med" len="med"/>
+                        </a:lnB>
+                        <a:lnTlToBr w="12700" cmpd="sng">
+                          <a:noFill/>
+                          <a:prstDash val="solid"/>
+                        </a:lnTlToBr>
+                        <a:lnBlToTr w="12700" cmpd="sng">
+                          <a:noFill/>
+                          <a:prstDash val="solid"/>
+                        </a:lnBlToTr>
+                        <a:solidFill>
+                          <a:schemeClr val="bg1">
+                            <a:lumMod val="95000"/>
+                          </a:schemeClr>
+                        </a:solidFill>
+                      </a:tcPr>
+                    </a:tc>
+                    <a:tc>
+                      <a:txBody>
+                        <a:bodyPr/>
+                        <a:lstStyle/>
+                        <a:p>
+                          <a:pPr algn="ctr"/>
+                          <a:r>
+                            <a:rPr lang="en-US" sz="1800" b="1" dirty="0"/>
+                            <a:t>1.0</a:t>
+                          </a:r>
+                          <a:endParaRPr lang="en-US" sz="1800" dirty="0"/>
                         </a:p>
                       </a:txBody>
                       <a:tcPr>
@@ -22975,7 +26609,7 @@
                         <a:blipFill>
                           <a:blip r:embed="rId8"/>
                           <a:stretch>
-                            <a:fillRect l="-671" t="-509333" r="-599329" b="-221333"/>
+                            <a:fillRect l="-769" t="-509333" r="-701538" b="-105333"/>
                           </a:stretch>
                         </a:blipFill>
                       </a:tcPr>
@@ -22987,10 +26621,9 @@
                         <a:p>
                           <a:pPr algn="ctr"/>
                           <a:r>
-                            <a:rPr lang="en-US" sz="1800"/>
+                            <a:rPr lang="en-US" sz="1800" dirty="0"/>
                             <a:t>0.0</a:t>
                           </a:r>
-                          <a:endParaRPr lang="en-US" sz="1800" dirty="0"/>
                         </a:p>
                       </a:txBody>
                       <a:tcPr>
@@ -23069,7 +26702,7 @@
                           </a:pPr>
                           <a:r>
                             <a:rPr lang="en-US" sz="1800" dirty="0"/>
-                            <a:t>0.15</a:t>
+                            <a:t>0.0</a:t>
                           </a:r>
                         </a:p>
                       </a:txBody>
@@ -23132,10 +26765,9 @@
                         <a:p>
                           <a:pPr algn="ctr"/>
                           <a:r>
-                            <a:rPr lang="en-US" sz="1800"/>
+                            <a:rPr lang="en-US" sz="1800" dirty="0"/>
                             <a:t>0.0</a:t>
                           </a:r>
-                          <a:endParaRPr lang="en-US" sz="1800" dirty="0"/>
                         </a:p>
                       </a:txBody>
                       <a:tcPr>
@@ -23214,7 +26846,7 @@
                           </a:pPr>
                           <a:r>
                             <a:rPr lang="en-US" sz="1800" dirty="0"/>
-                            <a:t>0.05</a:t>
+                            <a:t>0.50</a:t>
                           </a:r>
                         </a:p>
                       </a:txBody>
@@ -23342,8 +26974,73 @@
                           <a:pPr algn="ctr"/>
                           <a:r>
                             <a:rPr lang="en-US" sz="1800" dirty="0"/>
-                            <a:t>0.0</a:t>
+                            <a:t>0.25</a:t>
                           </a:r>
+                        </a:p>
+                      </a:txBody>
+                      <a:tcPr>
+                        <a:lnL w="12700" cap="flat" cmpd="sng" algn="ctr">
+                          <a:solidFill>
+                            <a:schemeClr val="tx1"/>
+                          </a:solidFill>
+                          <a:prstDash val="solid"/>
+                          <a:round/>
+                          <a:headEnd type="none" w="med" len="med"/>
+                          <a:tailEnd type="none" w="med" len="med"/>
+                        </a:lnL>
+                        <a:lnR w="12700" cap="flat" cmpd="sng" algn="ctr">
+                          <a:solidFill>
+                            <a:schemeClr val="tx1"/>
+                          </a:solidFill>
+                          <a:prstDash val="solid"/>
+                          <a:round/>
+                          <a:headEnd type="none" w="med" len="med"/>
+                          <a:tailEnd type="none" w="med" len="med"/>
+                        </a:lnR>
+                        <a:lnT w="12700" cap="flat" cmpd="sng" algn="ctr">
+                          <a:solidFill>
+                            <a:schemeClr val="tx1"/>
+                          </a:solidFill>
+                          <a:prstDash val="solid"/>
+                          <a:round/>
+                          <a:headEnd type="none" w="med" len="med"/>
+                          <a:tailEnd type="none" w="med" len="med"/>
+                        </a:lnT>
+                        <a:lnB w="12700" cap="flat" cmpd="sng" algn="ctr">
+                          <a:solidFill>
+                            <a:schemeClr val="tx1"/>
+                          </a:solidFill>
+                          <a:prstDash val="solid"/>
+                          <a:round/>
+                          <a:headEnd type="none" w="med" len="med"/>
+                          <a:tailEnd type="none" w="med" len="med"/>
+                        </a:lnB>
+                        <a:lnTlToBr w="12700" cmpd="sng">
+                          <a:noFill/>
+                          <a:prstDash val="solid"/>
+                        </a:lnTlToBr>
+                        <a:lnBlToTr w="12700" cmpd="sng">
+                          <a:noFill/>
+                          <a:prstDash val="solid"/>
+                        </a:lnBlToTr>
+                        <a:solidFill>
+                          <a:schemeClr val="bg1">
+                            <a:lumMod val="95000"/>
+                          </a:schemeClr>
+                        </a:solidFill>
+                      </a:tcPr>
+                    </a:tc>
+                    <a:tc>
+                      <a:txBody>
+                        <a:bodyPr/>
+                        <a:lstStyle/>
+                        <a:p>
+                          <a:pPr algn="ctr"/>
+                          <a:r>
+                            <a:rPr lang="en-US" sz="1800" b="1" dirty="0"/>
+                            <a:t>1.0</a:t>
+                          </a:r>
+                          <a:endParaRPr lang="en-US" sz="1800" dirty="0"/>
                         </a:p>
                       </a:txBody>
                       <a:tcPr>
@@ -23461,7 +27158,7 @@
                         <a:blipFill>
                           <a:blip r:embed="rId8"/>
                           <a:stretch>
-                            <a:fillRect l="-671" t="-609333" r="-599329" b="-121333"/>
+                            <a:fillRect l="-769" t="-609333" r="-701538" b="-5333"/>
                           </a:stretch>
                         </a:blipFill>
                       </a:tcPr>
@@ -23474,7 +27171,7 @@
                           <a:pPr algn="ctr"/>
                           <a:r>
                             <a:rPr lang="en-US" sz="1800" dirty="0"/>
-                            <a:t>0.0</a:t>
+                            <a:t>0.25</a:t>
                           </a:r>
                         </a:p>
                       </a:txBody>
@@ -23602,6 +27299,70 @@
                           <a:pPr algn="ctr"/>
                           <a:r>
                             <a:rPr lang="en-US" sz="1800" dirty="0"/>
+                            <a:t>0.0</a:t>
+                          </a:r>
+                        </a:p>
+                      </a:txBody>
+                      <a:tcPr>
+                        <a:lnL w="12700" cap="flat" cmpd="sng" algn="ctr">
+                          <a:solidFill>
+                            <a:schemeClr val="tx1"/>
+                          </a:solidFill>
+                          <a:prstDash val="solid"/>
+                          <a:round/>
+                          <a:headEnd type="none" w="med" len="med"/>
+                          <a:tailEnd type="none" w="med" len="med"/>
+                        </a:lnL>
+                        <a:lnR w="12700" cap="flat" cmpd="sng" algn="ctr">
+                          <a:solidFill>
+                            <a:schemeClr val="tx1"/>
+                          </a:solidFill>
+                          <a:prstDash val="solid"/>
+                          <a:round/>
+                          <a:headEnd type="none" w="med" len="med"/>
+                          <a:tailEnd type="none" w="med" len="med"/>
+                        </a:lnR>
+                        <a:lnT w="12700" cap="flat" cmpd="sng" algn="ctr">
+                          <a:solidFill>
+                            <a:schemeClr val="tx1"/>
+                          </a:solidFill>
+                          <a:prstDash val="solid"/>
+                          <a:round/>
+                          <a:headEnd type="none" w="med" len="med"/>
+                          <a:tailEnd type="none" w="med" len="med"/>
+                        </a:lnT>
+                        <a:lnB w="12700" cap="flat" cmpd="sng" algn="ctr">
+                          <a:solidFill>
+                            <a:schemeClr val="tx1"/>
+                          </a:solidFill>
+                          <a:prstDash val="solid"/>
+                          <a:round/>
+                          <a:headEnd type="none" w="med" len="med"/>
+                          <a:tailEnd type="none" w="med" len="med"/>
+                        </a:lnB>
+                        <a:lnTlToBr w="12700" cmpd="sng">
+                          <a:noFill/>
+                          <a:prstDash val="solid"/>
+                        </a:lnTlToBr>
+                        <a:lnBlToTr w="12700" cmpd="sng">
+                          <a:noFill/>
+                          <a:prstDash val="solid"/>
+                        </a:lnBlToTr>
+                        <a:solidFill>
+                          <a:schemeClr val="bg1">
+                            <a:lumMod val="95000"/>
+                          </a:schemeClr>
+                        </a:solidFill>
+                      </a:tcPr>
+                    </a:tc>
+                    <a:tc>
+                      <a:txBody>
+                        <a:bodyPr/>
+                        <a:lstStyle/>
+                        <a:p>
+                          <a:pPr algn="ctr"/>
+                          <a:r>
+                            <a:rPr lang="en-US" sz="1800" dirty="0"/>
                             <a:t>0.25</a:t>
                           </a:r>
                         </a:p>
@@ -23730,203 +27491,7 @@
                           <a:pPr algn="ctr"/>
                           <a:r>
                             <a:rPr lang="en-US" sz="1800" dirty="0"/>
-                            <a:t>0.25</a:t>
-                          </a:r>
-                        </a:p>
-                      </a:txBody>
-                      <a:tcPr>
-                        <a:lnL w="12700" cap="flat" cmpd="sng" algn="ctr">
-                          <a:solidFill>
-                            <a:schemeClr val="tx1"/>
-                          </a:solidFill>
-                          <a:prstDash val="solid"/>
-                          <a:round/>
-                          <a:headEnd type="none" w="med" len="med"/>
-                          <a:tailEnd type="none" w="med" len="med"/>
-                        </a:lnL>
-                        <a:lnR w="12700" cap="flat" cmpd="sng" algn="ctr">
-                          <a:solidFill>
-                            <a:schemeClr val="tx1"/>
-                          </a:solidFill>
-                          <a:prstDash val="solid"/>
-                          <a:round/>
-                          <a:headEnd type="none" w="med" len="med"/>
-                          <a:tailEnd type="none" w="med" len="med"/>
-                        </a:lnR>
-                        <a:lnT w="12700" cap="flat" cmpd="sng" algn="ctr">
-                          <a:solidFill>
-                            <a:schemeClr val="tx1"/>
-                          </a:solidFill>
-                          <a:prstDash val="solid"/>
-                          <a:round/>
-                          <a:headEnd type="none" w="med" len="med"/>
-                          <a:tailEnd type="none" w="med" len="med"/>
-                        </a:lnT>
-                        <a:lnB w="12700" cap="flat" cmpd="sng" algn="ctr">
-                          <a:solidFill>
-                            <a:schemeClr val="tx1"/>
-                          </a:solidFill>
-                          <a:prstDash val="solid"/>
-                          <a:round/>
-                          <a:headEnd type="none" w="med" len="med"/>
-                          <a:tailEnd type="none" w="med" len="med"/>
-                        </a:lnB>
-                        <a:lnTlToBr w="12700" cmpd="sng">
-                          <a:noFill/>
-                          <a:prstDash val="solid"/>
-                        </a:lnTlToBr>
-                        <a:lnBlToTr w="12700" cmpd="sng">
-                          <a:noFill/>
-                          <a:prstDash val="solid"/>
-                        </a:lnBlToTr>
-                        <a:solidFill>
-                          <a:schemeClr val="bg1">
-                            <a:lumMod val="95000"/>
-                          </a:schemeClr>
-                        </a:solidFill>
-                      </a:tcPr>
-                    </a:tc>
-                    <a:tc>
-                      <a:txBody>
-                        <a:bodyPr/>
-                        <a:lstStyle/>
-                        <a:p>
-                          <a:pPr algn="ctr"/>
-                          <a:r>
-                            <a:rPr lang="en-US" sz="1800" dirty="0"/>
                             <a:t>0.50</a:t>
-                          </a:r>
-                        </a:p>
-                      </a:txBody>
-                      <a:tcPr>
-                        <a:lnL w="12700" cap="flat" cmpd="sng" algn="ctr">
-                          <a:solidFill>
-                            <a:schemeClr val="tx1"/>
-                          </a:solidFill>
-                          <a:prstDash val="solid"/>
-                          <a:round/>
-                          <a:headEnd type="none" w="med" len="med"/>
-                          <a:tailEnd type="none" w="med" len="med"/>
-                        </a:lnL>
-                        <a:lnR w="12700" cap="flat" cmpd="sng" algn="ctr">
-                          <a:solidFill>
-                            <a:schemeClr val="tx1"/>
-                          </a:solidFill>
-                          <a:prstDash val="solid"/>
-                          <a:round/>
-                          <a:headEnd type="none" w="med" len="med"/>
-                          <a:tailEnd type="none" w="med" len="med"/>
-                        </a:lnR>
-                        <a:lnT w="12700" cap="flat" cmpd="sng" algn="ctr">
-                          <a:solidFill>
-                            <a:schemeClr val="tx1"/>
-                          </a:solidFill>
-                          <a:prstDash val="solid"/>
-                          <a:round/>
-                          <a:headEnd type="none" w="med" len="med"/>
-                          <a:tailEnd type="none" w="med" len="med"/>
-                        </a:lnT>
-                        <a:lnB w="12700" cap="flat" cmpd="sng" algn="ctr">
-                          <a:solidFill>
-                            <a:schemeClr val="tx1"/>
-                          </a:solidFill>
-                          <a:prstDash val="solid"/>
-                          <a:round/>
-                          <a:headEnd type="none" w="med" len="med"/>
-                          <a:tailEnd type="none" w="med" len="med"/>
-                        </a:lnB>
-                        <a:lnTlToBr w="12700" cmpd="sng">
-                          <a:noFill/>
-                          <a:prstDash val="solid"/>
-                        </a:lnTlToBr>
-                        <a:lnBlToTr w="12700" cmpd="sng">
-                          <a:noFill/>
-                          <a:prstDash val="solid"/>
-                        </a:lnBlToTr>
-                        <a:solidFill>
-                          <a:schemeClr val="bg1">
-                            <a:lumMod val="95000"/>
-                          </a:schemeClr>
-                        </a:solidFill>
-                      </a:tcPr>
-                    </a:tc>
-                    <a:extLst>
-                      <a:ext uri="{0D108BD9-81ED-4DB2-BD59-A6C34878D82A}">
-                        <a16:rowId xmlns:a16="http://schemas.microsoft.com/office/drawing/2014/main" val="4273461930"/>
-                      </a:ext>
-                    </a:extLst>
-                  </a:tr>
-                  <a:tr h="457200">
-                    <a:tc>
-                      <a:txBody>
-                        <a:bodyPr/>
-                        <a:lstStyle/>
-                        <a:p>
-                          <a:endParaRPr lang="en-US"/>
-                        </a:p>
-                      </a:txBody>
-                      <a:tcPr>
-                        <a:lnL w="12700" cap="flat" cmpd="sng" algn="ctr">
-                          <a:solidFill>
-                            <a:schemeClr val="tx1"/>
-                          </a:solidFill>
-                          <a:prstDash val="solid"/>
-                          <a:round/>
-                          <a:headEnd type="none" w="med" len="med"/>
-                          <a:tailEnd type="none" w="med" len="med"/>
-                        </a:lnL>
-                        <a:lnR w="12700" cap="flat" cmpd="sng" algn="ctr">
-                          <a:solidFill>
-                            <a:schemeClr val="tx1"/>
-                          </a:solidFill>
-                          <a:prstDash val="solid"/>
-                          <a:round/>
-                          <a:headEnd type="none" w="med" len="med"/>
-                          <a:tailEnd type="none" w="med" len="med"/>
-                        </a:lnR>
-                        <a:lnT w="12700" cap="flat" cmpd="sng" algn="ctr">
-                          <a:solidFill>
-                            <a:schemeClr val="tx1"/>
-                          </a:solidFill>
-                          <a:prstDash val="solid"/>
-                          <a:round/>
-                          <a:headEnd type="none" w="med" len="med"/>
-                          <a:tailEnd type="none" w="med" len="med"/>
-                        </a:lnT>
-                        <a:lnB w="12700" cap="flat" cmpd="sng" algn="ctr">
-                          <a:solidFill>
-                            <a:schemeClr val="tx1"/>
-                          </a:solidFill>
-                          <a:prstDash val="solid"/>
-                          <a:round/>
-                          <a:headEnd type="none" w="med" len="med"/>
-                          <a:tailEnd type="none" w="med" len="med"/>
-                        </a:lnB>
-                        <a:lnTlToBr w="12700" cmpd="sng">
-                          <a:noFill/>
-                          <a:prstDash val="solid"/>
-                        </a:lnTlToBr>
-                        <a:lnBlToTr w="12700" cmpd="sng">
-                          <a:noFill/>
-                          <a:prstDash val="solid"/>
-                        </a:lnBlToTr>
-                        <a:blipFill>
-                          <a:blip r:embed="rId8"/>
-                          <a:stretch>
-                            <a:fillRect l="-671" t="-709333" r="-599329" b="-21333"/>
-                          </a:stretch>
-                        </a:blipFill>
-                      </a:tcPr>
-                    </a:tc>
-                    <a:tc>
-                      <a:txBody>
-                        <a:bodyPr/>
-                        <a:lstStyle/>
-                        <a:p>
-                          <a:pPr algn="ctr"/>
-                          <a:r>
-                            <a:rPr lang="en-US" sz="1800" b="1" dirty="0"/>
-                            <a:t>1.0</a:t>
                           </a:r>
                         </a:p>
                       </a:txBody>
@@ -23992,262 +27557,7 @@
                             <a:rPr lang="en-US" sz="1800" b="1" dirty="0"/>
                             <a:t>1.0</a:t>
                           </a:r>
-                        </a:p>
-                      </a:txBody>
-                      <a:tcPr>
-                        <a:lnL w="12700" cap="flat" cmpd="sng" algn="ctr">
-                          <a:solidFill>
-                            <a:schemeClr val="tx1"/>
-                          </a:solidFill>
-                          <a:prstDash val="solid"/>
-                          <a:round/>
-                          <a:headEnd type="none" w="med" len="med"/>
-                          <a:tailEnd type="none" w="med" len="med"/>
-                        </a:lnL>
-                        <a:lnR w="12700" cap="flat" cmpd="sng" algn="ctr">
-                          <a:solidFill>
-                            <a:schemeClr val="tx1"/>
-                          </a:solidFill>
-                          <a:prstDash val="solid"/>
-                          <a:round/>
-                          <a:headEnd type="none" w="med" len="med"/>
-                          <a:tailEnd type="none" w="med" len="med"/>
-                        </a:lnR>
-                        <a:lnT w="12700" cap="flat" cmpd="sng" algn="ctr">
-                          <a:solidFill>
-                            <a:schemeClr val="tx1"/>
-                          </a:solidFill>
-                          <a:prstDash val="solid"/>
-                          <a:round/>
-                          <a:headEnd type="none" w="med" len="med"/>
-                          <a:tailEnd type="none" w="med" len="med"/>
-                        </a:lnT>
-                        <a:lnB w="12700" cap="flat" cmpd="sng" algn="ctr">
-                          <a:solidFill>
-                            <a:schemeClr val="tx1"/>
-                          </a:solidFill>
-                          <a:prstDash val="solid"/>
-                          <a:round/>
-                          <a:headEnd type="none" w="med" len="med"/>
-                          <a:tailEnd type="none" w="med" len="med"/>
-                        </a:lnB>
-                        <a:lnTlToBr w="12700" cmpd="sng">
-                          <a:noFill/>
-                          <a:prstDash val="solid"/>
-                        </a:lnTlToBr>
-                        <a:lnBlToTr w="12700" cmpd="sng">
-                          <a:noFill/>
-                          <a:prstDash val="solid"/>
-                        </a:lnBlToTr>
-                        <a:solidFill>
-                          <a:schemeClr val="bg1">
-                            <a:lumMod val="95000"/>
-                          </a:schemeClr>
-                        </a:solidFill>
-                      </a:tcPr>
-                    </a:tc>
-                    <a:tc>
-                      <a:txBody>
-                        <a:bodyPr/>
-                        <a:lstStyle/>
-                        <a:p>
-                          <a:pPr algn="ctr"/>
-                          <a:r>
-                            <a:rPr lang="en-US" sz="1800" b="1" dirty="0"/>
-                            <a:t>1.0</a:t>
-                          </a:r>
-                        </a:p>
-                      </a:txBody>
-                      <a:tcPr>
-                        <a:lnL w="12700" cap="flat" cmpd="sng" algn="ctr">
-                          <a:solidFill>
-                            <a:schemeClr val="tx1"/>
-                          </a:solidFill>
-                          <a:prstDash val="solid"/>
-                          <a:round/>
-                          <a:headEnd type="none" w="med" len="med"/>
-                          <a:tailEnd type="none" w="med" len="med"/>
-                        </a:lnL>
-                        <a:lnR w="12700" cap="flat" cmpd="sng" algn="ctr">
-                          <a:solidFill>
-                            <a:schemeClr val="tx1"/>
-                          </a:solidFill>
-                          <a:prstDash val="solid"/>
-                          <a:round/>
-                          <a:headEnd type="none" w="med" len="med"/>
-                          <a:tailEnd type="none" w="med" len="med"/>
-                        </a:lnR>
-                        <a:lnT w="12700" cap="flat" cmpd="sng" algn="ctr">
-                          <a:solidFill>
-                            <a:schemeClr val="tx1"/>
-                          </a:solidFill>
-                          <a:prstDash val="solid"/>
-                          <a:round/>
-                          <a:headEnd type="none" w="med" len="med"/>
-                          <a:tailEnd type="none" w="med" len="med"/>
-                        </a:lnT>
-                        <a:lnB w="12700" cap="flat" cmpd="sng" algn="ctr">
-                          <a:solidFill>
-                            <a:schemeClr val="tx1"/>
-                          </a:solidFill>
-                          <a:prstDash val="solid"/>
-                          <a:round/>
-                          <a:headEnd type="none" w="med" len="med"/>
-                          <a:tailEnd type="none" w="med" len="med"/>
-                        </a:lnB>
-                        <a:lnTlToBr w="12700" cmpd="sng">
-                          <a:noFill/>
-                          <a:prstDash val="solid"/>
-                        </a:lnTlToBr>
-                        <a:lnBlToTr w="12700" cmpd="sng">
-                          <a:noFill/>
-                          <a:prstDash val="solid"/>
-                        </a:lnBlToTr>
-                        <a:solidFill>
-                          <a:schemeClr val="bg1">
-                            <a:lumMod val="95000"/>
-                          </a:schemeClr>
-                        </a:solidFill>
-                      </a:tcPr>
-                    </a:tc>
-                    <a:tc>
-                      <a:txBody>
-                        <a:bodyPr/>
-                        <a:lstStyle/>
-                        <a:p>
-                          <a:pPr algn="ctr"/>
-                          <a:r>
-                            <a:rPr lang="en-US" sz="1800" b="1" dirty="0"/>
-                            <a:t>1.0</a:t>
-                          </a:r>
-                        </a:p>
-                      </a:txBody>
-                      <a:tcPr>
-                        <a:lnL w="12700" cap="flat" cmpd="sng" algn="ctr">
-                          <a:solidFill>
-                            <a:schemeClr val="tx1"/>
-                          </a:solidFill>
-                          <a:prstDash val="solid"/>
-                          <a:round/>
-                          <a:headEnd type="none" w="med" len="med"/>
-                          <a:tailEnd type="none" w="med" len="med"/>
-                        </a:lnL>
-                        <a:lnR w="12700" cap="flat" cmpd="sng" algn="ctr">
-                          <a:solidFill>
-                            <a:schemeClr val="tx1"/>
-                          </a:solidFill>
-                          <a:prstDash val="solid"/>
-                          <a:round/>
-                          <a:headEnd type="none" w="med" len="med"/>
-                          <a:tailEnd type="none" w="med" len="med"/>
-                        </a:lnR>
-                        <a:lnT w="12700" cap="flat" cmpd="sng" algn="ctr">
-                          <a:solidFill>
-                            <a:schemeClr val="tx1"/>
-                          </a:solidFill>
-                          <a:prstDash val="solid"/>
-                          <a:round/>
-                          <a:headEnd type="none" w="med" len="med"/>
-                          <a:tailEnd type="none" w="med" len="med"/>
-                        </a:lnT>
-                        <a:lnB w="12700" cap="flat" cmpd="sng" algn="ctr">
-                          <a:solidFill>
-                            <a:schemeClr val="tx1"/>
-                          </a:solidFill>
-                          <a:prstDash val="solid"/>
-                          <a:round/>
-                          <a:headEnd type="none" w="med" len="med"/>
-                          <a:tailEnd type="none" w="med" len="med"/>
-                        </a:lnB>
-                        <a:lnTlToBr w="12700" cmpd="sng">
-                          <a:noFill/>
-                          <a:prstDash val="solid"/>
-                        </a:lnTlToBr>
-                        <a:lnBlToTr w="12700" cmpd="sng">
-                          <a:noFill/>
-                          <a:prstDash val="solid"/>
-                        </a:lnBlToTr>
-                        <a:solidFill>
-                          <a:schemeClr val="bg1">
-                            <a:lumMod val="95000"/>
-                          </a:schemeClr>
-                        </a:solidFill>
-                      </a:tcPr>
-                    </a:tc>
-                    <a:tc>
-                      <a:txBody>
-                        <a:bodyPr/>
-                        <a:lstStyle/>
-                        <a:p>
-                          <a:pPr algn="ctr"/>
-                          <a:r>
-                            <a:rPr lang="en-US" sz="1800" b="1" dirty="0"/>
-                            <a:t>1.0</a:t>
-                          </a:r>
-                        </a:p>
-                      </a:txBody>
-                      <a:tcPr>
-                        <a:lnL w="12700" cap="flat" cmpd="sng" algn="ctr">
-                          <a:solidFill>
-                            <a:schemeClr val="tx1"/>
-                          </a:solidFill>
-                          <a:prstDash val="solid"/>
-                          <a:round/>
-                          <a:headEnd type="none" w="med" len="med"/>
-                          <a:tailEnd type="none" w="med" len="med"/>
-                        </a:lnL>
-                        <a:lnR w="12700" cap="flat" cmpd="sng" algn="ctr">
-                          <a:solidFill>
-                            <a:schemeClr val="tx1"/>
-                          </a:solidFill>
-                          <a:prstDash val="solid"/>
-                          <a:round/>
-                          <a:headEnd type="none" w="med" len="med"/>
-                          <a:tailEnd type="none" w="med" len="med"/>
-                        </a:lnR>
-                        <a:lnT w="12700" cap="flat" cmpd="sng" algn="ctr">
-                          <a:solidFill>
-                            <a:schemeClr val="tx1"/>
-                          </a:solidFill>
-                          <a:prstDash val="solid"/>
-                          <a:round/>
-                          <a:headEnd type="none" w="med" len="med"/>
-                          <a:tailEnd type="none" w="med" len="med"/>
-                        </a:lnT>
-                        <a:lnB w="12700" cap="flat" cmpd="sng" algn="ctr">
-                          <a:solidFill>
-                            <a:schemeClr val="tx1"/>
-                          </a:solidFill>
-                          <a:prstDash val="solid"/>
-                          <a:round/>
-                          <a:headEnd type="none" w="med" len="med"/>
-                          <a:tailEnd type="none" w="med" len="med"/>
-                        </a:lnB>
-                        <a:lnTlToBr w="12700" cmpd="sng">
-                          <a:noFill/>
-                          <a:prstDash val="solid"/>
-                        </a:lnTlToBr>
-                        <a:lnBlToTr w="12700" cmpd="sng">
-                          <a:noFill/>
-                          <a:prstDash val="solid"/>
-                        </a:lnBlToTr>
-                        <a:solidFill>
-                          <a:schemeClr val="bg1">
-                            <a:lumMod val="95000"/>
-                          </a:schemeClr>
-                        </a:solidFill>
-                      </a:tcPr>
-                    </a:tc>
-                    <a:tc>
-                      <a:txBody>
-                        <a:bodyPr/>
-                        <a:lstStyle/>
-                        <a:p>
-                          <a:pPr algn="ctr"/>
-                          <a:r>
-                            <a:rPr lang="en-US" sz="1800" b="1" dirty="0"/>
-                            <a:t>1.0</a:t>
-                          </a:r>
+                          <a:endParaRPr lang="en-US" sz="1800" dirty="0"/>
                         </a:p>
                       </a:txBody>
                       <a:tcPr>
@@ -24304,7 +27614,7 @@
                     </a:tc>
                     <a:extLst>
                       <a:ext uri="{0D108BD9-81ED-4DB2-BD59-A6C34878D82A}">
-                        <a16:rowId xmlns:a16="http://schemas.microsoft.com/office/drawing/2014/main" val="2870118069"/>
+                        <a16:rowId xmlns:a16="http://schemas.microsoft.com/office/drawing/2014/main" val="4273461930"/>
                       </a:ext>
                     </a:extLst>
                   </a:tr>
@@ -24314,8 +27624,8 @@
           </p:graphicFrame>
         </mc:Fallback>
       </mc:AlternateContent>
-      <mc:AlternateContent xmlns:mc="http://schemas.openxmlformats.org/markup-compatibility/2006" xmlns:a14="http://schemas.microsoft.com/office/drawing/2010/main">
-        <mc:Choice Requires="a14">
+      <mc:AlternateContent xmlns:mc="http://schemas.openxmlformats.org/markup-compatibility/2006">
+        <mc:Choice xmlns:a14="http://schemas.microsoft.com/office/drawing/2010/main" Requires="a14">
           <p:sp>
             <p:nvSpPr>
               <p:cNvPr id="133" name="TextBox 132">
@@ -24436,7 +27746,7 @@
                     </a:solidFill>
                     <a:latin typeface="+mj-lt"/>
                   </a:rPr>
-                  <a:t>whose columns are probability vectors </a:t>
+                  <a:t>whose rows are probability vectors </a:t>
                 </a:r>
                 <a14:m>
                   <m:oMath xmlns:m="http://schemas.openxmlformats.org/officeDocument/2006/math">
@@ -24492,7 +27802,7 @@
             </p:txBody>
           </p:sp>
         </mc:Choice>
-        <mc:Fallback xmlns="">
+        <mc:Fallback>
           <p:sp>
             <p:nvSpPr>
               <p:cNvPr id="133" name="TextBox 132">
@@ -24551,8 +27861,8 @@
         </p:nvSpPr>
         <p:spPr bwMode="gray">
           <a:xfrm>
-            <a:off x="9724800" y="2449662"/>
-            <a:ext cx="1004758" cy="4164985"/>
+            <a:off x="5148088" y="5368729"/>
+            <a:ext cx="4773579" cy="468049"/>
           </a:xfrm>
           <a:prstGeom prst="rect">
             <a:avLst/>
@@ -24694,7 +28004,7 @@
             </a:pPr>
             <a:r>
               <a:rPr lang="en-US" b="1" dirty="0"/>
-              <a:t>Source states</a:t>
+              <a:t>Target states</a:t>
             </a:r>
           </a:p>
         </p:txBody>
@@ -24713,7 +28023,7 @@
         </p:nvSpPr>
         <p:spPr bwMode="gray">
           <a:xfrm rot="16200000">
-            <a:off x="3245329" y="4482481"/>
+            <a:off x="3227428" y="4177226"/>
             <a:ext cx="1792192" cy="295739"/>
           </a:xfrm>
           <a:prstGeom prst="rect">
@@ -24741,7 +28051,7 @@
             </a:pPr>
             <a:r>
               <a:rPr lang="en-US" b="1" dirty="0"/>
-              <a:t>Target states</a:t>
+              <a:t>Source states</a:t>
             </a:r>
           </a:p>
         </p:txBody>
@@ -24795,8 +28105,8 @@
           </a:fontRef>
         </p:style>
       </p:cxnSp>
-      <mc:AlternateContent xmlns:mc="http://schemas.openxmlformats.org/markup-compatibility/2006" xmlns:a14="http://schemas.microsoft.com/office/drawing/2010/main">
-        <mc:Choice Requires="a14">
+      <mc:AlternateContent xmlns:mc="http://schemas.openxmlformats.org/markup-compatibility/2006">
+        <mc:Choice xmlns:a14="http://schemas.microsoft.com/office/drawing/2010/main" Requires="a14">
           <p:sp>
             <p:nvSpPr>
               <p:cNvPr id="34" name="TextBox 33">
@@ -24811,7 +28121,7 @@
             </p:nvSpPr>
             <p:spPr bwMode="gray">
               <a:xfrm>
-                <a:off x="9983978" y="1890796"/>
+                <a:off x="7287483" y="5832276"/>
                 <a:ext cx="490382" cy="461665"/>
               </a:xfrm>
               <a:prstGeom prst="rect">
@@ -24877,7 +28187,7 @@
             </p:txBody>
           </p:sp>
         </mc:Choice>
-        <mc:Fallback xmlns="">
+        <mc:Fallback>
           <p:sp>
             <p:nvSpPr>
               <p:cNvPr id="34" name="TextBox 33">
@@ -24894,7 +28204,7 @@
             </p:nvSpPr>
             <p:spPr bwMode="gray">
               <a:xfrm>
-                <a:off x="9983978" y="1890796"/>
+                <a:off x="7287483" y="5832276"/>
                 <a:ext cx="490382" cy="461665"/>
               </a:xfrm>
               <a:prstGeom prst="rect">
@@ -24903,7 +28213,7 @@
               <a:blipFill>
                 <a:blip r:embed="rId10"/>
                 <a:stretch>
-                  <a:fillRect b="-3947"/>
+                  <a:fillRect b="-4000"/>
                 </a:stretch>
               </a:blipFill>
             </p:spPr>
@@ -24925,7 +28235,7 @@
     </p:spTree>
     <p:extLst>
       <p:ext uri="{BB962C8B-B14F-4D97-AF65-F5344CB8AC3E}">
-        <p14:creationId xmlns:p14="http://schemas.microsoft.com/office/powerpoint/2010/main" val="2543439537"/>
+        <p14:creationId xmlns:p14="http://schemas.microsoft.com/office/powerpoint/2010/main" val="1028320524"/>
       </p:ext>
     </p:extLst>
   </p:cSld>

--- a/ProjectDescriptions/P1-Discrete Time Markov Chains.pptx
+++ b/ProjectDescriptions/P1-Discrete Time Markov Chains.pptx
@@ -210,7 +210,7 @@
           <a:p>
             <a:fld id="{A0C1F70C-5BF6-43D2-96A0-6511110BD68E}" type="datetimeFigureOut">
               <a:rPr lang="en-US" smtClean="0"/>
-              <a:t>11/15/2022</a:t>
+              <a:t>11/20/2022</a:t>
             </a:fld>
             <a:endParaRPr lang="en-US"/>
           </a:p>
@@ -2456,7 +2456,7 @@
           <a:p>
             <a:fld id="{D56A5F13-4F86-5646-9B99-A42325757066}" type="datetime1">
               <a:rPr lang="en-US" smtClean="0"/>
-              <a:t>11/15/2022</a:t>
+              <a:t>11/20/2022</a:t>
             </a:fld>
             <a:endParaRPr lang="en-US"/>
           </a:p>
@@ -2745,7 +2745,7 @@
           <a:p>
             <a:fld id="{34C8E77E-B710-C741-B9C3-BDFAF2BD28F5}" type="datetime1">
               <a:rPr lang="en-US" smtClean="0"/>
-              <a:t>11/15/2022</a:t>
+              <a:t>11/20/2022</a:t>
             </a:fld>
             <a:endParaRPr lang="en-US"/>
           </a:p>
@@ -3034,7 +3034,7 @@
           <a:p>
             <a:fld id="{3CC70E32-BC87-A748-B8DC-BBE1A8E155BB}" type="datetime1">
               <a:rPr lang="en-US" smtClean="0"/>
-              <a:t>11/15/2022</a:t>
+              <a:t>11/20/2022</a:t>
             </a:fld>
             <a:endParaRPr lang="en-US"/>
           </a:p>
@@ -3323,7 +3323,7 @@
           <a:p>
             <a:fld id="{FF80D806-2732-D74C-AA54-685EF616F24A}" type="datetime1">
               <a:rPr lang="en-US" smtClean="0"/>
-              <a:t>11/15/2022</a:t>
+              <a:t>11/20/2022</a:t>
             </a:fld>
             <a:endParaRPr lang="en-US"/>
           </a:p>
@@ -3560,7 +3560,7 @@
           <a:p>
             <a:fld id="{7EE62EE2-D39B-DB40-8504-5F31AB3A7B1B}" type="datetime1">
               <a:rPr lang="en-US" smtClean="0"/>
-              <a:t>11/15/2022</a:t>
+              <a:t>11/20/2022</a:t>
             </a:fld>
             <a:endParaRPr lang="en-US"/>
           </a:p>
@@ -4017,7 +4017,7 @@
           <a:p>
             <a:fld id="{F2C6AE98-BAC0-8443-BBA0-C97A4F30D31A}" type="datetime1">
               <a:rPr lang="en-US" smtClean="0"/>
-              <a:t>11/15/2022</a:t>
+              <a:t>11/20/2022</a:t>
             </a:fld>
             <a:endParaRPr lang="en-US"/>
           </a:p>
@@ -4285,7 +4285,7 @@
           <a:p>
             <a:fld id="{88DBBF51-3929-3A49-BA7D-3AF73092A0AD}" type="datetime1">
               <a:rPr lang="en-US" smtClean="0"/>
-              <a:t>11/15/2022</a:t>
+              <a:t>11/20/2022</a:t>
             </a:fld>
             <a:endParaRPr lang="en-US"/>
           </a:p>
@@ -4483,7 +4483,7 @@
           <a:p>
             <a:fld id="{36C5C674-12AF-41F5-BDE5-1132B29F8CB8}" type="datetime1">
               <a:rPr lang="en-US" smtClean="0"/>
-              <a:t>11/15/2022</a:t>
+              <a:t>11/20/2022</a:t>
             </a:fld>
             <a:endParaRPr lang="en-US"/>
           </a:p>
@@ -6856,7 +6856,7 @@
           <a:p>
             <a:fld id="{3D457031-A04F-0040-B79E-439CA9E02781}" type="datetime1">
               <a:rPr lang="en-US" smtClean="0"/>
-              <a:t>11/15/2022</a:t>
+              <a:t>11/20/2022</a:t>
             </a:fld>
             <a:endParaRPr lang="en-US"/>
           </a:p>
@@ -7106,7 +7106,7 @@
           <a:p>
             <a:fld id="{641269E8-56DE-E044-B0E5-B498755A2633}" type="datetime1">
               <a:rPr lang="en-US" smtClean="0"/>
-              <a:t>11/15/2022</a:t>
+              <a:t>11/20/2022</a:t>
             </a:fld>
             <a:endParaRPr lang="en-US"/>
           </a:p>
@@ -7492,7 +7492,7 @@
           <a:p>
             <a:fld id="{219B2A40-E9E6-7E49-9EE5-F8C2FAB652F4}" type="datetime1">
               <a:rPr lang="en-US" smtClean="0"/>
-              <a:t>11/15/2022</a:t>
+              <a:t>11/20/2022</a:t>
             </a:fld>
             <a:endParaRPr lang="en-US"/>
           </a:p>
@@ -7752,7 +7752,7 @@
           <a:p>
             <a:fld id="{08D12B45-3253-4A45-B8F9-2E00FEB0C480}" type="datetime1">
               <a:rPr lang="en-US" smtClean="0"/>
-              <a:t>11/15/2022</a:t>
+              <a:t>11/20/2022</a:t>
             </a:fld>
             <a:endParaRPr lang="en-US"/>
           </a:p>
@@ -17565,8 +17565,8 @@
           </a:p>
         </p:txBody>
       </p:sp>
-      <mc:AlternateContent xmlns:mc="http://schemas.openxmlformats.org/markup-compatibility/2006">
-        <mc:Choice xmlns:a14="http://schemas.microsoft.com/office/drawing/2010/main" Requires="a14">
+      <mc:AlternateContent xmlns:mc="http://schemas.openxmlformats.org/markup-compatibility/2006" xmlns:a14="http://schemas.microsoft.com/office/drawing/2010/main">
+        <mc:Choice Requires="a14">
           <p:sp>
             <p:nvSpPr>
               <p:cNvPr id="5" name="Oval 4">
@@ -17684,7 +17684,7 @@
             </p:txBody>
           </p:sp>
         </mc:Choice>
-        <mc:Fallback>
+        <mc:Fallback xmlns="">
           <p:sp>
             <p:nvSpPr>
               <p:cNvPr id="5" name="Oval 4">
@@ -19846,8 +19846,8 @@
           </p:sp>
         </mc:Fallback>
       </mc:AlternateContent>
-      <mc:AlternateContent xmlns:mc="http://schemas.openxmlformats.org/markup-compatibility/2006">
-        <mc:Choice xmlns:a14="http://schemas.microsoft.com/office/drawing/2010/main" Requires="a14">
+      <mc:AlternateContent xmlns:mc="http://schemas.openxmlformats.org/markup-compatibility/2006" xmlns:a14="http://schemas.microsoft.com/office/drawing/2010/main">
+        <mc:Choice Requires="a14">
           <p:graphicFrame>
             <p:nvGraphicFramePr>
               <p:cNvPr id="8" name="Table 132">
@@ -24341,7 +24341,7 @@
             </a:graphic>
           </p:graphicFrame>
         </mc:Choice>
-        <mc:Fallback>
+        <mc:Fallback xmlns="">
           <p:graphicFrame>
             <p:nvGraphicFramePr>
               <p:cNvPr id="8" name="Table 132">
@@ -28316,8 +28316,8 @@
           </a:p>
         </p:txBody>
       </p:sp>
-      <mc:AlternateContent xmlns:mc="http://schemas.openxmlformats.org/markup-compatibility/2006">
-        <mc:Choice xmlns:a14="http://schemas.microsoft.com/office/drawing/2010/main" Requires="a14">
+      <mc:AlternateContent xmlns:mc="http://schemas.openxmlformats.org/markup-compatibility/2006" xmlns:a14="http://schemas.microsoft.com/office/drawing/2010/main">
+        <mc:Choice Requires="a14">
           <p:sp>
             <p:nvSpPr>
               <p:cNvPr id="39" name="TextBox 38">
@@ -28398,7 +28398,7 @@
             </p:txBody>
           </p:sp>
         </mc:Choice>
-        <mc:Fallback>
+        <mc:Fallback xmlns="">
           <p:sp>
             <p:nvSpPr>
               <p:cNvPr id="39" name="TextBox 38">
@@ -31502,8 +31502,8 @@
           </a:fontRef>
         </p:style>
       </p:cxnSp>
-      <mc:AlternateContent xmlns:mc="http://schemas.openxmlformats.org/markup-compatibility/2006" xmlns:a14="http://schemas.microsoft.com/office/drawing/2010/main">
-        <mc:Choice Requires="a14">
+      <mc:AlternateContent xmlns:mc="http://schemas.openxmlformats.org/markup-compatibility/2006">
+        <mc:Choice xmlns:a14="http://schemas.microsoft.com/office/drawing/2010/main" Requires="a14">
           <p:sp>
             <p:nvSpPr>
               <p:cNvPr id="33" name="TextBox 32">
@@ -31711,13 +31711,13 @@
                       </m:sub>
                       <m:sup>
                         <m:r>
-                          <a:rPr lang="en-US" sz="1200" b="1" i="1" dirty="0">
+                          <a:rPr lang="en-US" sz="1200" b="1" i="1" dirty="0" smtClean="0">
                             <a:solidFill>
                               <a:sysClr val="windowText" lastClr="000000"/>
                             </a:solidFill>
                             <a:latin typeface="Cambria Math" panose="02040503050406030204" pitchFamily="18" charset="0"/>
                           </a:rPr>
-                          <m:t>∗</m:t>
+                          <m:t>𝒅</m:t>
                         </m:r>
                       </m:sup>
                     </m:sSubSup>
@@ -31932,7 +31932,7 @@
             </p:txBody>
           </p:sp>
         </mc:Choice>
-        <mc:Fallback xmlns="">
+        <mc:Fallback>
           <p:sp>
             <p:nvSpPr>
               <p:cNvPr id="33" name="TextBox 32">
